--- a/Gaussian.pptx
+++ b/Gaussian.pptx
@@ -5,19 +5,31 @@
     <p:sldMasterId id="2147483648" r:id="rId1"/>
   </p:sldMasterIdLst>
   <p:sldIdLst>
-    <p:sldId id="256" r:id="rId2"/>
-    <p:sldId id="257" r:id="rId3"/>
-    <p:sldId id="264" r:id="rId4"/>
-    <p:sldId id="265" r:id="rId5"/>
-    <p:sldId id="266" r:id="rId6"/>
-    <p:sldId id="267" r:id="rId7"/>
-    <p:sldId id="258" r:id="rId8"/>
-    <p:sldId id="259" r:id="rId9"/>
-    <p:sldId id="268" r:id="rId10"/>
-    <p:sldId id="260" r:id="rId11"/>
-    <p:sldId id="261" r:id="rId12"/>
-    <p:sldId id="262" r:id="rId13"/>
-    <p:sldId id="263" r:id="rId14"/>
+    <p:sldId id="269" r:id="rId2"/>
+    <p:sldId id="272" r:id="rId3"/>
+    <p:sldId id="270" r:id="rId4"/>
+    <p:sldId id="271" r:id="rId5"/>
+    <p:sldId id="273" r:id="rId6"/>
+    <p:sldId id="274" r:id="rId7"/>
+    <p:sldId id="275" r:id="rId8"/>
+    <p:sldId id="257" r:id="rId9"/>
+    <p:sldId id="264" r:id="rId10"/>
+    <p:sldId id="265" r:id="rId11"/>
+    <p:sldId id="266" r:id="rId12"/>
+    <p:sldId id="267" r:id="rId13"/>
+    <p:sldId id="276" r:id="rId14"/>
+    <p:sldId id="277" r:id="rId15"/>
+    <p:sldId id="278" r:id="rId16"/>
+    <p:sldId id="279" r:id="rId17"/>
+    <p:sldId id="280" r:id="rId18"/>
+    <p:sldId id="281" r:id="rId19"/>
+    <p:sldId id="258" r:id="rId20"/>
+    <p:sldId id="259" r:id="rId21"/>
+    <p:sldId id="268" r:id="rId22"/>
+    <p:sldId id="260" r:id="rId23"/>
+    <p:sldId id="261" r:id="rId24"/>
+    <p:sldId id="262" r:id="rId25"/>
+    <p:sldId id="263" r:id="rId26"/>
   </p:sldIdLst>
   <p:sldSz cx="12192000" cy="6858000"/>
   <p:notesSz cx="6858000" cy="9144000"/>
@@ -116,7 +128,24 @@
       </a:defRPr>
     </a:lvl9pPr>
   </p:defaultTextStyle>
+  <p:extLst>
+    <p:ext uri="{EFAFB233-063F-42B5-8137-9DF3F51BA10A}">
+      <p15:sldGuideLst xmlns:p15="http://schemas.microsoft.com/office/powerpoint/2012/main"/>
+    </p:ext>
+  </p:extLst>
 </p:presentation>
+</file>
+
+<file path=ppt/revisionInfo.xml><?xml version="1.0" encoding="utf-8"?>
+<p1510:revInfo xmlns:a="http://schemas.openxmlformats.org/drawingml/2006/main" xmlns:r="http://schemas.openxmlformats.org/officeDocument/2006/relationships" xmlns:p1510="http://schemas.microsoft.com/office/powerpoint/2015/10/main">
+  <p1510:revLst>
+    <p1510:client id="{29B4680D-DF9F-49AF-B7BE-F1C9E702932A}" v="625" dt="2020-01-20T23:16:16.757"/>
+    <p1510:client id="{60B17416-3C26-40A9-ADB3-DCA12765DCA9}" v="1709" dt="2020-01-20T22:09:46"/>
+    <p1510:client id="{9406F3F5-F99F-44DA-BC92-E6D938C6D994}" v="1541" dt="2020-01-20T19:16:39.566"/>
+    <p1510:client id="{A98204A5-B05A-42F7-94A3-D10B116771C7}" v="61" dt="2020-01-20T22:32:15.414"/>
+    <p1510:client id="{B618E72E-98E5-45DA-8B0C-0585F14A2AC9}" v="524" dt="2020-01-20T20:08:24.114"/>
+  </p1510:revLst>
+</p1510:revInfo>
 </file>
 
 <file path=ppt/slideLayouts/slideLayout1.xml><?xml version="1.0" encoding="utf-8"?>
@@ -247,7 +276,7 @@
           <a:lstStyle/>
           <a:p>
             <a:fld id="{1DD2B6E9-A04E-1A41-BFAD-EC55FC061C29}" type="datetimeFigureOut">
-              <a:t>1/20/20</a:t>
+              <a:t>1/20/2020</a:t>
             </a:fld>
             <a:endParaRPr lang="en-US"/>
           </a:p>
@@ -413,7 +442,7 @@
           <a:lstStyle/>
           <a:p>
             <a:fld id="{1DD2B6E9-A04E-1A41-BFAD-EC55FC061C29}" type="datetimeFigureOut">
-              <a:t>1/20/20</a:t>
+              <a:t>1/20/2020</a:t>
             </a:fld>
             <a:endParaRPr lang="en-US"/>
           </a:p>
@@ -589,7 +618,7 @@
           <a:lstStyle/>
           <a:p>
             <a:fld id="{1DD2B6E9-A04E-1A41-BFAD-EC55FC061C29}" type="datetimeFigureOut">
-              <a:t>1/20/20</a:t>
+              <a:t>1/20/2020</a:t>
             </a:fld>
             <a:endParaRPr lang="en-US"/>
           </a:p>
@@ -755,7 +784,7 @@
           <a:lstStyle/>
           <a:p>
             <a:fld id="{1DD2B6E9-A04E-1A41-BFAD-EC55FC061C29}" type="datetimeFigureOut">
-              <a:t>1/20/20</a:t>
+              <a:t>1/20/2020</a:t>
             </a:fld>
             <a:endParaRPr lang="en-US"/>
           </a:p>
@@ -998,7 +1027,7 @@
           <a:lstStyle/>
           <a:p>
             <a:fld id="{1DD2B6E9-A04E-1A41-BFAD-EC55FC061C29}" type="datetimeFigureOut">
-              <a:t>1/20/20</a:t>
+              <a:t>1/20/2020</a:t>
             </a:fld>
             <a:endParaRPr lang="en-US"/>
           </a:p>
@@ -1225,7 +1254,7 @@
           <a:lstStyle/>
           <a:p>
             <a:fld id="{1DD2B6E9-A04E-1A41-BFAD-EC55FC061C29}" type="datetimeFigureOut">
-              <a:t>1/20/20</a:t>
+              <a:t>1/20/2020</a:t>
             </a:fld>
             <a:endParaRPr lang="en-US"/>
           </a:p>
@@ -1587,7 +1616,7 @@
           <a:lstStyle/>
           <a:p>
             <a:fld id="{1DD2B6E9-A04E-1A41-BFAD-EC55FC061C29}" type="datetimeFigureOut">
-              <a:t>1/20/20</a:t>
+              <a:t>1/20/2020</a:t>
             </a:fld>
             <a:endParaRPr lang="en-US"/>
           </a:p>
@@ -1702,7 +1731,7 @@
           <a:lstStyle/>
           <a:p>
             <a:fld id="{1DD2B6E9-A04E-1A41-BFAD-EC55FC061C29}" type="datetimeFigureOut">
-              <a:t>1/20/20</a:t>
+              <a:t>1/20/2020</a:t>
             </a:fld>
             <a:endParaRPr lang="en-US"/>
           </a:p>
@@ -1795,7 +1824,7 @@
           <a:lstStyle/>
           <a:p>
             <a:fld id="{1DD2B6E9-A04E-1A41-BFAD-EC55FC061C29}" type="datetimeFigureOut">
-              <a:t>1/20/20</a:t>
+              <a:t>1/20/2020</a:t>
             </a:fld>
             <a:endParaRPr lang="en-US"/>
           </a:p>
@@ -2068,7 +2097,7 @@
           <a:lstStyle/>
           <a:p>
             <a:fld id="{1DD2B6E9-A04E-1A41-BFAD-EC55FC061C29}" type="datetimeFigureOut">
-              <a:t>1/20/20</a:t>
+              <a:t>1/20/2020</a:t>
             </a:fld>
             <a:endParaRPr lang="en-US"/>
           </a:p>
@@ -2318,7 +2347,7 @@
           <a:lstStyle/>
           <a:p>
             <a:fld id="{1DD2B6E9-A04E-1A41-BFAD-EC55FC061C29}" type="datetimeFigureOut">
-              <a:t>1/20/20</a:t>
+              <a:t>1/20/2020</a:t>
             </a:fld>
             <a:endParaRPr lang="en-US"/>
           </a:p>
@@ -2527,7 +2556,7 @@
           </a:lstStyle>
           <a:p>
             <a:fld id="{1DD2B6E9-A04E-1A41-BFAD-EC55FC061C29}" type="datetimeFigureOut">
-              <a:t>1/20/20</a:t>
+              <a:t>1/20/2020</a:t>
             </a:fld>
             <a:endParaRPr lang="en-US"/>
           </a:p>
@@ -2931,6 +2960,126 @@
           <a:chExt cx="0" cy="0"/>
         </a:xfrm>
       </p:grpSpPr>
+      <p:sp>
+        <p:nvSpPr>
+          <p:cNvPr id="2" name="Title 1">
+            <a:extLst>
+              <a:ext uri="{FF2B5EF4-FFF2-40B4-BE49-F238E27FC236}">
+                <a16:creationId xmlns:a16="http://schemas.microsoft.com/office/drawing/2014/main" id="{A04D7CD0-1FF9-46DE-B62B-5ECA378E10FE}"/>
+              </a:ext>
+            </a:extLst>
+          </p:cNvPr>
+          <p:cNvSpPr>
+            <a:spLocks noGrp="1"/>
+          </p:cNvSpPr>
+          <p:nvPr>
+            <p:ph type="ctrTitle"/>
+          </p:nvPr>
+        </p:nvSpPr>
+        <p:spPr/>
+        <p:txBody>
+          <a:bodyPr/>
+          <a:lstStyle/>
+          <a:p>
+            <a:r>
+              <a:rPr lang="en-US" dirty="0">
+                <a:cs typeface="Calibri Light"/>
+              </a:rPr>
+              <a:t>Generate Gaussian samples</a:t>
+            </a:r>
+            <a:endParaRPr lang="en-US" dirty="0"/>
+          </a:p>
+        </p:txBody>
+      </p:sp>
+      <p:sp>
+        <p:nvSpPr>
+          <p:cNvPr id="3" name="Subtitle 2">
+            <a:extLst>
+              <a:ext uri="{FF2B5EF4-FFF2-40B4-BE49-F238E27FC236}">
+                <a16:creationId xmlns:a16="http://schemas.microsoft.com/office/drawing/2014/main" id="{0CA15A5E-49FB-40E0-B8A4-FE82B273F21D}"/>
+              </a:ext>
+            </a:extLst>
+          </p:cNvPr>
+          <p:cNvSpPr>
+            <a:spLocks noGrp="1"/>
+          </p:cNvSpPr>
+          <p:nvPr>
+            <p:ph type="subTitle" idx="1"/>
+          </p:nvPr>
+        </p:nvSpPr>
+        <p:spPr/>
+        <p:txBody>
+          <a:bodyPr vert="horz" lIns="91440" tIns="45720" rIns="91440" bIns="45720" rtlCol="0" anchor="t">
+            <a:normAutofit/>
+          </a:bodyPr>
+          <a:lstStyle/>
+          <a:p>
+            <a:endParaRPr lang="en-US" dirty="0">
+              <a:cs typeface="Calibri"/>
+            </a:endParaRPr>
+          </a:p>
+        </p:txBody>
+      </p:sp>
+    </p:spTree>
+    <p:extLst>
+      <p:ext uri="{BB962C8B-B14F-4D97-AF65-F5344CB8AC3E}">
+        <p14:creationId xmlns:p14="http://schemas.microsoft.com/office/powerpoint/2010/main" val="1305736856"/>
+      </p:ext>
+    </p:extLst>
+  </p:cSld>
+  <p:clrMapOvr>
+    <a:masterClrMapping/>
+  </p:clrMapOvr>
+</p:sld>
+</file>
+
+<file path=ppt/slides/slide10.xml><?xml version="1.0" encoding="utf-8"?>
+<p:sld xmlns:a="http://schemas.openxmlformats.org/drawingml/2006/main" xmlns:r="http://schemas.openxmlformats.org/officeDocument/2006/relationships" xmlns:p="http://schemas.openxmlformats.org/presentationml/2006/main">
+  <p:cSld>
+    <p:spTree>
+      <p:nvGrpSpPr>
+        <p:cNvPr id="1" name=""/>
+        <p:cNvGrpSpPr/>
+        <p:nvPr/>
+      </p:nvGrpSpPr>
+      <p:grpSpPr>
+        <a:xfrm>
+          <a:off x="0" y="0"/>
+          <a:ext cx="0" cy="0"/>
+          <a:chOff x="0" y="0"/>
+          <a:chExt cx="0" cy="0"/>
+        </a:xfrm>
+      </p:grpSpPr>
+      <p:pic>
+        <p:nvPicPr>
+          <p:cNvPr id="2" name="Picture 1"/>
+          <p:cNvPicPr>
+            <a:picLocks noChangeAspect="1"/>
+          </p:cNvPicPr>
+          <p:nvPr/>
+        </p:nvPicPr>
+        <p:blipFill>
+          <a:blip r:embed="rId2">
+            <a:extLst>
+              <a:ext uri="{28A0092B-C50C-407E-A947-70E740481C1C}">
+                <a14:useLocalDpi xmlns:a14="http://schemas.microsoft.com/office/drawing/2010/main" val="0"/>
+              </a:ext>
+            </a:extLst>
+          </a:blip>
+          <a:stretch>
+            <a:fillRect/>
+          </a:stretch>
+        </p:blipFill>
+        <p:spPr>
+          <a:xfrm>
+            <a:off x="457735" y="299987"/>
+            <a:ext cx="2832100" cy="1663700"/>
+          </a:xfrm>
+          <a:prstGeom prst="rect">
+            <a:avLst/>
+          </a:prstGeom>
+        </p:spPr>
+      </p:pic>
       <p:pic>
         <p:nvPicPr>
           <p:cNvPr id="4" name="Picture 3"/>
@@ -2940,7 +3089,7 @@
           <p:nvPr/>
         </p:nvPicPr>
         <p:blipFill>
-          <a:blip r:embed="rId2">
+          <a:blip r:embed="rId3">
             <a:extLst>
               <a:ext uri="{28A0092B-C50C-407E-A947-70E740481C1C}">
                 <a14:useLocalDpi xmlns:a14="http://schemas.microsoft.com/office/drawing/2010/main" val="0"/>
@@ -2953,65 +3102,4903 @@
         </p:blipFill>
         <p:spPr>
           <a:xfrm>
-            <a:off x="2429575" y="-315529"/>
-            <a:ext cx="6858000" cy="6858000"/>
+            <a:off x="646898" y="3093243"/>
+            <a:ext cx="1226887" cy="686472"/>
           </a:xfrm>
           <a:prstGeom prst="rect">
             <a:avLst/>
           </a:prstGeom>
         </p:spPr>
       </p:pic>
-      <p:sp>
-        <p:nvSpPr>
-          <p:cNvPr id="5" name="TextBox 4"/>
+      <p:pic>
+        <p:nvPicPr>
+          <p:cNvPr id="7" name="Picture 6"/>
+          <p:cNvPicPr>
+            <a:picLocks noChangeAspect="1"/>
+          </p:cNvPicPr>
+          <p:nvPr/>
+        </p:nvPicPr>
+        <p:blipFill>
+          <a:blip r:embed="rId4">
+            <a:extLst>
+              <a:ext uri="{28A0092B-C50C-407E-A947-70E740481C1C}">
+                <a14:useLocalDpi xmlns:a14="http://schemas.microsoft.com/office/drawing/2010/main" val="0"/>
+              </a:ext>
+            </a:extLst>
+          </a:blip>
+          <a:stretch>
+            <a:fillRect/>
+          </a:stretch>
+        </p:blipFill>
+        <p:spPr>
+          <a:xfrm>
+            <a:off x="2706567" y="3586388"/>
+            <a:ext cx="2256595" cy="292116"/>
+          </a:xfrm>
+          <a:prstGeom prst="rect">
+            <a:avLst/>
+          </a:prstGeom>
+        </p:spPr>
+      </p:pic>
+      <p:pic>
+        <p:nvPicPr>
+          <p:cNvPr id="8" name="Picture 7"/>
+          <p:cNvPicPr>
+            <a:picLocks noChangeAspect="1"/>
+          </p:cNvPicPr>
+          <p:nvPr/>
+        </p:nvPicPr>
+        <p:blipFill>
+          <a:blip r:embed="rId5">
+            <a:extLst>
+              <a:ext uri="{28A0092B-C50C-407E-A947-70E740481C1C}">
+                <a14:useLocalDpi xmlns:a14="http://schemas.microsoft.com/office/drawing/2010/main" val="0"/>
+              </a:ext>
+            </a:extLst>
+          </a:blip>
+          <a:stretch>
+            <a:fillRect/>
+          </a:stretch>
+        </p:blipFill>
+        <p:spPr>
+          <a:xfrm>
+            <a:off x="2706567" y="4012220"/>
+            <a:ext cx="2563316" cy="686472"/>
+          </a:xfrm>
+          <a:prstGeom prst="rect">
+            <a:avLst/>
+          </a:prstGeom>
+        </p:spPr>
+      </p:pic>
+      <p:pic>
+        <p:nvPicPr>
+          <p:cNvPr id="9" name="Picture 8"/>
+          <p:cNvPicPr>
+            <a:picLocks noChangeAspect="1"/>
+          </p:cNvPicPr>
+          <p:nvPr/>
+        </p:nvPicPr>
+        <p:blipFill>
+          <a:blip r:embed="rId6">
+            <a:extLst>
+              <a:ext uri="{28A0092B-C50C-407E-A947-70E740481C1C}">
+                <a14:useLocalDpi xmlns:a14="http://schemas.microsoft.com/office/drawing/2010/main" val="0"/>
+              </a:ext>
+            </a:extLst>
+          </a:blip>
+          <a:stretch>
+            <a:fillRect/>
+          </a:stretch>
+        </p:blipFill>
+        <p:spPr>
+          <a:xfrm>
+            <a:off x="2706567" y="2149374"/>
+            <a:ext cx="2453773" cy="671866"/>
+          </a:xfrm>
+          <a:prstGeom prst="rect">
+            <a:avLst/>
+          </a:prstGeom>
+        </p:spPr>
+      </p:pic>
+      <p:pic>
+        <p:nvPicPr>
+          <p:cNvPr id="10" name="Picture 9"/>
+          <p:cNvPicPr>
+            <a:picLocks noChangeAspect="1"/>
+          </p:cNvPicPr>
+          <p:nvPr/>
+        </p:nvPicPr>
+        <p:blipFill>
+          <a:blip r:embed="rId7">
+            <a:extLst>
+              <a:ext uri="{28A0092B-C50C-407E-A947-70E740481C1C}">
+                <a14:useLocalDpi xmlns:a14="http://schemas.microsoft.com/office/drawing/2010/main" val="0"/>
+              </a:ext>
+            </a:extLst>
+          </a:blip>
+          <a:stretch>
+            <a:fillRect/>
+          </a:stretch>
+        </p:blipFill>
+        <p:spPr>
+          <a:xfrm>
+            <a:off x="2706567" y="2819985"/>
+            <a:ext cx="2621740" cy="744895"/>
+          </a:xfrm>
+          <a:prstGeom prst="rect">
+            <a:avLst/>
+          </a:prstGeom>
+        </p:spPr>
+      </p:pic>
+      <p:pic>
+        <p:nvPicPr>
+          <p:cNvPr id="11" name="Picture 10"/>
+          <p:cNvPicPr>
+            <a:picLocks noChangeAspect="1"/>
+          </p:cNvPicPr>
+          <p:nvPr/>
+        </p:nvPicPr>
+        <p:blipFill>
+          <a:blip r:embed="rId8">
+            <a:extLst>
+              <a:ext uri="{28A0092B-C50C-407E-A947-70E740481C1C}">
+                <a14:useLocalDpi xmlns:a14="http://schemas.microsoft.com/office/drawing/2010/main" val="0"/>
+              </a:ext>
+            </a:extLst>
+          </a:blip>
+          <a:stretch>
+            <a:fillRect/>
+          </a:stretch>
+        </p:blipFill>
+        <p:spPr>
+          <a:xfrm>
+            <a:off x="6833937" y="2641125"/>
+            <a:ext cx="4052235" cy="1237379"/>
+          </a:xfrm>
+          <a:prstGeom prst="rect">
+            <a:avLst/>
+          </a:prstGeom>
+        </p:spPr>
+      </p:pic>
+      <p:sp>
+        <p:nvSpPr>
+          <p:cNvPr id="12" name="TextBox 11"/>
           <p:cNvSpPr txBox="1"/>
           <p:nvPr/>
         </p:nvSpPr>
         <p:spPr>
           <a:xfrm>
-            <a:off x="696226" y="6303944"/>
-            <a:ext cx="10324699" cy="477054"/>
-          </a:xfrm>
-          <a:prstGeom prst="rect">
+            <a:off x="2388835" y="2253505"/>
+            <a:ext cx="3493970" cy="2230739"/>
+          </a:xfrm>
+          <a:prstGeom prst="rect">
+            <a:avLst/>
+          </a:prstGeom>
+          <a:noFill/>
+        </p:spPr>
+        <p:txBody>
+          <a:bodyPr wrap="square" rtlCol="0">
+            <a:spAutoFit/>
+          </a:bodyPr>
+          <a:lstStyle/>
+          <a:p>
+            <a:pPr marL="285750" indent="-285750">
+              <a:lnSpc>
+                <a:spcPct val="200000"/>
+              </a:lnSpc>
+              <a:buFont typeface="Arial" charset="0"/>
+              <a:buChar char="•"/>
+            </a:pPr>
+            <a:r>
+              <a:rPr lang="en-US"/>
+              <a:t> </a:t>
+            </a:r>
+          </a:p>
+          <a:p>
+            <a:pPr marL="285750" indent="-285750">
+              <a:lnSpc>
+                <a:spcPct val="200000"/>
+              </a:lnSpc>
+              <a:buFont typeface="Arial" charset="0"/>
+              <a:buChar char="•"/>
+            </a:pPr>
+            <a:r>
+              <a:rPr lang="en-US"/>
+              <a:t> </a:t>
+            </a:r>
+          </a:p>
+          <a:p>
+            <a:pPr marL="285750" indent="-285750">
+              <a:lnSpc>
+                <a:spcPct val="200000"/>
+              </a:lnSpc>
+              <a:buFont typeface="Arial" charset="0"/>
+              <a:buChar char="•"/>
+            </a:pPr>
+            <a:r>
+              <a:rPr lang="en-US"/>
+              <a:t> </a:t>
+            </a:r>
+          </a:p>
+          <a:p>
+            <a:pPr marL="285750" indent="-285750">
+              <a:lnSpc>
+                <a:spcPct val="200000"/>
+              </a:lnSpc>
+              <a:buFont typeface="Arial" charset="0"/>
+              <a:buChar char="•"/>
+            </a:pPr>
+            <a:r>
+              <a:rPr lang="en-US"/>
+              <a:t> </a:t>
+            </a:r>
+          </a:p>
+        </p:txBody>
+      </p:sp>
+      <p:sp>
+        <p:nvSpPr>
+          <p:cNvPr id="13" name="Right Brace 12"/>
+          <p:cNvSpPr/>
+          <p:nvPr/>
+        </p:nvSpPr>
+        <p:spPr>
+          <a:xfrm rot="10800000">
+            <a:off x="1994199" y="2253505"/>
+            <a:ext cx="394636" cy="2212683"/>
+          </a:xfrm>
+          <a:prstGeom prst="rightBrace">
+            <a:avLst/>
+          </a:prstGeom>
+        </p:spPr>
+        <p:style>
+          <a:lnRef idx="1">
+            <a:schemeClr val="dk1"/>
+          </a:lnRef>
+          <a:fillRef idx="0">
+            <a:schemeClr val="dk1"/>
+          </a:fillRef>
+          <a:effectRef idx="0">
+            <a:schemeClr val="dk1"/>
+          </a:effectRef>
+          <a:fontRef idx="minor">
+            <a:schemeClr val="tx1"/>
+          </a:fontRef>
+        </p:style>
+        <p:txBody>
+          <a:bodyPr rtlCol="0" anchor="ctr"/>
+          <a:lstStyle/>
+          <a:p>
+            <a:pPr algn="ctr"/>
+            <a:endParaRPr lang="en-US"/>
+          </a:p>
+        </p:txBody>
+      </p:sp>
+      <mc:AlternateContent xmlns:mc="http://schemas.openxmlformats.org/markup-compatibility/2006" xmlns:a14="http://schemas.microsoft.com/office/drawing/2010/main">
+        <mc:Choice Requires="a14">
+          <p:sp>
+            <p:nvSpPr>
+              <p:cNvPr id="16" name="TextBox 15"/>
+              <p:cNvSpPr txBox="1"/>
+              <p:nvPr/>
+            </p:nvSpPr>
+            <p:spPr>
+              <a:xfrm>
+                <a:off x="5737230" y="3129013"/>
+                <a:ext cx="540212" cy="461665"/>
+              </a:xfrm>
+              <a:prstGeom prst="rect">
+                <a:avLst/>
+              </a:prstGeom>
+              <a:noFill/>
+            </p:spPr>
+            <p:txBody>
+              <a:bodyPr wrap="none" lIns="0" tIns="0" rIns="0" bIns="0" rtlCol="0">
+                <a:spAutoFit/>
+              </a:bodyPr>
+              <a:lstStyle/>
+              <a:p>
+                <a:pPr/>
+                <a14:m>
+                  <m:oMathPara xmlns:m="http://schemas.openxmlformats.org/officeDocument/2006/math">
+                    <m:oMathParaPr>
+                      <m:jc m:val="centerGroup"/>
+                    </m:oMathParaPr>
+                    <m:oMath xmlns:m="http://schemas.openxmlformats.org/officeDocument/2006/math">
+                      <m:r>
+                        <a:rPr lang="en-US" sz="3000" i="1">
+                          <a:latin typeface="Cambria Math" charset="0"/>
+                          <a:ea typeface="Cambria Math" charset="0"/>
+                          <a:cs typeface="Cambria Math" charset="0"/>
+                        </a:rPr>
+                        <m:t>⟹</m:t>
+                      </m:r>
+                    </m:oMath>
+                  </m:oMathPara>
+                </a14:m>
+                <a:endParaRPr lang="en-US" sz="3000"/>
+              </a:p>
+            </p:txBody>
+          </p:sp>
+        </mc:Choice>
+        <mc:Fallback xmlns="">
+          <p:sp>
+            <p:nvSpPr>
+              <p:cNvPr id="16" name="TextBox 15"/>
+              <p:cNvSpPr txBox="1">
+                <a:spLocks noRot="1" noChangeAspect="1" noMove="1" noResize="1" noEditPoints="1" noAdjustHandles="1" noChangeArrowheads="1" noChangeShapeType="1" noTextEdit="1"/>
+              </p:cNvSpPr>
+              <p:nvPr/>
+            </p:nvSpPr>
+            <p:spPr>
+              <a:xfrm>
+                <a:off x="5737230" y="3129013"/>
+                <a:ext cx="540212" cy="461665"/>
+              </a:xfrm>
+              <a:prstGeom prst="rect">
+                <a:avLst/>
+              </a:prstGeom>
+              <a:blipFill rotWithShape="0">
+                <a:blip r:embed="rId9"/>
+                <a:stretch>
+                  <a:fillRect/>
+                </a:stretch>
+              </a:blipFill>
+            </p:spPr>
+            <p:txBody>
+              <a:bodyPr/>
+              <a:lstStyle/>
+              <a:p>
+                <a:r>
+                  <a:rPr lang="en-US">
+                    <a:noFill/>
+                  </a:rPr>
+                  <a:t> </a:t>
+                </a:r>
+              </a:p>
+            </p:txBody>
+          </p:sp>
+        </mc:Fallback>
+      </mc:AlternateContent>
+      <p:pic>
+        <p:nvPicPr>
+          <p:cNvPr id="17" name="Picture 16"/>
+          <p:cNvPicPr>
+            <a:picLocks noChangeAspect="1"/>
+          </p:cNvPicPr>
+          <p:nvPr/>
+        </p:nvPicPr>
+        <p:blipFill>
+          <a:blip r:embed="rId10">
+            <a:extLst>
+              <a:ext uri="{28A0092B-C50C-407E-A947-70E740481C1C}">
+                <a14:useLocalDpi xmlns:a14="http://schemas.microsoft.com/office/drawing/2010/main" val="0"/>
+              </a:ext>
+            </a:extLst>
+          </a:blip>
+          <a:stretch>
+            <a:fillRect/>
+          </a:stretch>
+        </p:blipFill>
+        <p:spPr>
+          <a:xfrm>
+            <a:off x="8526913" y="4009070"/>
+            <a:ext cx="1612900" cy="1079500"/>
+          </a:xfrm>
+          <a:prstGeom prst="rect">
+            <a:avLst/>
+          </a:prstGeom>
+        </p:spPr>
+      </p:pic>
+      <p:pic>
+        <p:nvPicPr>
+          <p:cNvPr id="19" name="Picture 18"/>
+          <p:cNvPicPr>
+            <a:picLocks noChangeAspect="1"/>
+          </p:cNvPicPr>
+          <p:nvPr/>
+        </p:nvPicPr>
+        <p:blipFill>
+          <a:blip r:embed="rId11">
+            <a:extLst>
+              <a:ext uri="{28A0092B-C50C-407E-A947-70E740481C1C}">
+                <a14:useLocalDpi xmlns:a14="http://schemas.microsoft.com/office/drawing/2010/main" val="0"/>
+              </a:ext>
+            </a:extLst>
+          </a:blip>
+          <a:stretch>
+            <a:fillRect/>
+          </a:stretch>
+        </p:blipFill>
+        <p:spPr>
+          <a:xfrm>
+            <a:off x="8526913" y="5219136"/>
+            <a:ext cx="1765300" cy="1079500"/>
+          </a:xfrm>
+          <a:prstGeom prst="rect">
+            <a:avLst/>
+          </a:prstGeom>
+        </p:spPr>
+      </p:pic>
+      <p:pic>
+        <p:nvPicPr>
+          <p:cNvPr id="20" name="Picture 19"/>
+          <p:cNvPicPr>
+            <a:picLocks noChangeAspect="1"/>
+          </p:cNvPicPr>
+          <p:nvPr/>
+        </p:nvPicPr>
+        <p:blipFill>
+          <a:blip r:embed="rId12">
+            <a:extLst>
+              <a:ext uri="{28A0092B-C50C-407E-A947-70E740481C1C}">
+                <a14:useLocalDpi xmlns:a14="http://schemas.microsoft.com/office/drawing/2010/main" val="0"/>
+              </a:ext>
+            </a:extLst>
+          </a:blip>
+          <a:stretch>
+            <a:fillRect/>
+          </a:stretch>
+        </p:blipFill>
+        <p:spPr>
+          <a:xfrm>
+            <a:off x="10382985" y="5600136"/>
+            <a:ext cx="1308100" cy="698500"/>
+          </a:xfrm>
+          <a:prstGeom prst="rect">
+            <a:avLst/>
+          </a:prstGeom>
+        </p:spPr>
+      </p:pic>
+      <p:pic>
+        <p:nvPicPr>
+          <p:cNvPr id="24" name="Picture 23"/>
+          <p:cNvPicPr>
+            <a:picLocks noChangeAspect="1"/>
+          </p:cNvPicPr>
+          <p:nvPr/>
+        </p:nvPicPr>
+        <p:blipFill>
+          <a:blip r:embed="rId13">
+            <a:extLst>
+              <a:ext uri="{28A0092B-C50C-407E-A947-70E740481C1C}">
+                <a14:useLocalDpi xmlns:a14="http://schemas.microsoft.com/office/drawing/2010/main" val="0"/>
+              </a:ext>
+            </a:extLst>
+          </a:blip>
+          <a:stretch>
+            <a:fillRect/>
+          </a:stretch>
+        </p:blipFill>
+        <p:spPr>
+          <a:xfrm>
+            <a:off x="2503237" y="4931584"/>
+            <a:ext cx="4330700" cy="1816100"/>
+          </a:xfrm>
+          <a:prstGeom prst="rect">
+            <a:avLst/>
+          </a:prstGeom>
+          <a:ln>
+            <a:solidFill>
+              <a:srgbClr val="C00000"/>
+            </a:solidFill>
+          </a:ln>
+        </p:spPr>
+      </p:pic>
+    </p:spTree>
+    <p:extLst>
+      <p:ext uri="{BB962C8B-B14F-4D97-AF65-F5344CB8AC3E}">
+        <p14:creationId xmlns:p14="http://schemas.microsoft.com/office/powerpoint/2010/main" val="491932758"/>
+      </p:ext>
+    </p:extLst>
+  </p:cSld>
+  <p:clrMapOvr>
+    <a:masterClrMapping/>
+  </p:clrMapOvr>
+</p:sld>
+</file>
+
+<file path=ppt/slides/slide11.xml><?xml version="1.0" encoding="utf-8"?>
+<p:sld xmlns:a="http://schemas.openxmlformats.org/drawingml/2006/main" xmlns:r="http://schemas.openxmlformats.org/officeDocument/2006/relationships" xmlns:p="http://schemas.openxmlformats.org/presentationml/2006/main">
+  <p:cSld>
+    <p:spTree>
+      <p:nvGrpSpPr>
+        <p:cNvPr id="1" name=""/>
+        <p:cNvGrpSpPr/>
+        <p:nvPr/>
+      </p:nvGrpSpPr>
+      <p:grpSpPr>
+        <a:xfrm>
+          <a:off x="0" y="0"/>
+          <a:ext cx="0" cy="0"/>
+          <a:chOff x="0" y="0"/>
+          <a:chExt cx="0" cy="0"/>
+        </a:xfrm>
+      </p:grpSpPr>
+      <p:pic>
+        <p:nvPicPr>
+          <p:cNvPr id="5" name="Picture 4"/>
+          <p:cNvPicPr>
+            <a:picLocks noChangeAspect="1"/>
+          </p:cNvPicPr>
+          <p:nvPr/>
+        </p:nvPicPr>
+        <p:blipFill>
+          <a:blip r:embed="rId2">
+            <a:extLst>
+              <a:ext uri="{28A0092B-C50C-407E-A947-70E740481C1C}">
+                <a14:useLocalDpi xmlns:a14="http://schemas.microsoft.com/office/drawing/2010/main" val="0"/>
+              </a:ext>
+            </a:extLst>
+          </a:blip>
+          <a:stretch>
+            <a:fillRect/>
+          </a:stretch>
+        </p:blipFill>
+        <p:spPr>
+          <a:xfrm>
+            <a:off x="908957" y="1448583"/>
+            <a:ext cx="4702630" cy="2170793"/>
+          </a:xfrm>
+          <a:prstGeom prst="rect">
+            <a:avLst/>
+          </a:prstGeom>
+        </p:spPr>
+      </p:pic>
+      <p:sp>
+        <p:nvSpPr>
+          <p:cNvPr id="2" name="Title 1">
+            <a:extLst>
+              <a:ext uri="{FF2B5EF4-FFF2-40B4-BE49-F238E27FC236}">
+                <a16:creationId xmlns:a16="http://schemas.microsoft.com/office/drawing/2014/main" id="{7084D044-15AF-4A9A-813F-EEEA9E1C2C30}"/>
+              </a:ext>
+            </a:extLst>
+          </p:cNvPr>
+          <p:cNvSpPr txBox="1">
+            <a:spLocks/>
+          </p:cNvSpPr>
+          <p:nvPr/>
+        </p:nvSpPr>
+        <p:spPr>
+          <a:xfrm>
+            <a:off x="609600" y="3841750"/>
+            <a:ext cx="10515600" cy="735013"/>
+          </a:xfrm>
+          <a:prstGeom prst="rect">
+            <a:avLst/>
+          </a:prstGeom>
+        </p:spPr>
+        <p:style>
+          <a:lnRef idx="1">
+            <a:schemeClr val="accent1"/>
+          </a:lnRef>
+          <a:fillRef idx="3">
+            <a:schemeClr val="accent1"/>
+          </a:fillRef>
+          <a:effectRef idx="2">
+            <a:schemeClr val="accent1"/>
+          </a:effectRef>
+          <a:fontRef idx="minor">
+            <a:schemeClr val="lt1"/>
+          </a:fontRef>
+        </p:style>
+        <p:txBody>
+          <a:bodyPr anchor="t">
+            <a:normAutofit fontScale="97500"/>
+          </a:bodyPr>
+          <a:lstStyle>
+            <a:lvl1pPr algn="l" defTabSz="914400" rtl="0" eaLnBrk="1" latinLnBrk="0" hangingPunct="1">
+              <a:lnSpc>
+                <a:spcPct val="90000"/>
+              </a:lnSpc>
+              <a:spcBef>
+                <a:spcPct val="0"/>
+              </a:spcBef>
+              <a:buNone/>
+              <a:defRPr sz="4400" kern="1200">
+                <a:solidFill>
+                  <a:schemeClr val="lt1"/>
+                </a:solidFill>
+                <a:latin typeface="+mn-lt"/>
+                <a:ea typeface="+mn-ea"/>
+                <a:cs typeface="+mn-cs"/>
+              </a:defRPr>
+            </a:lvl1pPr>
+            <a:lvl2pPr>
+              <a:defRPr>
+                <a:solidFill>
+                  <a:schemeClr val="lt1"/>
+                </a:solidFill>
+                <a:latin typeface="+mn-lt"/>
+                <a:ea typeface="+mn-ea"/>
+                <a:cs typeface="+mn-cs"/>
+              </a:defRPr>
+            </a:lvl2pPr>
+            <a:lvl3pPr>
+              <a:defRPr>
+                <a:solidFill>
+                  <a:schemeClr val="lt1"/>
+                </a:solidFill>
+                <a:latin typeface="+mn-lt"/>
+                <a:ea typeface="+mn-ea"/>
+                <a:cs typeface="+mn-cs"/>
+              </a:defRPr>
+            </a:lvl3pPr>
+            <a:lvl4pPr>
+              <a:defRPr>
+                <a:solidFill>
+                  <a:schemeClr val="lt1"/>
+                </a:solidFill>
+                <a:latin typeface="+mn-lt"/>
+                <a:ea typeface="+mn-ea"/>
+                <a:cs typeface="+mn-cs"/>
+              </a:defRPr>
+            </a:lvl4pPr>
+            <a:lvl5pPr>
+              <a:defRPr>
+                <a:solidFill>
+                  <a:schemeClr val="lt1"/>
+                </a:solidFill>
+                <a:latin typeface="+mn-lt"/>
+                <a:ea typeface="+mn-ea"/>
+                <a:cs typeface="+mn-cs"/>
+              </a:defRPr>
+            </a:lvl5pPr>
+            <a:lvl6pPr>
+              <a:defRPr>
+                <a:solidFill>
+                  <a:schemeClr val="lt1"/>
+                </a:solidFill>
+                <a:latin typeface="+mn-lt"/>
+                <a:ea typeface="+mn-ea"/>
+                <a:cs typeface="+mn-cs"/>
+              </a:defRPr>
+            </a:lvl6pPr>
+            <a:lvl7pPr>
+              <a:defRPr>
+                <a:solidFill>
+                  <a:schemeClr val="lt1"/>
+                </a:solidFill>
+                <a:latin typeface="+mn-lt"/>
+                <a:ea typeface="+mn-ea"/>
+                <a:cs typeface="+mn-cs"/>
+              </a:defRPr>
+            </a:lvl7pPr>
+            <a:lvl8pPr>
+              <a:defRPr>
+                <a:solidFill>
+                  <a:schemeClr val="lt1"/>
+                </a:solidFill>
+                <a:latin typeface="+mn-lt"/>
+                <a:ea typeface="+mn-ea"/>
+                <a:cs typeface="+mn-cs"/>
+              </a:defRPr>
+            </a:lvl8pPr>
+            <a:lvl9pPr>
+              <a:defRPr>
+                <a:solidFill>
+                  <a:schemeClr val="lt1"/>
+                </a:solidFill>
+                <a:latin typeface="+mn-lt"/>
+                <a:ea typeface="+mn-ea"/>
+                <a:cs typeface="+mn-cs"/>
+              </a:defRPr>
+            </a:lvl9pPr>
+          </a:lstStyle>
+          <a:p>
+            <a:r>
+              <a:rPr lang="en-US" dirty="0">
+                <a:ea typeface="+mj-lt"/>
+                <a:cs typeface="+mj-lt"/>
+              </a:rPr>
+              <a:t>Don't be scared of strange notations in math!</a:t>
+            </a:r>
+            <a:endParaRPr lang="en-US" dirty="0"/>
+          </a:p>
+        </p:txBody>
+      </p:sp>
+      <p:pic>
+        <p:nvPicPr>
+          <p:cNvPr id="4" name="Picture 5" descr="A picture containing laptop, clock&#10;&#10;Description generated with very high confidence">
+            <a:extLst>
+              <a:ext uri="{FF2B5EF4-FFF2-40B4-BE49-F238E27FC236}">
+                <a16:creationId xmlns:a16="http://schemas.microsoft.com/office/drawing/2014/main" id="{6ECC57D1-525B-47BC-8E21-1E722C67F2CB}"/>
+              </a:ext>
+            </a:extLst>
+          </p:cNvPr>
+          <p:cNvPicPr>
+            <a:picLocks noChangeAspect="1"/>
+          </p:cNvPicPr>
+          <p:nvPr/>
+        </p:nvPicPr>
+        <p:blipFill>
+          <a:blip r:embed="rId3"/>
+          <a:stretch>
+            <a:fillRect/>
+          </a:stretch>
+        </p:blipFill>
+        <p:spPr>
+          <a:xfrm>
+            <a:off x="2261507" y="4785573"/>
+            <a:ext cx="2743200" cy="851925"/>
+          </a:xfrm>
+          <a:prstGeom prst="rect">
+            <a:avLst/>
+          </a:prstGeom>
+        </p:spPr>
+      </p:pic>
+      <p:pic>
+        <p:nvPicPr>
+          <p:cNvPr id="7" name="Picture 7" descr="A close up of a logo&#10;&#10;Description generated with very high confidence">
+            <a:extLst>
+              <a:ext uri="{FF2B5EF4-FFF2-40B4-BE49-F238E27FC236}">
+                <a16:creationId xmlns:a16="http://schemas.microsoft.com/office/drawing/2014/main" id="{37A08D3D-2196-46B9-B14D-C8EE496CDFF9}"/>
+              </a:ext>
+            </a:extLst>
+          </p:cNvPr>
+          <p:cNvPicPr>
+            <a:picLocks noChangeAspect="1"/>
+          </p:cNvPicPr>
+          <p:nvPr/>
+        </p:nvPicPr>
+        <p:blipFill>
+          <a:blip r:embed="rId4"/>
+          <a:stretch>
+            <a:fillRect/>
+          </a:stretch>
+        </p:blipFill>
+        <p:spPr>
+          <a:xfrm>
+            <a:off x="2255646" y="5806045"/>
+            <a:ext cx="2743200" cy="893345"/>
+          </a:xfrm>
+          <a:prstGeom prst="rect">
+            <a:avLst/>
+          </a:prstGeom>
+        </p:spPr>
+      </p:pic>
+      <p:pic>
+        <p:nvPicPr>
+          <p:cNvPr id="11" name="Picture 11" descr="A close up of a logo&#10;&#10;Description generated with very high confidence">
+            <a:extLst>
+              <a:ext uri="{FF2B5EF4-FFF2-40B4-BE49-F238E27FC236}">
+                <a16:creationId xmlns:a16="http://schemas.microsoft.com/office/drawing/2014/main" id="{1C7C5148-2C26-4C46-8A57-0ABC2105888F}"/>
+              </a:ext>
+            </a:extLst>
+          </p:cNvPr>
+          <p:cNvPicPr>
+            <a:picLocks noChangeAspect="1"/>
+          </p:cNvPicPr>
+          <p:nvPr/>
+        </p:nvPicPr>
+        <p:blipFill>
+          <a:blip r:embed="rId5"/>
+          <a:stretch>
+            <a:fillRect/>
+          </a:stretch>
+        </p:blipFill>
+        <p:spPr>
+          <a:xfrm>
+            <a:off x="7132864" y="4592971"/>
+            <a:ext cx="2743200" cy="1237129"/>
+          </a:xfrm>
+          <a:prstGeom prst="rect">
+            <a:avLst/>
+          </a:prstGeom>
+        </p:spPr>
+      </p:pic>
+      <p:pic>
+        <p:nvPicPr>
+          <p:cNvPr id="17" name="Picture 17" descr="A close up of a logo&#10;&#10;Description generated with very high confidence">
+            <a:extLst>
+              <a:ext uri="{FF2B5EF4-FFF2-40B4-BE49-F238E27FC236}">
+                <a16:creationId xmlns:a16="http://schemas.microsoft.com/office/drawing/2014/main" id="{3FCA62AA-EDAE-439C-9303-CEEE693B273F}"/>
+              </a:ext>
+            </a:extLst>
+          </p:cNvPr>
+          <p:cNvPicPr>
+            <a:picLocks noChangeAspect="1"/>
+          </p:cNvPicPr>
+          <p:nvPr/>
+        </p:nvPicPr>
+        <p:blipFill>
+          <a:blip r:embed="rId6"/>
+          <a:stretch>
+            <a:fillRect/>
+          </a:stretch>
+        </p:blipFill>
+        <p:spPr>
+          <a:xfrm>
+            <a:off x="7187293" y="5691067"/>
+            <a:ext cx="3205843" cy="1041188"/>
+          </a:xfrm>
+          <a:prstGeom prst="rect">
+            <a:avLst/>
+          </a:prstGeom>
+        </p:spPr>
+      </p:pic>
+      <p:sp>
+        <p:nvSpPr>
+          <p:cNvPr id="21" name="Arrow: Left-Right 20">
+            <a:extLst>
+              <a:ext uri="{FF2B5EF4-FFF2-40B4-BE49-F238E27FC236}">
+                <a16:creationId xmlns:a16="http://schemas.microsoft.com/office/drawing/2014/main" id="{BC310153-2D79-4B47-BF62-5CDC3F19A3F2}"/>
+              </a:ext>
+            </a:extLst>
+          </p:cNvPr>
+          <p:cNvSpPr/>
+          <p:nvPr/>
+        </p:nvSpPr>
+        <p:spPr>
+          <a:xfrm>
+            <a:off x="5174958" y="5050862"/>
+            <a:ext cx="1782535" cy="408214"/>
+          </a:xfrm>
+          <a:prstGeom prst="leftRightArrow">
             <a:avLst/>
           </a:prstGeom>
         </p:spPr>
         <p:style>
           <a:lnRef idx="2">
-            <a:schemeClr val="accent6"/>
+            <a:schemeClr val="dk1"/>
           </a:lnRef>
           <a:fillRef idx="1">
             <a:schemeClr val="lt1"/>
           </a:fillRef>
           <a:effectRef idx="0">
-            <a:schemeClr val="accent6"/>
+            <a:schemeClr val="dk1"/>
           </a:effectRef>
           <a:fontRef idx="minor">
             <a:schemeClr val="dk1"/>
           </a:fontRef>
         </p:style>
         <p:txBody>
-          <a:bodyPr wrap="square" rtlCol="0">
+          <a:bodyPr rtlCol="0" anchor="ctr"/>
+          <a:lstStyle/>
+          <a:p>
+            <a:pPr algn="ctr"/>
+            <a:endParaRPr lang="en-US"/>
+          </a:p>
+        </p:txBody>
+      </p:sp>
+      <p:sp>
+        <p:nvSpPr>
+          <p:cNvPr id="22" name="Arrow: Left-Right 21">
+            <a:extLst>
+              <a:ext uri="{FF2B5EF4-FFF2-40B4-BE49-F238E27FC236}">
+                <a16:creationId xmlns:a16="http://schemas.microsoft.com/office/drawing/2014/main" id="{7DCF73A5-470E-4C45-83FC-DCAA7CBB1796}"/>
+              </a:ext>
+            </a:extLst>
+          </p:cNvPr>
+          <p:cNvSpPr/>
+          <p:nvPr/>
+        </p:nvSpPr>
+        <p:spPr>
+          <a:xfrm>
+            <a:off x="5174957" y="6044183"/>
+            <a:ext cx="1782535" cy="408214"/>
+          </a:xfrm>
+          <a:prstGeom prst="leftRightArrow">
+            <a:avLst/>
+          </a:prstGeom>
+        </p:spPr>
+        <p:style>
+          <a:lnRef idx="2">
+            <a:schemeClr val="dk1"/>
+          </a:lnRef>
+          <a:fillRef idx="1">
+            <a:schemeClr val="lt1"/>
+          </a:fillRef>
+          <a:effectRef idx="0">
+            <a:schemeClr val="dk1"/>
+          </a:effectRef>
+          <a:fontRef idx="minor">
+            <a:schemeClr val="dk1"/>
+          </a:fontRef>
+        </p:style>
+        <p:txBody>
+          <a:bodyPr rtlCol="0" anchor="ctr"/>
+          <a:lstStyle/>
+          <a:p>
+            <a:pPr algn="ctr"/>
+            <a:endParaRPr lang="en-US"/>
+          </a:p>
+        </p:txBody>
+      </p:sp>
+      <p:sp>
+        <p:nvSpPr>
+          <p:cNvPr id="23" name="TextBox 22">
+            <a:extLst>
+              <a:ext uri="{FF2B5EF4-FFF2-40B4-BE49-F238E27FC236}">
+                <a16:creationId xmlns:a16="http://schemas.microsoft.com/office/drawing/2014/main" id="{0F5BDBF7-04A6-4BCC-8FF6-0243A9637006}"/>
+              </a:ext>
+            </a:extLst>
+          </p:cNvPr>
+          <p:cNvSpPr txBox="1"/>
+          <p:nvPr/>
+        </p:nvSpPr>
+        <p:spPr>
+          <a:xfrm>
+            <a:off x="111579" y="5023757"/>
+            <a:ext cx="2743200" cy="369332"/>
+          </a:xfrm>
+          <a:prstGeom prst="rect">
+            <a:avLst/>
+          </a:prstGeom>
+          <a:noFill/>
+        </p:spPr>
+        <p:txBody>
+          <a:bodyPr rot="0" spcFirstLastPara="0" vertOverflow="overflow" horzOverflow="overflow" vert="horz" wrap="square" lIns="91440" tIns="45720" rIns="91440" bIns="45720" numCol="1" spcCol="0" rtlCol="0" fromWordArt="0" anchor="t" anchorCtr="0" forceAA="0" compatLnSpc="1">
+            <a:prstTxWarp prst="textNoShape">
+              <a:avLst/>
+            </a:prstTxWarp>
             <a:spAutoFit/>
           </a:bodyPr>
           <a:lstStyle/>
           <a:p>
-            <a:pPr algn="ctr"/>
-            <a:r>
-              <a:rPr lang="en-US" sz="2500">
+            <a:r>
+              <a:rPr lang="en-US" dirty="0"/>
+              <a:t>Gamma distribution</a:t>
+            </a:r>
+          </a:p>
+        </p:txBody>
+      </p:sp>
+      <p:sp>
+        <p:nvSpPr>
+          <p:cNvPr id="24" name="TextBox 23">
+            <a:extLst>
+              <a:ext uri="{FF2B5EF4-FFF2-40B4-BE49-F238E27FC236}">
+                <a16:creationId xmlns:a16="http://schemas.microsoft.com/office/drawing/2014/main" id="{A86DA4FC-D6CA-4AB0-AE95-A50752B24BD5}"/>
+              </a:ext>
+            </a:extLst>
+          </p:cNvPr>
+          <p:cNvSpPr txBox="1"/>
+          <p:nvPr/>
+        </p:nvSpPr>
+        <p:spPr>
+          <a:xfrm>
+            <a:off x="111578" y="6030685"/>
+            <a:ext cx="2743200" cy="369332"/>
+          </a:xfrm>
+          <a:prstGeom prst="rect">
+            <a:avLst/>
+          </a:prstGeom>
+          <a:noFill/>
+        </p:spPr>
+        <p:txBody>
+          <a:bodyPr rot="0" spcFirstLastPara="0" vertOverflow="overflow" horzOverflow="overflow" vert="horz" wrap="square" lIns="91440" tIns="45720" rIns="91440" bIns="45720" numCol="1" spcCol="0" rtlCol="0" fromWordArt="0" anchor="t" anchorCtr="0" forceAA="0" compatLnSpc="1">
+            <a:prstTxWarp prst="textNoShape">
+              <a:avLst/>
+            </a:prstTxWarp>
+            <a:spAutoFit/>
+          </a:bodyPr>
+          <a:lstStyle/>
+          <a:p>
+            <a:r>
+              <a:rPr lang="en-US" dirty="0"/>
+              <a:t>Beta distribution</a:t>
+            </a:r>
+          </a:p>
+        </p:txBody>
+      </p:sp>
+      <p:sp>
+        <p:nvSpPr>
+          <p:cNvPr id="25" name="TextBox 24">
+            <a:extLst>
+              <a:ext uri="{FF2B5EF4-FFF2-40B4-BE49-F238E27FC236}">
+                <a16:creationId xmlns:a16="http://schemas.microsoft.com/office/drawing/2014/main" id="{8DFFBF83-642B-431A-8F53-8753A0A36565}"/>
+              </a:ext>
+            </a:extLst>
+          </p:cNvPr>
+          <p:cNvSpPr txBox="1"/>
+          <p:nvPr/>
+        </p:nvSpPr>
+        <p:spPr>
+          <a:xfrm>
+            <a:off x="10425793" y="5023757"/>
+            <a:ext cx="2743200" cy="369332"/>
+          </a:xfrm>
+          <a:prstGeom prst="rect">
+            <a:avLst/>
+          </a:prstGeom>
+          <a:noFill/>
+        </p:spPr>
+        <p:txBody>
+          <a:bodyPr rot="0" spcFirstLastPara="0" vertOverflow="overflow" horzOverflow="overflow" vert="horz" wrap="square" lIns="91440" tIns="45720" rIns="91440" bIns="45720" numCol="1" spcCol="0" rtlCol="0" fromWordArt="0" anchor="t" anchorCtr="0" forceAA="0" compatLnSpc="1">
+            <a:prstTxWarp prst="textNoShape">
+              <a:avLst/>
+            </a:prstTxWarp>
+            <a:spAutoFit/>
+          </a:bodyPr>
+          <a:lstStyle/>
+          <a:p>
+            <a:r>
+              <a:rPr lang="en-US" dirty="0">
                 <a:solidFill>
-                  <a:schemeClr val="accent6"/>
+                  <a:srgbClr val="D42728"/>
                 </a:solidFill>
               </a:rPr>
-              <a:t>For any distribution, the cumulative probability is always uniformly-distributed</a:t>
-            </a:r>
+              <a:t>Gamma function</a:t>
+            </a:r>
+            <a:endParaRPr lang="en-US" dirty="0">
+              <a:solidFill>
+                <a:srgbClr val="D42728"/>
+              </a:solidFill>
+              <a:cs typeface="Calibri"/>
+            </a:endParaRPr>
+          </a:p>
+        </p:txBody>
+      </p:sp>
+      <p:sp>
+        <p:nvSpPr>
+          <p:cNvPr id="26" name="TextBox 25">
+            <a:extLst>
+              <a:ext uri="{FF2B5EF4-FFF2-40B4-BE49-F238E27FC236}">
+                <a16:creationId xmlns:a16="http://schemas.microsoft.com/office/drawing/2014/main" id="{47F6EEE5-76B4-479E-BB9D-404148710A28}"/>
+              </a:ext>
+            </a:extLst>
+          </p:cNvPr>
+          <p:cNvSpPr txBox="1"/>
+          <p:nvPr/>
+        </p:nvSpPr>
+        <p:spPr>
+          <a:xfrm>
+            <a:off x="10466613" y="6030685"/>
+            <a:ext cx="2743200" cy="369332"/>
+          </a:xfrm>
+          <a:prstGeom prst="rect">
+            <a:avLst/>
+          </a:prstGeom>
+          <a:noFill/>
+        </p:spPr>
+        <p:txBody>
+          <a:bodyPr rot="0" spcFirstLastPara="0" vertOverflow="overflow" horzOverflow="overflow" vert="horz" wrap="square" lIns="91440" tIns="45720" rIns="91440" bIns="45720" numCol="1" spcCol="0" rtlCol="0" fromWordArt="0" anchor="t" anchorCtr="0" forceAA="0" compatLnSpc="1">
+            <a:prstTxWarp prst="textNoShape">
+              <a:avLst/>
+            </a:prstTxWarp>
+            <a:spAutoFit/>
+          </a:bodyPr>
+          <a:lstStyle/>
+          <a:p>
+            <a:r>
+              <a:rPr lang="en-US" dirty="0">
+                <a:solidFill>
+                  <a:srgbClr val="D42728"/>
+                </a:solidFill>
+              </a:rPr>
+              <a:t>Beta function</a:t>
+            </a:r>
+            <a:endParaRPr lang="en-US" dirty="0">
+              <a:solidFill>
+                <a:srgbClr val="D42728"/>
+              </a:solidFill>
+              <a:cs typeface="Calibri"/>
+            </a:endParaRPr>
+          </a:p>
+        </p:txBody>
+      </p:sp>
+      <p:sp>
+        <p:nvSpPr>
+          <p:cNvPr id="27" name="Title 26">
+            <a:extLst>
+              <a:ext uri="{FF2B5EF4-FFF2-40B4-BE49-F238E27FC236}">
+                <a16:creationId xmlns:a16="http://schemas.microsoft.com/office/drawing/2014/main" id="{362F8776-3460-4003-9535-9214502E26CF}"/>
+              </a:ext>
+            </a:extLst>
+          </p:cNvPr>
+          <p:cNvSpPr>
+            <a:spLocks noGrp="1"/>
+          </p:cNvSpPr>
+          <p:nvPr>
+            <p:ph type="title"/>
+          </p:nvPr>
+        </p:nvSpPr>
+        <p:spPr/>
+        <p:txBody>
+          <a:bodyPr/>
+          <a:lstStyle/>
+          <a:p>
+            <a:r>
+              <a:rPr lang="en-US" dirty="0">
+                <a:cs typeface="Calibri Light"/>
+              </a:rPr>
+              <a:t>CDF of N(0, 1)</a:t>
+            </a:r>
+            <a:endParaRPr lang="en-US" dirty="0"/>
           </a:p>
         </p:txBody>
       </p:sp>
     </p:spTree>
     <p:extLst>
       <p:ext uri="{BB962C8B-B14F-4D97-AF65-F5344CB8AC3E}">
-        <p14:creationId xmlns:p14="http://schemas.microsoft.com/office/powerpoint/2010/main" val="1633543792"/>
+        <p14:creationId xmlns:p14="http://schemas.microsoft.com/office/powerpoint/2010/main" val="563215021"/>
+      </p:ext>
+    </p:extLst>
+  </p:cSld>
+  <p:clrMapOvr>
+    <a:masterClrMapping/>
+  </p:clrMapOvr>
+</p:sld>
+</file>
+
+<file path=ppt/slides/slide12.xml><?xml version="1.0" encoding="utf-8"?>
+<p:sld xmlns:a="http://schemas.openxmlformats.org/drawingml/2006/main" xmlns:r="http://schemas.openxmlformats.org/officeDocument/2006/relationships" xmlns:p="http://schemas.openxmlformats.org/presentationml/2006/main">
+  <p:cSld>
+    <p:spTree>
+      <p:nvGrpSpPr>
+        <p:cNvPr id="1" name=""/>
+        <p:cNvGrpSpPr/>
+        <p:nvPr/>
+      </p:nvGrpSpPr>
+      <p:grpSpPr>
+        <a:xfrm>
+          <a:off x="0" y="0"/>
+          <a:ext cx="0" cy="0"/>
+          <a:chOff x="0" y="0"/>
+          <a:chExt cx="0" cy="0"/>
+        </a:xfrm>
+      </p:grpSpPr>
+      <p:pic>
+        <p:nvPicPr>
+          <p:cNvPr id="3" name="Picture 2"/>
+          <p:cNvPicPr>
+            <a:picLocks noChangeAspect="1"/>
+          </p:cNvPicPr>
+          <p:nvPr/>
+        </p:nvPicPr>
+        <p:blipFill>
+          <a:blip r:embed="rId2">
+            <a:extLst>
+              <a:ext uri="{28A0092B-C50C-407E-A947-70E740481C1C}">
+                <a14:useLocalDpi xmlns:a14="http://schemas.microsoft.com/office/drawing/2010/main" val="0"/>
+              </a:ext>
+            </a:extLst>
+          </a:blip>
+          <a:stretch>
+            <a:fillRect/>
+          </a:stretch>
+        </p:blipFill>
+        <p:spPr>
+          <a:xfrm>
+            <a:off x="1616443" y="2800349"/>
+            <a:ext cx="2441575" cy="1038225"/>
+          </a:xfrm>
+          <a:prstGeom prst="rect">
+            <a:avLst/>
+          </a:prstGeom>
+        </p:spPr>
+      </p:pic>
+      <p:pic>
+        <p:nvPicPr>
+          <p:cNvPr id="4" name="Picture 3"/>
+          <p:cNvPicPr>
+            <a:picLocks noChangeAspect="1"/>
+          </p:cNvPicPr>
+          <p:nvPr/>
+        </p:nvPicPr>
+        <p:blipFill>
+          <a:blip r:embed="rId3">
+            <a:extLst>
+              <a:ext uri="{28A0092B-C50C-407E-A947-70E740481C1C}">
+                <a14:useLocalDpi xmlns:a14="http://schemas.microsoft.com/office/drawing/2010/main" val="0"/>
+              </a:ext>
+            </a:extLst>
+          </a:blip>
+          <a:stretch>
+            <a:fillRect/>
+          </a:stretch>
+        </p:blipFill>
+        <p:spPr>
+          <a:xfrm>
+            <a:off x="1562014" y="3834492"/>
+            <a:ext cx="2413000" cy="1038225"/>
+          </a:xfrm>
+          <a:prstGeom prst="rect">
+            <a:avLst/>
+          </a:prstGeom>
+        </p:spPr>
+      </p:pic>
+      <p:pic>
+        <p:nvPicPr>
+          <p:cNvPr id="6" name="Picture 5"/>
+          <p:cNvPicPr>
+            <a:picLocks noChangeAspect="1"/>
+          </p:cNvPicPr>
+          <p:nvPr/>
+        </p:nvPicPr>
+        <p:blipFill>
+          <a:blip r:embed="rId4">
+            <a:extLst>
+              <a:ext uri="{28A0092B-C50C-407E-A947-70E740481C1C}">
+                <a14:useLocalDpi xmlns:a14="http://schemas.microsoft.com/office/drawing/2010/main" val="0"/>
+              </a:ext>
+            </a:extLst>
+          </a:blip>
+          <a:stretch>
+            <a:fillRect/>
+          </a:stretch>
+        </p:blipFill>
+        <p:spPr>
+          <a:xfrm>
+            <a:off x="1453157" y="4773385"/>
+            <a:ext cx="2755900" cy="917575"/>
+          </a:xfrm>
+          <a:prstGeom prst="rect">
+            <a:avLst/>
+          </a:prstGeom>
+        </p:spPr>
+      </p:pic>
+      <p:pic>
+        <p:nvPicPr>
+          <p:cNvPr id="7" name="Picture 6"/>
+          <p:cNvPicPr>
+            <a:picLocks noChangeAspect="1"/>
+          </p:cNvPicPr>
+          <p:nvPr/>
+        </p:nvPicPr>
+        <p:blipFill>
+          <a:blip r:embed="rId5">
+            <a:extLst>
+              <a:ext uri="{28A0092B-C50C-407E-A947-70E740481C1C}">
+                <a14:useLocalDpi xmlns:a14="http://schemas.microsoft.com/office/drawing/2010/main" val="0"/>
+              </a:ext>
+            </a:extLst>
+          </a:blip>
+          <a:stretch>
+            <a:fillRect/>
+          </a:stretch>
+        </p:blipFill>
+        <p:spPr>
+          <a:xfrm>
+            <a:off x="1453157" y="5724978"/>
+            <a:ext cx="2924175" cy="546100"/>
+          </a:xfrm>
+          <a:prstGeom prst="rect">
+            <a:avLst/>
+          </a:prstGeom>
+        </p:spPr>
+      </p:pic>
+      <mc:AlternateContent xmlns:mc="http://schemas.openxmlformats.org/markup-compatibility/2006" xmlns:a14="http://schemas.microsoft.com/office/drawing/2010/main">
+        <mc:Choice Requires="a14">
+          <p:sp>
+            <p:nvSpPr>
+              <p:cNvPr id="8" name="TextBox 7"/>
+              <p:cNvSpPr txBox="1"/>
+              <p:nvPr/>
+            </p:nvSpPr>
+            <p:spPr>
+              <a:xfrm>
+                <a:off x="946509" y="2992855"/>
+                <a:ext cx="368762" cy="461665"/>
+              </a:xfrm>
+              <a:prstGeom prst="rect">
+                <a:avLst/>
+              </a:prstGeom>
+              <a:noFill/>
+            </p:spPr>
+            <p:txBody>
+              <a:bodyPr wrap="square" lIns="0" tIns="0" rIns="0" bIns="0" rtlCol="0">
+                <a:spAutoFit/>
+              </a:bodyPr>
+              <a:lstStyle/>
+              <a:p>
+                <a:pPr/>
+                <a14:m>
+                  <m:oMathPara xmlns:m="http://schemas.openxmlformats.org/officeDocument/2006/math">
+                    <m:oMathParaPr>
+                      <m:jc m:val="centerGroup"/>
+                    </m:oMathParaPr>
+                    <m:oMath xmlns:m="http://schemas.openxmlformats.org/officeDocument/2006/math">
+                      <m:r>
+                        <a:rPr lang="en-US" sz="3000" i="1">
+                          <a:latin typeface="Cambria Math" charset="0"/>
+                          <a:ea typeface="Cambria Math" charset="0"/>
+                          <a:cs typeface="Cambria Math" charset="0"/>
+                        </a:rPr>
+                        <m:t>⟹</m:t>
+                      </m:r>
+                    </m:oMath>
+                  </m:oMathPara>
+                </a14:m>
+                <a:endParaRPr lang="en-US" sz="3000"/>
+              </a:p>
+            </p:txBody>
+          </p:sp>
+        </mc:Choice>
+        <mc:Fallback xmlns="">
+          <p:sp>
+            <p:nvSpPr>
+              <p:cNvPr id="8" name="TextBox 7"/>
+              <p:cNvSpPr txBox="1">
+                <a:spLocks noRot="1" noChangeAspect="1" noMove="1" noResize="1" noEditPoints="1" noAdjustHandles="1" noChangeArrowheads="1" noChangeShapeType="1" noTextEdit="1"/>
+              </p:cNvSpPr>
+              <p:nvPr/>
+            </p:nvSpPr>
+            <p:spPr>
+              <a:xfrm>
+                <a:off x="946509" y="2992855"/>
+                <a:ext cx="368762" cy="461665"/>
+              </a:xfrm>
+              <a:prstGeom prst="rect">
+                <a:avLst/>
+              </a:prstGeom>
+              <a:blipFill>
+                <a:blip r:embed="rId6"/>
+                <a:stretch>
+                  <a:fillRect r="-18033"/>
+                </a:stretch>
+              </a:blipFill>
+            </p:spPr>
+            <p:txBody>
+              <a:bodyPr/>
+              <a:lstStyle/>
+              <a:p>
+                <a:r>
+                  <a:rPr lang="en-US">
+                    <a:noFill/>
+                  </a:rPr>
+                  <a:t> </a:t>
+                </a:r>
+              </a:p>
+            </p:txBody>
+          </p:sp>
+        </mc:Fallback>
+      </mc:AlternateContent>
+      <mc:AlternateContent xmlns:mc="http://schemas.openxmlformats.org/markup-compatibility/2006" xmlns:a14="http://schemas.microsoft.com/office/drawing/2010/main">
+        <mc:Choice Requires="a14">
+          <p:sp>
+            <p:nvSpPr>
+              <p:cNvPr id="9" name="TextBox 8"/>
+              <p:cNvSpPr txBox="1"/>
+              <p:nvPr/>
+            </p:nvSpPr>
+            <p:spPr>
+              <a:xfrm>
+                <a:off x="946509" y="4031809"/>
+                <a:ext cx="368762" cy="461665"/>
+              </a:xfrm>
+              <a:prstGeom prst="rect">
+                <a:avLst/>
+              </a:prstGeom>
+              <a:noFill/>
+            </p:spPr>
+            <p:txBody>
+              <a:bodyPr wrap="square" lIns="0" tIns="0" rIns="0" bIns="0" rtlCol="0">
+                <a:spAutoFit/>
+              </a:bodyPr>
+              <a:lstStyle/>
+              <a:p>
+                <a:pPr/>
+                <a14:m>
+                  <m:oMathPara xmlns:m="http://schemas.openxmlformats.org/officeDocument/2006/math">
+                    <m:oMathParaPr>
+                      <m:jc m:val="centerGroup"/>
+                    </m:oMathParaPr>
+                    <m:oMath xmlns:m="http://schemas.openxmlformats.org/officeDocument/2006/math">
+                      <m:r>
+                        <a:rPr lang="en-US" sz="3000" i="1">
+                          <a:latin typeface="Cambria Math" charset="0"/>
+                          <a:ea typeface="Cambria Math" charset="0"/>
+                          <a:cs typeface="Cambria Math" charset="0"/>
+                        </a:rPr>
+                        <m:t>⟹</m:t>
+                      </m:r>
+                    </m:oMath>
+                  </m:oMathPara>
+                </a14:m>
+                <a:endParaRPr lang="en-US" sz="3000"/>
+              </a:p>
+            </p:txBody>
+          </p:sp>
+        </mc:Choice>
+        <mc:Fallback xmlns="">
+          <p:sp>
+            <p:nvSpPr>
+              <p:cNvPr id="9" name="TextBox 8"/>
+              <p:cNvSpPr txBox="1">
+                <a:spLocks noRot="1" noChangeAspect="1" noMove="1" noResize="1" noEditPoints="1" noAdjustHandles="1" noChangeArrowheads="1" noChangeShapeType="1" noTextEdit="1"/>
+              </p:cNvSpPr>
+              <p:nvPr/>
+            </p:nvSpPr>
+            <p:spPr>
+              <a:xfrm>
+                <a:off x="946509" y="4031809"/>
+                <a:ext cx="368762" cy="461665"/>
+              </a:xfrm>
+              <a:prstGeom prst="rect">
+                <a:avLst/>
+              </a:prstGeom>
+              <a:blipFill>
+                <a:blip r:embed="rId7"/>
+                <a:stretch>
+                  <a:fillRect r="-18033"/>
+                </a:stretch>
+              </a:blipFill>
+            </p:spPr>
+            <p:txBody>
+              <a:bodyPr/>
+              <a:lstStyle/>
+              <a:p>
+                <a:r>
+                  <a:rPr lang="en-US">
+                    <a:noFill/>
+                  </a:rPr>
+                  <a:t> </a:t>
+                </a:r>
+              </a:p>
+            </p:txBody>
+          </p:sp>
+        </mc:Fallback>
+      </mc:AlternateContent>
+      <mc:AlternateContent xmlns:mc="http://schemas.openxmlformats.org/markup-compatibility/2006" xmlns:a14="http://schemas.microsoft.com/office/drawing/2010/main">
+        <mc:Choice Requires="a14">
+          <p:sp>
+            <p:nvSpPr>
+              <p:cNvPr id="10" name="TextBox 9"/>
+              <p:cNvSpPr txBox="1"/>
+              <p:nvPr/>
+            </p:nvSpPr>
+            <p:spPr>
+              <a:xfrm>
+                <a:off x="944695" y="4933691"/>
+                <a:ext cx="368762" cy="461665"/>
+              </a:xfrm>
+              <a:prstGeom prst="rect">
+                <a:avLst/>
+              </a:prstGeom>
+              <a:noFill/>
+            </p:spPr>
+            <p:txBody>
+              <a:bodyPr wrap="square" lIns="0" tIns="0" rIns="0" bIns="0" rtlCol="0">
+                <a:spAutoFit/>
+              </a:bodyPr>
+              <a:lstStyle/>
+              <a:p>
+                <a:pPr/>
+                <a14:m>
+                  <m:oMathPara xmlns:m="http://schemas.openxmlformats.org/officeDocument/2006/math">
+                    <m:oMathParaPr>
+                      <m:jc m:val="centerGroup"/>
+                    </m:oMathParaPr>
+                    <m:oMath xmlns:m="http://schemas.openxmlformats.org/officeDocument/2006/math">
+                      <m:r>
+                        <a:rPr lang="en-US" sz="3000" i="1">
+                          <a:latin typeface="Cambria Math" charset="0"/>
+                          <a:ea typeface="Cambria Math" charset="0"/>
+                          <a:cs typeface="Cambria Math" charset="0"/>
+                        </a:rPr>
+                        <m:t>⟹</m:t>
+                      </m:r>
+                    </m:oMath>
+                  </m:oMathPara>
+                </a14:m>
+                <a:endParaRPr lang="en-US" sz="3000"/>
+              </a:p>
+            </p:txBody>
+          </p:sp>
+        </mc:Choice>
+        <mc:Fallback xmlns="">
+          <p:sp>
+            <p:nvSpPr>
+              <p:cNvPr id="10" name="TextBox 9"/>
+              <p:cNvSpPr txBox="1">
+                <a:spLocks noRot="1" noChangeAspect="1" noMove="1" noResize="1" noEditPoints="1" noAdjustHandles="1" noChangeArrowheads="1" noChangeShapeType="1" noTextEdit="1"/>
+              </p:cNvSpPr>
+              <p:nvPr/>
+            </p:nvSpPr>
+            <p:spPr>
+              <a:xfrm>
+                <a:off x="944695" y="4933691"/>
+                <a:ext cx="368762" cy="461665"/>
+              </a:xfrm>
+              <a:prstGeom prst="rect">
+                <a:avLst/>
+              </a:prstGeom>
+              <a:blipFill>
+                <a:blip r:embed="rId8"/>
+                <a:stretch>
+                  <a:fillRect r="-18333"/>
+                </a:stretch>
+              </a:blipFill>
+            </p:spPr>
+            <p:txBody>
+              <a:bodyPr/>
+              <a:lstStyle/>
+              <a:p>
+                <a:r>
+                  <a:rPr lang="en-US">
+                    <a:noFill/>
+                  </a:rPr>
+                  <a:t> </a:t>
+                </a:r>
+              </a:p>
+            </p:txBody>
+          </p:sp>
+        </mc:Fallback>
+      </mc:AlternateContent>
+      <mc:AlternateContent xmlns:mc="http://schemas.openxmlformats.org/markup-compatibility/2006" xmlns:a14="http://schemas.microsoft.com/office/drawing/2010/main">
+        <mc:Choice Requires="a14">
+          <p:sp>
+            <p:nvSpPr>
+              <p:cNvPr id="11" name="TextBox 10"/>
+              <p:cNvSpPr txBox="1"/>
+              <p:nvPr/>
+            </p:nvSpPr>
+            <p:spPr>
+              <a:xfrm>
+                <a:off x="944695" y="5809848"/>
+                <a:ext cx="368762" cy="461665"/>
+              </a:xfrm>
+              <a:prstGeom prst="rect">
+                <a:avLst/>
+              </a:prstGeom>
+              <a:noFill/>
+            </p:spPr>
+            <p:txBody>
+              <a:bodyPr wrap="square" lIns="0" tIns="0" rIns="0" bIns="0" rtlCol="0">
+                <a:spAutoFit/>
+              </a:bodyPr>
+              <a:lstStyle/>
+              <a:p>
+                <a:pPr/>
+                <a14:m>
+                  <m:oMathPara xmlns:m="http://schemas.openxmlformats.org/officeDocument/2006/math">
+                    <m:oMathParaPr>
+                      <m:jc m:val="centerGroup"/>
+                    </m:oMathParaPr>
+                    <m:oMath xmlns:m="http://schemas.openxmlformats.org/officeDocument/2006/math">
+                      <m:r>
+                        <a:rPr lang="en-US" sz="3000" i="1">
+                          <a:latin typeface="Cambria Math" charset="0"/>
+                          <a:ea typeface="Cambria Math" charset="0"/>
+                          <a:cs typeface="Cambria Math" charset="0"/>
+                        </a:rPr>
+                        <m:t>⟹</m:t>
+                      </m:r>
+                    </m:oMath>
+                  </m:oMathPara>
+                </a14:m>
+                <a:endParaRPr lang="en-US" sz="3000"/>
+              </a:p>
+            </p:txBody>
+          </p:sp>
+        </mc:Choice>
+        <mc:Fallback xmlns="">
+          <p:sp>
+            <p:nvSpPr>
+              <p:cNvPr id="11" name="TextBox 10"/>
+              <p:cNvSpPr txBox="1">
+                <a:spLocks noRot="1" noChangeAspect="1" noMove="1" noResize="1" noEditPoints="1" noAdjustHandles="1" noChangeArrowheads="1" noChangeShapeType="1" noTextEdit="1"/>
+              </p:cNvSpPr>
+              <p:nvPr/>
+            </p:nvSpPr>
+            <p:spPr>
+              <a:xfrm>
+                <a:off x="944695" y="5809848"/>
+                <a:ext cx="368762" cy="461665"/>
+              </a:xfrm>
+              <a:prstGeom prst="rect">
+                <a:avLst/>
+              </a:prstGeom>
+              <a:blipFill>
+                <a:blip r:embed="rId9"/>
+                <a:stretch>
+                  <a:fillRect r="-18333"/>
+                </a:stretch>
+              </a:blipFill>
+            </p:spPr>
+            <p:txBody>
+              <a:bodyPr/>
+              <a:lstStyle/>
+              <a:p>
+                <a:r>
+                  <a:rPr lang="en-US">
+                    <a:noFill/>
+                  </a:rPr>
+                  <a:t> </a:t>
+                </a:r>
+              </a:p>
+            </p:txBody>
+          </p:sp>
+        </mc:Fallback>
+      </mc:AlternateContent>
+      <p:sp>
+        <p:nvSpPr>
+          <p:cNvPr id="13" name="Title 12">
+            <a:extLst>
+              <a:ext uri="{FF2B5EF4-FFF2-40B4-BE49-F238E27FC236}">
+                <a16:creationId xmlns:a16="http://schemas.microsoft.com/office/drawing/2014/main" id="{3E1F9AAF-8856-4D40-AE7E-46A46A2C29F3}"/>
+              </a:ext>
+            </a:extLst>
+          </p:cNvPr>
+          <p:cNvSpPr>
+            <a:spLocks noGrp="1"/>
+          </p:cNvSpPr>
+          <p:nvPr>
+            <p:ph type="title"/>
+          </p:nvPr>
+        </p:nvSpPr>
+        <p:spPr/>
+        <p:txBody>
+          <a:bodyPr/>
+          <a:lstStyle/>
+          <a:p>
+            <a:r>
+              <a:rPr lang="en-US" dirty="0">
+                <a:cs typeface="Calibri Light"/>
+              </a:rPr>
+              <a:t>Find inverse CDF of N(0, 1)</a:t>
+            </a:r>
+            <a:endParaRPr lang="en-US" dirty="0"/>
+          </a:p>
+        </p:txBody>
+      </p:sp>
+      <p:pic>
+        <p:nvPicPr>
+          <p:cNvPr id="14" name="Picture 14" descr="A close up of a logo&#10;&#10;Description generated with very high confidence">
+            <a:extLst>
+              <a:ext uri="{FF2B5EF4-FFF2-40B4-BE49-F238E27FC236}">
+                <a16:creationId xmlns:a16="http://schemas.microsoft.com/office/drawing/2014/main" id="{D3C89BFF-5AE1-4C2D-B2B7-21D03EBFD60D}"/>
+              </a:ext>
+            </a:extLst>
+          </p:cNvPr>
+          <p:cNvPicPr>
+            <a:picLocks noChangeAspect="1"/>
+          </p:cNvPicPr>
+          <p:nvPr/>
+        </p:nvPicPr>
+        <p:blipFill>
+          <a:blip r:embed="rId10"/>
+          <a:stretch>
+            <a:fillRect/>
+          </a:stretch>
+        </p:blipFill>
+        <p:spPr>
+          <a:xfrm>
+            <a:off x="900792" y="1772130"/>
+            <a:ext cx="3477985" cy="1027741"/>
+          </a:xfrm>
+          <a:prstGeom prst="rect">
+            <a:avLst/>
+          </a:prstGeom>
+        </p:spPr>
+      </p:pic>
+      <p:sp>
+        <p:nvSpPr>
+          <p:cNvPr id="16" name="TextBox 15">
+            <a:extLst>
+              <a:ext uri="{FF2B5EF4-FFF2-40B4-BE49-F238E27FC236}">
+                <a16:creationId xmlns:a16="http://schemas.microsoft.com/office/drawing/2014/main" id="{502B85BB-9E35-4A15-9806-F18B47444718}"/>
+              </a:ext>
+            </a:extLst>
+          </p:cNvPr>
+          <p:cNvSpPr txBox="1"/>
+          <p:nvPr/>
+        </p:nvSpPr>
+        <p:spPr>
+          <a:xfrm>
+            <a:off x="4207329" y="4588329"/>
+            <a:ext cx="2743200" cy="369332"/>
+          </a:xfrm>
+          <a:prstGeom prst="rect">
+            <a:avLst/>
+          </a:prstGeom>
+          <a:noFill/>
+        </p:spPr>
+        <p:txBody>
+          <a:bodyPr rot="0" spcFirstLastPara="0" vertOverflow="overflow" horzOverflow="overflow" vert="horz" wrap="square" lIns="91440" tIns="45720" rIns="91440" bIns="45720" numCol="1" spcCol="0" rtlCol="0" fromWordArt="0" anchor="t" anchorCtr="0" forceAA="0" compatLnSpc="1">
+            <a:prstTxWarp prst="textNoShape">
+              <a:avLst/>
+            </a:prstTxWarp>
+            <a:spAutoFit/>
+          </a:bodyPr>
+          <a:lstStyle/>
+          <a:p>
+            <a:r>
+              <a:rPr lang="en-US" dirty="0">
+                <a:solidFill>
+                  <a:srgbClr val="D42728"/>
+                </a:solidFill>
+              </a:rPr>
+              <a:t>inverse function of erf</a:t>
+            </a:r>
+            <a:endParaRPr lang="en-US" dirty="0">
+              <a:solidFill>
+                <a:srgbClr val="D42728"/>
+              </a:solidFill>
+              <a:cs typeface="Calibri"/>
+            </a:endParaRPr>
+          </a:p>
+        </p:txBody>
+      </p:sp>
+      <p:cxnSp>
+        <p:nvCxnSpPr>
+          <p:cNvPr id="17" name="Straight Arrow Connector 16">
+            <a:extLst>
+              <a:ext uri="{FF2B5EF4-FFF2-40B4-BE49-F238E27FC236}">
+                <a16:creationId xmlns:a16="http://schemas.microsoft.com/office/drawing/2014/main" id="{EB7D94AE-35D8-49F1-A6BC-AFAAC9B1DE31}"/>
+              </a:ext>
+            </a:extLst>
+          </p:cNvPr>
+          <p:cNvCxnSpPr/>
+          <p:nvPr/>
+        </p:nvCxnSpPr>
+        <p:spPr>
+          <a:xfrm flipV="1">
+            <a:off x="2964997" y="4750253"/>
+            <a:ext cx="1281792" cy="228600"/>
+          </a:xfrm>
+          <a:prstGeom prst="straightConnector1">
+            <a:avLst/>
+          </a:prstGeom>
+          <a:ln>
+            <a:solidFill>
+              <a:srgbClr val="D42728"/>
+            </a:solidFill>
+            <a:tailEnd type="triangle"/>
+          </a:ln>
+        </p:spPr>
+        <p:style>
+          <a:lnRef idx="1">
+            <a:schemeClr val="accent1"/>
+          </a:lnRef>
+          <a:fillRef idx="0">
+            <a:schemeClr val="accent1"/>
+          </a:fillRef>
+          <a:effectRef idx="0">
+            <a:schemeClr val="accent1"/>
+          </a:effectRef>
+          <a:fontRef idx="minor">
+            <a:schemeClr val="tx1"/>
+          </a:fontRef>
+        </p:style>
+      </p:cxnSp>
+      <p:pic>
+        <p:nvPicPr>
+          <p:cNvPr id="20" name="Picture 20" descr="A screenshot of a cell phone&#10;&#10;Description generated with high confidence">
+            <a:extLst>
+              <a:ext uri="{FF2B5EF4-FFF2-40B4-BE49-F238E27FC236}">
+                <a16:creationId xmlns:a16="http://schemas.microsoft.com/office/drawing/2014/main" id="{05EF116A-5AAB-48D2-9223-F5887E606B94}"/>
+              </a:ext>
+            </a:extLst>
+          </p:cNvPr>
+          <p:cNvPicPr>
+            <a:picLocks noChangeAspect="1"/>
+          </p:cNvPicPr>
+          <p:nvPr/>
+        </p:nvPicPr>
+        <p:blipFill>
+          <a:blip r:embed="rId11"/>
+          <a:stretch>
+            <a:fillRect/>
+          </a:stretch>
+        </p:blipFill>
+        <p:spPr>
+          <a:xfrm>
+            <a:off x="7648575" y="2800350"/>
+            <a:ext cx="2743200" cy="2743200"/>
+          </a:xfrm>
+          <a:prstGeom prst="rect">
+            <a:avLst/>
+          </a:prstGeom>
+        </p:spPr>
+      </p:pic>
+      <p:pic>
+        <p:nvPicPr>
+          <p:cNvPr id="22" name="Picture 22" descr="A picture containing object, clock, meter&#10;&#10;Description generated with very high confidence">
+            <a:extLst>
+              <a:ext uri="{FF2B5EF4-FFF2-40B4-BE49-F238E27FC236}">
+                <a16:creationId xmlns:a16="http://schemas.microsoft.com/office/drawing/2014/main" id="{15D7D6B0-D7DB-4A9F-939F-D3CF8932140D}"/>
+              </a:ext>
+            </a:extLst>
+          </p:cNvPr>
+          <p:cNvPicPr>
+            <a:picLocks noChangeAspect="1"/>
+          </p:cNvPicPr>
+          <p:nvPr/>
+        </p:nvPicPr>
+        <p:blipFill>
+          <a:blip r:embed="rId12"/>
+          <a:stretch>
+            <a:fillRect/>
+          </a:stretch>
+        </p:blipFill>
+        <p:spPr>
+          <a:xfrm>
+            <a:off x="9658350" y="2830915"/>
+            <a:ext cx="1847850" cy="329394"/>
+          </a:xfrm>
+          <a:prstGeom prst="rect">
+            <a:avLst/>
+          </a:prstGeom>
+        </p:spPr>
+      </p:pic>
+    </p:spTree>
+    <p:extLst>
+      <p:ext uri="{BB962C8B-B14F-4D97-AF65-F5344CB8AC3E}">
+        <p14:creationId xmlns:p14="http://schemas.microsoft.com/office/powerpoint/2010/main" val="1848783940"/>
+      </p:ext>
+    </p:extLst>
+  </p:cSld>
+  <p:clrMapOvr>
+    <a:masterClrMapping/>
+  </p:clrMapOvr>
+</p:sld>
+</file>
+
+<file path=ppt/slides/slide13.xml><?xml version="1.0" encoding="utf-8"?>
+<p:sld xmlns:a="http://schemas.openxmlformats.org/drawingml/2006/main" xmlns:r="http://schemas.openxmlformats.org/officeDocument/2006/relationships" xmlns:p="http://schemas.openxmlformats.org/presentationml/2006/main">
+  <p:cSld>
+    <p:spTree>
+      <p:nvGrpSpPr>
+        <p:cNvPr id="1" name=""/>
+        <p:cNvGrpSpPr/>
+        <p:nvPr/>
+      </p:nvGrpSpPr>
+      <p:grpSpPr>
+        <a:xfrm>
+          <a:off x="0" y="0"/>
+          <a:ext cx="0" cy="0"/>
+          <a:chOff x="0" y="0"/>
+          <a:chExt cx="0" cy="0"/>
+        </a:xfrm>
+      </p:grpSpPr>
+      <p:sp>
+        <p:nvSpPr>
+          <p:cNvPr id="2" name="Title 1">
+            <a:extLst>
+              <a:ext uri="{FF2B5EF4-FFF2-40B4-BE49-F238E27FC236}">
+                <a16:creationId xmlns:a16="http://schemas.microsoft.com/office/drawing/2014/main" id="{59536F03-FB3A-4E22-9033-B2615E9435AD}"/>
+              </a:ext>
+            </a:extLst>
+          </p:cNvPr>
+          <p:cNvSpPr>
+            <a:spLocks noGrp="1"/>
+          </p:cNvSpPr>
+          <p:nvPr>
+            <p:ph type="title"/>
+          </p:nvPr>
+        </p:nvSpPr>
+        <p:spPr/>
+        <p:txBody>
+          <a:bodyPr/>
+          <a:lstStyle/>
+          <a:p>
+            <a:r>
+              <a:rPr lang="en-US" dirty="0">
+                <a:cs typeface="Calibri Light"/>
+              </a:rPr>
+              <a:t>Evaluate </a:t>
+            </a:r>
+            <a:r>
+              <a:rPr lang="en-US" dirty="0" err="1">
+                <a:cs typeface="Calibri Light"/>
+              </a:rPr>
+              <a:t>erfinv</a:t>
+            </a:r>
+          </a:p>
+        </p:txBody>
+      </p:sp>
+      <p:sp>
+        <p:nvSpPr>
+          <p:cNvPr id="5" name="Title 1">
+            <a:extLst>
+              <a:ext uri="{FF2B5EF4-FFF2-40B4-BE49-F238E27FC236}">
+                <a16:creationId xmlns:a16="http://schemas.microsoft.com/office/drawing/2014/main" id="{8AEA1349-0FE4-4034-83C8-E708C0BADB48}"/>
+              </a:ext>
+            </a:extLst>
+          </p:cNvPr>
+          <p:cNvSpPr txBox="1">
+            <a:spLocks/>
+          </p:cNvSpPr>
+          <p:nvPr/>
+        </p:nvSpPr>
+        <p:spPr>
+          <a:xfrm>
+            <a:off x="962025" y="1441450"/>
+            <a:ext cx="6934200" cy="620713"/>
+          </a:xfrm>
+          <a:prstGeom prst="rect">
+            <a:avLst/>
+          </a:prstGeom>
+        </p:spPr>
+        <p:style>
+          <a:lnRef idx="1">
+            <a:schemeClr val="accent1"/>
+          </a:lnRef>
+          <a:fillRef idx="3">
+            <a:schemeClr val="accent1"/>
+          </a:fillRef>
+          <a:effectRef idx="2">
+            <a:schemeClr val="accent1"/>
+          </a:effectRef>
+          <a:fontRef idx="minor">
+            <a:schemeClr val="lt1"/>
+          </a:fontRef>
+        </p:style>
+        <p:txBody>
+          <a:bodyPr vert="horz" lIns="91440" tIns="45720" rIns="91440" bIns="45720" rtlCol="0" anchor="ctr">
+            <a:normAutofit fontScale="90000" lnSpcReduction="10000"/>
+          </a:bodyPr>
+          <a:lstStyle>
+            <a:lvl1pPr algn="l" defTabSz="914400" rtl="0" eaLnBrk="1" latinLnBrk="0" hangingPunct="1">
+              <a:lnSpc>
+                <a:spcPct val="90000"/>
+              </a:lnSpc>
+              <a:spcBef>
+                <a:spcPct val="0"/>
+              </a:spcBef>
+              <a:buNone/>
+              <a:defRPr sz="4400" kern="1200">
+                <a:solidFill>
+                  <a:schemeClr val="lt1"/>
+                </a:solidFill>
+                <a:latin typeface="+mn-lt"/>
+                <a:ea typeface="+mn-ea"/>
+                <a:cs typeface="+mn-cs"/>
+              </a:defRPr>
+            </a:lvl1pPr>
+            <a:lvl2pPr>
+              <a:defRPr>
+                <a:solidFill>
+                  <a:schemeClr val="lt1"/>
+                </a:solidFill>
+                <a:latin typeface="+mn-lt"/>
+                <a:ea typeface="+mn-ea"/>
+                <a:cs typeface="+mn-cs"/>
+              </a:defRPr>
+            </a:lvl2pPr>
+            <a:lvl3pPr>
+              <a:defRPr>
+                <a:solidFill>
+                  <a:schemeClr val="lt1"/>
+                </a:solidFill>
+                <a:latin typeface="+mn-lt"/>
+                <a:ea typeface="+mn-ea"/>
+                <a:cs typeface="+mn-cs"/>
+              </a:defRPr>
+            </a:lvl3pPr>
+            <a:lvl4pPr>
+              <a:defRPr>
+                <a:solidFill>
+                  <a:schemeClr val="lt1"/>
+                </a:solidFill>
+                <a:latin typeface="+mn-lt"/>
+                <a:ea typeface="+mn-ea"/>
+                <a:cs typeface="+mn-cs"/>
+              </a:defRPr>
+            </a:lvl4pPr>
+            <a:lvl5pPr>
+              <a:defRPr>
+                <a:solidFill>
+                  <a:schemeClr val="lt1"/>
+                </a:solidFill>
+                <a:latin typeface="+mn-lt"/>
+                <a:ea typeface="+mn-ea"/>
+                <a:cs typeface="+mn-cs"/>
+              </a:defRPr>
+            </a:lvl5pPr>
+            <a:lvl6pPr>
+              <a:defRPr>
+                <a:solidFill>
+                  <a:schemeClr val="lt1"/>
+                </a:solidFill>
+                <a:latin typeface="+mn-lt"/>
+                <a:ea typeface="+mn-ea"/>
+                <a:cs typeface="+mn-cs"/>
+              </a:defRPr>
+            </a:lvl6pPr>
+            <a:lvl7pPr>
+              <a:defRPr>
+                <a:solidFill>
+                  <a:schemeClr val="lt1"/>
+                </a:solidFill>
+                <a:latin typeface="+mn-lt"/>
+                <a:ea typeface="+mn-ea"/>
+                <a:cs typeface="+mn-cs"/>
+              </a:defRPr>
+            </a:lvl7pPr>
+            <a:lvl8pPr>
+              <a:defRPr>
+                <a:solidFill>
+                  <a:schemeClr val="lt1"/>
+                </a:solidFill>
+                <a:latin typeface="+mn-lt"/>
+                <a:ea typeface="+mn-ea"/>
+                <a:cs typeface="+mn-cs"/>
+              </a:defRPr>
+            </a:lvl8pPr>
+            <a:lvl9pPr>
+              <a:defRPr>
+                <a:solidFill>
+                  <a:schemeClr val="lt1"/>
+                </a:solidFill>
+                <a:latin typeface="+mn-lt"/>
+                <a:ea typeface="+mn-ea"/>
+                <a:cs typeface="+mn-cs"/>
+              </a:defRPr>
+            </a:lvl9pPr>
+          </a:lstStyle>
+          <a:p>
+            <a:pPr algn="ctr"/>
+            <a:r>
+              <a:rPr lang="en-US" dirty="0">
+                <a:ea typeface="+mj-lt"/>
+                <a:cs typeface="+mj-lt"/>
+              </a:rPr>
+              <a:t>There's no expression for </a:t>
+            </a:r>
+            <a:r>
+              <a:rPr lang="en-US" dirty="0" err="1">
+                <a:ea typeface="+mj-lt"/>
+                <a:cs typeface="+mj-lt"/>
+              </a:rPr>
+              <a:t>erfinv</a:t>
+            </a:r>
+            <a:r>
+              <a:rPr lang="en-US" dirty="0">
+                <a:ea typeface="+mj-lt"/>
+                <a:cs typeface="+mj-lt"/>
+              </a:rPr>
+              <a:t>!</a:t>
+            </a:r>
+            <a:endParaRPr lang="en-US" dirty="0">
+              <a:cs typeface="Calibri" panose="020F0502020204030204"/>
+            </a:endParaRPr>
+          </a:p>
+        </p:txBody>
+      </p:sp>
+      <p:pic>
+        <p:nvPicPr>
+          <p:cNvPr id="6" name="Picture 6" descr="A close up of a logo&#10;&#10;Description generated with very high confidence">
+            <a:extLst>
+              <a:ext uri="{FF2B5EF4-FFF2-40B4-BE49-F238E27FC236}">
+                <a16:creationId xmlns:a16="http://schemas.microsoft.com/office/drawing/2014/main" id="{AA593423-7361-4FA4-A5A2-93DBFE1907D8}"/>
+              </a:ext>
+            </a:extLst>
+          </p:cNvPr>
+          <p:cNvPicPr>
+            <a:picLocks noChangeAspect="1"/>
+          </p:cNvPicPr>
+          <p:nvPr/>
+        </p:nvPicPr>
+        <p:blipFill>
+          <a:blip r:embed="rId2"/>
+          <a:stretch>
+            <a:fillRect/>
+          </a:stretch>
+        </p:blipFill>
+        <p:spPr>
+          <a:xfrm>
+            <a:off x="962025" y="2364062"/>
+            <a:ext cx="2743200" cy="948776"/>
+          </a:xfrm>
+          <a:prstGeom prst="rect">
+            <a:avLst/>
+          </a:prstGeom>
+        </p:spPr>
+      </p:pic>
+      <p:sp>
+        <p:nvSpPr>
+          <p:cNvPr id="8" name="TextBox 7">
+            <a:extLst>
+              <a:ext uri="{FF2B5EF4-FFF2-40B4-BE49-F238E27FC236}">
+                <a16:creationId xmlns:a16="http://schemas.microsoft.com/office/drawing/2014/main" id="{FD34370C-A2C1-492D-ABC9-10B7FBC529D3}"/>
+              </a:ext>
+            </a:extLst>
+          </p:cNvPr>
+          <p:cNvSpPr txBox="1"/>
+          <p:nvPr/>
+        </p:nvSpPr>
+        <p:spPr>
+          <a:xfrm>
+            <a:off x="923925" y="3771900"/>
+            <a:ext cx="3276600" cy="369332"/>
+          </a:xfrm>
+          <a:prstGeom prst="rect">
+            <a:avLst/>
+          </a:prstGeom>
+          <a:noFill/>
+        </p:spPr>
+        <p:txBody>
+          <a:bodyPr rot="0" spcFirstLastPara="0" vertOverflow="overflow" horzOverflow="overflow" vert="horz" wrap="square" lIns="91440" tIns="45720" rIns="91440" bIns="45720" numCol="1" spcCol="0" rtlCol="0" fromWordArt="0" anchor="t" anchorCtr="0" forceAA="0" compatLnSpc="1">
+            <a:prstTxWarp prst="textNoShape">
+              <a:avLst/>
+            </a:prstTxWarp>
+            <a:spAutoFit/>
+          </a:bodyPr>
+          <a:lstStyle/>
+          <a:p>
+            <a:r>
+              <a:rPr lang="en-US" dirty="0">
+                <a:ea typeface="+mn-lt"/>
+                <a:cs typeface="+mn-lt"/>
+              </a:rPr>
+              <a:t>⇒</a:t>
+            </a:r>
+            <a:r>
+              <a:rPr lang="en-US" dirty="0"/>
+              <a:t> The only thing we can write:</a:t>
+            </a:r>
+          </a:p>
+        </p:txBody>
+      </p:sp>
+      <p:pic>
+        <p:nvPicPr>
+          <p:cNvPr id="9" name="Picture 9">
+            <a:extLst>
+              <a:ext uri="{FF2B5EF4-FFF2-40B4-BE49-F238E27FC236}">
+                <a16:creationId xmlns:a16="http://schemas.microsoft.com/office/drawing/2014/main" id="{61D64509-6178-4065-836A-2FCA09189843}"/>
+              </a:ext>
+            </a:extLst>
+          </p:cNvPr>
+          <p:cNvPicPr>
+            <a:picLocks noChangeAspect="1"/>
+          </p:cNvPicPr>
+          <p:nvPr/>
+        </p:nvPicPr>
+        <p:blipFill>
+          <a:blip r:embed="rId3"/>
+          <a:stretch>
+            <a:fillRect/>
+          </a:stretch>
+        </p:blipFill>
+        <p:spPr>
+          <a:xfrm>
+            <a:off x="3990975" y="3657600"/>
+            <a:ext cx="2495550" cy="457200"/>
+          </a:xfrm>
+          <a:prstGeom prst="rect">
+            <a:avLst/>
+          </a:prstGeom>
+        </p:spPr>
+      </p:pic>
+    </p:spTree>
+    <p:extLst>
+      <p:ext uri="{BB962C8B-B14F-4D97-AF65-F5344CB8AC3E}">
+        <p14:creationId xmlns:p14="http://schemas.microsoft.com/office/powerpoint/2010/main" val="311290618"/>
+      </p:ext>
+    </p:extLst>
+  </p:cSld>
+  <p:clrMapOvr>
+    <a:masterClrMapping/>
+  </p:clrMapOvr>
+</p:sld>
+</file>
+
+<file path=ppt/slides/slide14.xml><?xml version="1.0" encoding="utf-8"?>
+<p:sld xmlns:a="http://schemas.openxmlformats.org/drawingml/2006/main" xmlns:r="http://schemas.openxmlformats.org/officeDocument/2006/relationships" xmlns:p="http://schemas.openxmlformats.org/presentationml/2006/main">
+  <p:cSld>
+    <p:spTree>
+      <p:nvGrpSpPr>
+        <p:cNvPr id="1" name=""/>
+        <p:cNvGrpSpPr/>
+        <p:nvPr/>
+      </p:nvGrpSpPr>
+      <p:grpSpPr>
+        <a:xfrm>
+          <a:off x="0" y="0"/>
+          <a:ext cx="0" cy="0"/>
+          <a:chOff x="0" y="0"/>
+          <a:chExt cx="0" cy="0"/>
+        </a:xfrm>
+      </p:grpSpPr>
+      <p:sp>
+        <p:nvSpPr>
+          <p:cNvPr id="2" name="Title 1">
+            <a:extLst>
+              <a:ext uri="{FF2B5EF4-FFF2-40B4-BE49-F238E27FC236}">
+                <a16:creationId xmlns:a16="http://schemas.microsoft.com/office/drawing/2014/main" id="{65B69E43-569C-4261-AA55-663E754C105A}"/>
+              </a:ext>
+            </a:extLst>
+          </p:cNvPr>
+          <p:cNvSpPr>
+            <a:spLocks noGrp="1"/>
+          </p:cNvSpPr>
+          <p:nvPr>
+            <p:ph type="title"/>
+          </p:nvPr>
+        </p:nvSpPr>
+        <p:spPr/>
+        <p:txBody>
+          <a:bodyPr/>
+          <a:lstStyle/>
+          <a:p>
+            <a:r>
+              <a:rPr lang="en-US" dirty="0">
+                <a:cs typeface="Calibri Light"/>
+              </a:rPr>
+              <a:t>Approximate </a:t>
+            </a:r>
+            <a:r>
+              <a:rPr lang="en-US" dirty="0" err="1">
+                <a:cs typeface="Calibri Light"/>
+              </a:rPr>
+              <a:t>erfinv</a:t>
+            </a:r>
+            <a:endParaRPr lang="en-US" dirty="0" err="1"/>
+          </a:p>
+        </p:txBody>
+      </p:sp>
+      <p:pic>
+        <p:nvPicPr>
+          <p:cNvPr id="5" name="Picture 5" descr="A close up of a logo&#10;&#10;Description generated with very high confidence">
+            <a:extLst>
+              <a:ext uri="{FF2B5EF4-FFF2-40B4-BE49-F238E27FC236}">
+                <a16:creationId xmlns:a16="http://schemas.microsoft.com/office/drawing/2014/main" id="{A8A58C11-0C70-4323-80F5-3841C51257E3}"/>
+              </a:ext>
+            </a:extLst>
+          </p:cNvPr>
+          <p:cNvPicPr>
+            <a:picLocks noChangeAspect="1"/>
+          </p:cNvPicPr>
+          <p:nvPr/>
+        </p:nvPicPr>
+        <p:blipFill>
+          <a:blip r:embed="rId2"/>
+          <a:stretch>
+            <a:fillRect/>
+          </a:stretch>
+        </p:blipFill>
+        <p:spPr>
+          <a:xfrm>
+            <a:off x="838200" y="2321150"/>
+            <a:ext cx="6038850" cy="634550"/>
+          </a:xfrm>
+          <a:prstGeom prst="rect">
+            <a:avLst/>
+          </a:prstGeom>
+        </p:spPr>
+      </p:pic>
+      <p:pic>
+        <p:nvPicPr>
+          <p:cNvPr id="7" name="Picture 7" descr="A close up of a logo&#10;&#10;Description generated with very high confidence">
+            <a:extLst>
+              <a:ext uri="{FF2B5EF4-FFF2-40B4-BE49-F238E27FC236}">
+                <a16:creationId xmlns:a16="http://schemas.microsoft.com/office/drawing/2014/main" id="{3DC1C637-F105-42A6-A485-27D08AD87330}"/>
+              </a:ext>
+            </a:extLst>
+          </p:cNvPr>
+          <p:cNvPicPr>
+            <a:picLocks noChangeAspect="1"/>
+          </p:cNvPicPr>
+          <p:nvPr/>
+        </p:nvPicPr>
+        <p:blipFill>
+          <a:blip r:embed="rId3"/>
+          <a:stretch>
+            <a:fillRect/>
+          </a:stretch>
+        </p:blipFill>
+        <p:spPr>
+          <a:xfrm>
+            <a:off x="838200" y="3778584"/>
+            <a:ext cx="4591050" cy="634332"/>
+          </a:xfrm>
+          <a:prstGeom prst="rect">
+            <a:avLst/>
+          </a:prstGeom>
+        </p:spPr>
+      </p:pic>
+      <p:sp>
+        <p:nvSpPr>
+          <p:cNvPr id="9" name="TextBox 8">
+            <a:extLst>
+              <a:ext uri="{FF2B5EF4-FFF2-40B4-BE49-F238E27FC236}">
+                <a16:creationId xmlns:a16="http://schemas.microsoft.com/office/drawing/2014/main" id="{43A4C1FE-A5E5-4EEB-8D49-AC6E3F236E5F}"/>
+              </a:ext>
+            </a:extLst>
+          </p:cNvPr>
+          <p:cNvSpPr txBox="1"/>
+          <p:nvPr/>
+        </p:nvSpPr>
+        <p:spPr>
+          <a:xfrm>
+            <a:off x="752475" y="1952625"/>
+            <a:ext cx="4591050" cy="369332"/>
+          </a:xfrm>
+          <a:prstGeom prst="rect">
+            <a:avLst/>
+          </a:prstGeom>
+          <a:noFill/>
+        </p:spPr>
+        <p:txBody>
+          <a:bodyPr rot="0" spcFirstLastPara="0" vertOverflow="overflow" horzOverflow="overflow" vert="horz" wrap="square" lIns="91440" tIns="45720" rIns="91440" bIns="45720" numCol="1" spcCol="0" rtlCol="0" fromWordArt="0" anchor="t" anchorCtr="0" forceAA="0" compatLnSpc="1">
+            <a:prstTxWarp prst="textNoShape">
+              <a:avLst/>
+            </a:prstTxWarp>
+            <a:spAutoFit/>
+          </a:bodyPr>
+          <a:lstStyle/>
+          <a:p>
+            <a:r>
+              <a:rPr lang="en-US" u="sng" dirty="0"/>
+              <a:t>Taylor series approximation of f(x) around x=a</a:t>
+            </a:r>
+            <a:endParaRPr lang="en-US" u="sng">
+              <a:cs typeface="Calibri"/>
+            </a:endParaRPr>
+          </a:p>
+        </p:txBody>
+      </p:sp>
+      <p:sp>
+        <p:nvSpPr>
+          <p:cNvPr id="10" name="TextBox 9">
+            <a:extLst>
+              <a:ext uri="{FF2B5EF4-FFF2-40B4-BE49-F238E27FC236}">
+                <a16:creationId xmlns:a16="http://schemas.microsoft.com/office/drawing/2014/main" id="{54E83A4E-D5E3-408C-91BF-5397FACD5E5B}"/>
+              </a:ext>
+            </a:extLst>
+          </p:cNvPr>
+          <p:cNvSpPr txBox="1"/>
+          <p:nvPr/>
+        </p:nvSpPr>
+        <p:spPr>
+          <a:xfrm>
+            <a:off x="752474" y="3428999"/>
+            <a:ext cx="4591050" cy="369332"/>
+          </a:xfrm>
+          <a:prstGeom prst="rect">
+            <a:avLst/>
+          </a:prstGeom>
+          <a:noFill/>
+        </p:spPr>
+        <p:txBody>
+          <a:bodyPr rot="0" spcFirstLastPara="0" vertOverflow="overflow" horzOverflow="overflow" vert="horz" wrap="square" lIns="91440" tIns="45720" rIns="91440" bIns="45720" numCol="1" spcCol="0" rtlCol="0" fromWordArt="0" anchor="t" anchorCtr="0" forceAA="0" compatLnSpc="1">
+            <a:prstTxWarp prst="textNoShape">
+              <a:avLst/>
+            </a:prstTxWarp>
+            <a:spAutoFit/>
+          </a:bodyPr>
+          <a:lstStyle/>
+          <a:p>
+            <a:r>
+              <a:rPr lang="en-US" u="sng" dirty="0"/>
+              <a:t>Taylor series approximation of f(x) around x=0</a:t>
+            </a:r>
+            <a:endParaRPr lang="en-US" u="sng" dirty="0">
+              <a:cs typeface="Calibri"/>
+            </a:endParaRPr>
+          </a:p>
+        </p:txBody>
+      </p:sp>
+      <p:pic>
+        <p:nvPicPr>
+          <p:cNvPr id="13" name="Picture 13" descr="A close up of a logo&#10;&#10;Description generated with very high confidence">
+            <a:extLst>
+              <a:ext uri="{FF2B5EF4-FFF2-40B4-BE49-F238E27FC236}">
+                <a16:creationId xmlns:a16="http://schemas.microsoft.com/office/drawing/2014/main" id="{064D9680-B380-49D4-8A81-BC1B3D42391D}"/>
+              </a:ext>
+            </a:extLst>
+          </p:cNvPr>
+          <p:cNvPicPr>
+            <a:picLocks noChangeAspect="1"/>
+          </p:cNvPicPr>
+          <p:nvPr/>
+        </p:nvPicPr>
+        <p:blipFill>
+          <a:blip r:embed="rId4"/>
+          <a:stretch>
+            <a:fillRect/>
+          </a:stretch>
+        </p:blipFill>
+        <p:spPr>
+          <a:xfrm>
+            <a:off x="838200" y="4956110"/>
+            <a:ext cx="5800725" cy="517655"/>
+          </a:xfrm>
+          <a:prstGeom prst="rect">
+            <a:avLst/>
+          </a:prstGeom>
+        </p:spPr>
+      </p:pic>
+      <p:sp>
+        <p:nvSpPr>
+          <p:cNvPr id="15" name="TextBox 14">
+            <a:extLst>
+              <a:ext uri="{FF2B5EF4-FFF2-40B4-BE49-F238E27FC236}">
+                <a16:creationId xmlns:a16="http://schemas.microsoft.com/office/drawing/2014/main" id="{ADA01F0C-A4EE-4602-B5DC-8EA2A0F32715}"/>
+              </a:ext>
+            </a:extLst>
+          </p:cNvPr>
+          <p:cNvSpPr txBox="1"/>
+          <p:nvPr/>
+        </p:nvSpPr>
+        <p:spPr>
+          <a:xfrm>
+            <a:off x="2724150" y="4448175"/>
+            <a:ext cx="409575" cy="553998"/>
+          </a:xfrm>
+          <a:prstGeom prst="rect">
+            <a:avLst/>
+          </a:prstGeom>
+          <a:noFill/>
+        </p:spPr>
+        <p:txBody>
+          <a:bodyPr rot="0" spcFirstLastPara="0" vertOverflow="overflow" horzOverflow="overflow" vert="horz" wrap="square" lIns="91440" tIns="45720" rIns="91440" bIns="45720" numCol="1" spcCol="0" rtlCol="0" fromWordArt="0" anchor="t" anchorCtr="0" forceAA="0" compatLnSpc="1">
+            <a:prstTxWarp prst="textNoShape">
+              <a:avLst/>
+            </a:prstTxWarp>
+            <a:spAutoFit/>
+          </a:bodyPr>
+          <a:lstStyle/>
+          <a:p>
+            <a:r>
+              <a:rPr lang="en-US" sz="3000" dirty="0"/>
+              <a:t>⇓</a:t>
+            </a:r>
+            <a:endParaRPr lang="en-US" sz="3000" dirty="0">
+              <a:cs typeface="Calibri"/>
+            </a:endParaRPr>
+          </a:p>
+        </p:txBody>
+      </p:sp>
+      <p:pic>
+        <p:nvPicPr>
+          <p:cNvPr id="16" name="Picture 16" descr="A screenshot of a cell phone&#10;&#10;Description generated with high confidence">
+            <a:extLst>
+              <a:ext uri="{FF2B5EF4-FFF2-40B4-BE49-F238E27FC236}">
+                <a16:creationId xmlns:a16="http://schemas.microsoft.com/office/drawing/2014/main" id="{8BCD07C2-506F-4793-B1A8-9C96C5E59C96}"/>
+              </a:ext>
+            </a:extLst>
+          </p:cNvPr>
+          <p:cNvPicPr>
+            <a:picLocks noChangeAspect="1"/>
+          </p:cNvPicPr>
+          <p:nvPr/>
+        </p:nvPicPr>
+        <p:blipFill>
+          <a:blip r:embed="rId5"/>
+          <a:stretch>
+            <a:fillRect/>
+          </a:stretch>
+        </p:blipFill>
+        <p:spPr>
+          <a:xfrm>
+            <a:off x="7724775" y="2076450"/>
+            <a:ext cx="3352800" cy="3352800"/>
+          </a:xfrm>
+          <a:prstGeom prst="rect">
+            <a:avLst/>
+          </a:prstGeom>
+        </p:spPr>
+      </p:pic>
+      <p:sp>
+        <p:nvSpPr>
+          <p:cNvPr id="3" name="Right Brace 2">
+            <a:extLst>
+              <a:ext uri="{FF2B5EF4-FFF2-40B4-BE49-F238E27FC236}">
+                <a16:creationId xmlns:a16="http://schemas.microsoft.com/office/drawing/2014/main" id="{A53D0FA0-5FEE-4A87-B204-386BB105BCE4}"/>
+              </a:ext>
+            </a:extLst>
+          </p:cNvPr>
+          <p:cNvSpPr/>
+          <p:nvPr/>
+        </p:nvSpPr>
+        <p:spPr>
+          <a:xfrm rot="5400000">
+            <a:off x="2065401" y="5095875"/>
+            <a:ext cx="152400" cy="914400"/>
+          </a:xfrm>
+          <a:prstGeom prst="rightBrace">
+            <a:avLst/>
+          </a:prstGeom>
+          <a:ln>
+            <a:solidFill>
+              <a:srgbClr val="D42728"/>
+            </a:solidFill>
+          </a:ln>
+        </p:spPr>
+        <p:style>
+          <a:lnRef idx="1">
+            <a:schemeClr val="accent1"/>
+          </a:lnRef>
+          <a:fillRef idx="0">
+            <a:schemeClr val="accent1"/>
+          </a:fillRef>
+          <a:effectRef idx="0">
+            <a:schemeClr val="accent1"/>
+          </a:effectRef>
+          <a:fontRef idx="minor">
+            <a:schemeClr val="tx1"/>
+          </a:fontRef>
+        </p:style>
+        <p:txBody>
+          <a:bodyPr rtlCol="0" anchor="ctr"/>
+          <a:lstStyle/>
+          <a:p>
+            <a:pPr algn="ctr"/>
+            <a:endParaRPr lang="en-US"/>
+          </a:p>
+        </p:txBody>
+      </p:sp>
+      <p:sp>
+        <p:nvSpPr>
+          <p:cNvPr id="4" name="TextBox 3">
+            <a:extLst>
+              <a:ext uri="{FF2B5EF4-FFF2-40B4-BE49-F238E27FC236}">
+                <a16:creationId xmlns:a16="http://schemas.microsoft.com/office/drawing/2014/main" id="{7A917576-26E8-4C35-A532-215A375A254A}"/>
+              </a:ext>
+            </a:extLst>
+          </p:cNvPr>
+          <p:cNvSpPr txBox="1"/>
+          <p:nvPr/>
+        </p:nvSpPr>
+        <p:spPr>
+          <a:xfrm>
+            <a:off x="2000250" y="5705475"/>
+            <a:ext cx="476250" cy="369332"/>
+          </a:xfrm>
+          <a:prstGeom prst="rect">
+            <a:avLst/>
+          </a:prstGeom>
+          <a:noFill/>
+        </p:spPr>
+        <p:txBody>
+          <a:bodyPr rot="0" spcFirstLastPara="0" vertOverflow="overflow" horzOverflow="overflow" vert="horz" wrap="square" lIns="91440" tIns="45720" rIns="91440" bIns="45720" numCol="1" spcCol="0" rtlCol="0" fromWordArt="0" anchor="t" anchorCtr="0" forceAA="0" compatLnSpc="1">
+            <a:prstTxWarp prst="textNoShape">
+              <a:avLst/>
+            </a:prstTxWarp>
+            <a:spAutoFit/>
+          </a:bodyPr>
+          <a:lstStyle/>
+          <a:p>
+            <a:pPr algn="l"/>
+            <a:r>
+              <a:rPr lang="en-US" dirty="0">
+                <a:solidFill>
+                  <a:srgbClr val="D42728"/>
+                </a:solidFill>
+              </a:rPr>
+              <a:t>0</a:t>
+            </a:r>
+            <a:endParaRPr lang="en-US" dirty="0">
+              <a:solidFill>
+                <a:srgbClr val="D42728"/>
+              </a:solidFill>
+              <a:cs typeface="Calibri"/>
+            </a:endParaRPr>
+          </a:p>
+        </p:txBody>
+      </p:sp>
+      <p:pic>
+        <p:nvPicPr>
+          <p:cNvPr id="11" name="Picture 11" descr="A close up of a logo&#10;&#10;Description generated with very high confidence">
+            <a:extLst>
+              <a:ext uri="{FF2B5EF4-FFF2-40B4-BE49-F238E27FC236}">
+                <a16:creationId xmlns:a16="http://schemas.microsoft.com/office/drawing/2014/main" id="{44E13C9B-B3A1-46FA-AC9D-06A266C3CAA1}"/>
+              </a:ext>
+            </a:extLst>
+          </p:cNvPr>
+          <p:cNvPicPr>
+            <a:picLocks noChangeAspect="1"/>
+          </p:cNvPicPr>
+          <p:nvPr/>
+        </p:nvPicPr>
+        <p:blipFill>
+          <a:blip r:embed="rId6"/>
+          <a:stretch>
+            <a:fillRect/>
+          </a:stretch>
+        </p:blipFill>
+        <p:spPr>
+          <a:xfrm>
+            <a:off x="10220325" y="2838761"/>
+            <a:ext cx="1885950" cy="770903"/>
+          </a:xfrm>
+          <a:prstGeom prst="rect">
+            <a:avLst/>
+          </a:prstGeom>
+        </p:spPr>
+      </p:pic>
+    </p:spTree>
+    <p:extLst>
+      <p:ext uri="{BB962C8B-B14F-4D97-AF65-F5344CB8AC3E}">
+        <p14:creationId xmlns:p14="http://schemas.microsoft.com/office/powerpoint/2010/main" val="19855886"/>
+      </p:ext>
+    </p:extLst>
+  </p:cSld>
+  <p:clrMapOvr>
+    <a:masterClrMapping/>
+  </p:clrMapOvr>
+</p:sld>
+</file>
+
+<file path=ppt/slides/slide15.xml><?xml version="1.0" encoding="utf-8"?>
+<p:sld xmlns:a="http://schemas.openxmlformats.org/drawingml/2006/main" xmlns:r="http://schemas.openxmlformats.org/officeDocument/2006/relationships" xmlns:p="http://schemas.openxmlformats.org/presentationml/2006/main">
+  <p:cSld>
+    <p:spTree>
+      <p:nvGrpSpPr>
+        <p:cNvPr id="1" name=""/>
+        <p:cNvGrpSpPr/>
+        <p:nvPr/>
+      </p:nvGrpSpPr>
+      <p:grpSpPr>
+        <a:xfrm>
+          <a:off x="0" y="0"/>
+          <a:ext cx="0" cy="0"/>
+          <a:chOff x="0" y="0"/>
+          <a:chExt cx="0" cy="0"/>
+        </a:xfrm>
+      </p:grpSpPr>
+      <p:sp>
+        <p:nvSpPr>
+          <p:cNvPr id="2" name="Title 1">
+            <a:extLst>
+              <a:ext uri="{FF2B5EF4-FFF2-40B4-BE49-F238E27FC236}">
+                <a16:creationId xmlns:a16="http://schemas.microsoft.com/office/drawing/2014/main" id="{446A6D10-E1A8-488D-A74F-CC137774DD4B}"/>
+              </a:ext>
+            </a:extLst>
+          </p:cNvPr>
+          <p:cNvSpPr>
+            <a:spLocks noGrp="1"/>
+          </p:cNvSpPr>
+          <p:nvPr>
+            <p:ph type="title"/>
+          </p:nvPr>
+        </p:nvSpPr>
+        <p:spPr/>
+        <p:txBody>
+          <a:bodyPr/>
+          <a:lstStyle/>
+          <a:p>
+            <a:r>
+              <a:rPr lang="en-US">
+                <a:cs typeface="Calibri Light"/>
+              </a:rPr>
+              <a:t>Find derivatives of erfinv</a:t>
+            </a:r>
+            <a:endParaRPr lang="en-US"/>
+          </a:p>
+        </p:txBody>
+      </p:sp>
+      <p:pic>
+        <p:nvPicPr>
+          <p:cNvPr id="3" name="Picture 3">
+            <a:extLst>
+              <a:ext uri="{FF2B5EF4-FFF2-40B4-BE49-F238E27FC236}">
+                <a16:creationId xmlns:a16="http://schemas.microsoft.com/office/drawing/2014/main" id="{64FCDBDE-4FC5-4A0A-AFC1-A46759E24DD5}"/>
+              </a:ext>
+            </a:extLst>
+          </p:cNvPr>
+          <p:cNvPicPr>
+            <a:picLocks noChangeAspect="1"/>
+          </p:cNvPicPr>
+          <p:nvPr/>
+        </p:nvPicPr>
+        <p:blipFill>
+          <a:blip r:embed="rId2"/>
+          <a:stretch>
+            <a:fillRect/>
+          </a:stretch>
+        </p:blipFill>
+        <p:spPr>
+          <a:xfrm>
+            <a:off x="836942" y="1604513"/>
+            <a:ext cx="2495550" cy="457200"/>
+          </a:xfrm>
+          <a:prstGeom prst="rect">
+            <a:avLst/>
+          </a:prstGeom>
+        </p:spPr>
+      </p:pic>
+      <p:pic>
+        <p:nvPicPr>
+          <p:cNvPr id="4" name="Picture 4" descr="A picture containing clock, drawing&#10;&#10;Description generated with very high confidence">
+            <a:extLst>
+              <a:ext uri="{FF2B5EF4-FFF2-40B4-BE49-F238E27FC236}">
+                <a16:creationId xmlns:a16="http://schemas.microsoft.com/office/drawing/2014/main" id="{C33083A0-5ED7-4C74-86F1-5C8C78D25315}"/>
+              </a:ext>
+            </a:extLst>
+          </p:cNvPr>
+          <p:cNvPicPr>
+            <a:picLocks noChangeAspect="1"/>
+          </p:cNvPicPr>
+          <p:nvPr/>
+        </p:nvPicPr>
+        <p:blipFill>
+          <a:blip r:embed="rId3"/>
+          <a:stretch>
+            <a:fillRect/>
+          </a:stretch>
+        </p:blipFill>
+        <p:spPr>
+          <a:xfrm>
+            <a:off x="842513" y="2419034"/>
+            <a:ext cx="3821501" cy="740347"/>
+          </a:xfrm>
+          <a:prstGeom prst="rect">
+            <a:avLst/>
+          </a:prstGeom>
+        </p:spPr>
+      </p:pic>
+      <p:pic>
+        <p:nvPicPr>
+          <p:cNvPr id="6" name="Picture 6" descr="A close up of a logo&#10;&#10;Description generated with very high confidence">
+            <a:extLst>
+              <a:ext uri="{FF2B5EF4-FFF2-40B4-BE49-F238E27FC236}">
+                <a16:creationId xmlns:a16="http://schemas.microsoft.com/office/drawing/2014/main" id="{C03A36AD-8317-4E36-ADD2-3832ECBE0AC2}"/>
+              </a:ext>
+            </a:extLst>
+          </p:cNvPr>
+          <p:cNvPicPr>
+            <a:picLocks noChangeAspect="1"/>
+          </p:cNvPicPr>
+          <p:nvPr/>
+        </p:nvPicPr>
+        <p:blipFill>
+          <a:blip r:embed="rId4"/>
+          <a:stretch>
+            <a:fillRect/>
+          </a:stretch>
+        </p:blipFill>
+        <p:spPr>
+          <a:xfrm>
+            <a:off x="842513" y="3729977"/>
+            <a:ext cx="2743200" cy="1123328"/>
+          </a:xfrm>
+          <a:prstGeom prst="rect">
+            <a:avLst/>
+          </a:prstGeom>
+        </p:spPr>
+      </p:pic>
+      <p:pic>
+        <p:nvPicPr>
+          <p:cNvPr id="8" name="Picture 8" descr="A close up of a logo&#10;&#10;Description generated with very high confidence">
+            <a:extLst>
+              <a:ext uri="{FF2B5EF4-FFF2-40B4-BE49-F238E27FC236}">
+                <a16:creationId xmlns:a16="http://schemas.microsoft.com/office/drawing/2014/main" id="{C1C57CFE-FCE9-4887-99F3-5FBDCD01E59A}"/>
+              </a:ext>
+            </a:extLst>
+          </p:cNvPr>
+          <p:cNvPicPr>
+            <a:picLocks noChangeAspect="1"/>
+          </p:cNvPicPr>
+          <p:nvPr/>
+        </p:nvPicPr>
+        <p:blipFill>
+          <a:blip r:embed="rId5"/>
+          <a:stretch>
+            <a:fillRect/>
+          </a:stretch>
+        </p:blipFill>
+        <p:spPr>
+          <a:xfrm>
+            <a:off x="842513" y="4869153"/>
+            <a:ext cx="2743200" cy="886561"/>
+          </a:xfrm>
+          <a:prstGeom prst="rect">
+            <a:avLst/>
+          </a:prstGeom>
+        </p:spPr>
+      </p:pic>
+      <p:pic>
+        <p:nvPicPr>
+          <p:cNvPr id="10" name="Picture 10" descr="A close up of a logo&#10;&#10;Description generated with very high confidence">
+            <a:extLst>
+              <a:ext uri="{FF2B5EF4-FFF2-40B4-BE49-F238E27FC236}">
+                <a16:creationId xmlns:a16="http://schemas.microsoft.com/office/drawing/2014/main" id="{168DD5B3-04DE-4CA8-A752-6190CAF25632}"/>
+              </a:ext>
+            </a:extLst>
+          </p:cNvPr>
+          <p:cNvPicPr>
+            <a:picLocks noChangeAspect="1"/>
+          </p:cNvPicPr>
+          <p:nvPr/>
+        </p:nvPicPr>
+        <p:blipFill>
+          <a:blip r:embed="rId6"/>
+          <a:stretch>
+            <a:fillRect/>
+          </a:stretch>
+        </p:blipFill>
+        <p:spPr>
+          <a:xfrm>
+            <a:off x="1462177" y="5751842"/>
+            <a:ext cx="1676400" cy="1047750"/>
+          </a:xfrm>
+          <a:prstGeom prst="rect">
+            <a:avLst/>
+          </a:prstGeom>
+        </p:spPr>
+      </p:pic>
+      <p:pic>
+        <p:nvPicPr>
+          <p:cNvPr id="12" name="Picture 12" descr="A close up of a logo&#10;&#10;Description generated with very high confidence">
+            <a:extLst>
+              <a:ext uri="{FF2B5EF4-FFF2-40B4-BE49-F238E27FC236}">
+                <a16:creationId xmlns:a16="http://schemas.microsoft.com/office/drawing/2014/main" id="{BF2C441C-DFB2-43F7-A304-B600227543CC}"/>
+              </a:ext>
+            </a:extLst>
+          </p:cNvPr>
+          <p:cNvPicPr>
+            <a:picLocks noChangeAspect="1"/>
+          </p:cNvPicPr>
+          <p:nvPr/>
+        </p:nvPicPr>
+        <p:blipFill>
+          <a:blip r:embed="rId7"/>
+          <a:stretch>
+            <a:fillRect/>
+          </a:stretch>
+        </p:blipFill>
+        <p:spPr>
+          <a:xfrm>
+            <a:off x="5730815" y="2792284"/>
+            <a:ext cx="2743200" cy="612073"/>
+          </a:xfrm>
+          <a:prstGeom prst="rect">
+            <a:avLst/>
+          </a:prstGeom>
+        </p:spPr>
+      </p:pic>
+      <p:pic>
+        <p:nvPicPr>
+          <p:cNvPr id="14" name="Picture 14" descr="A picture containing flower&#10;&#10;Description generated with very high confidence">
+            <a:extLst>
+              <a:ext uri="{FF2B5EF4-FFF2-40B4-BE49-F238E27FC236}">
+                <a16:creationId xmlns:a16="http://schemas.microsoft.com/office/drawing/2014/main" id="{B8D9BAFB-76EE-43AF-B2E5-09A5C96F40E6}"/>
+              </a:ext>
+            </a:extLst>
+          </p:cNvPr>
+          <p:cNvPicPr>
+            <a:picLocks noChangeAspect="1"/>
+          </p:cNvPicPr>
+          <p:nvPr/>
+        </p:nvPicPr>
+        <p:blipFill>
+          <a:blip r:embed="rId8"/>
+          <a:stretch>
+            <a:fillRect/>
+          </a:stretch>
+        </p:blipFill>
+        <p:spPr>
+          <a:xfrm>
+            <a:off x="5788324" y="3853470"/>
+            <a:ext cx="2743200" cy="675060"/>
+          </a:xfrm>
+          <a:prstGeom prst="rect">
+            <a:avLst/>
+          </a:prstGeom>
+        </p:spPr>
+      </p:pic>
+      <p:pic>
+        <p:nvPicPr>
+          <p:cNvPr id="16" name="Picture 16" descr="A close up of a logo&#10;&#10;Description generated with very high confidence">
+            <a:extLst>
+              <a:ext uri="{FF2B5EF4-FFF2-40B4-BE49-F238E27FC236}">
+                <a16:creationId xmlns:a16="http://schemas.microsoft.com/office/drawing/2014/main" id="{69588F74-1361-44C5-BA58-5B07C102AB28}"/>
+              </a:ext>
+            </a:extLst>
+          </p:cNvPr>
+          <p:cNvPicPr>
+            <a:picLocks noChangeAspect="1"/>
+          </p:cNvPicPr>
+          <p:nvPr/>
+        </p:nvPicPr>
+        <p:blipFill>
+          <a:blip r:embed="rId9"/>
+          <a:stretch>
+            <a:fillRect/>
+          </a:stretch>
+        </p:blipFill>
+        <p:spPr>
+          <a:xfrm>
+            <a:off x="5630173" y="4760126"/>
+            <a:ext cx="2743200" cy="759559"/>
+          </a:xfrm>
+          <a:prstGeom prst="rect">
+            <a:avLst/>
+          </a:prstGeom>
+        </p:spPr>
+      </p:pic>
+      <p:pic>
+        <p:nvPicPr>
+          <p:cNvPr id="18" name="Picture 18" descr="A picture containing game&#10;&#10;Description generated with very high confidence">
+            <a:extLst>
+              <a:ext uri="{FF2B5EF4-FFF2-40B4-BE49-F238E27FC236}">
+                <a16:creationId xmlns:a16="http://schemas.microsoft.com/office/drawing/2014/main" id="{C9494DC8-A488-4837-88CD-C2893D36E3E2}"/>
+              </a:ext>
+            </a:extLst>
+          </p:cNvPr>
+          <p:cNvPicPr>
+            <a:picLocks noChangeAspect="1"/>
+          </p:cNvPicPr>
+          <p:nvPr/>
+        </p:nvPicPr>
+        <p:blipFill>
+          <a:blip r:embed="rId10"/>
+          <a:stretch>
+            <a:fillRect/>
+          </a:stretch>
+        </p:blipFill>
+        <p:spPr>
+          <a:xfrm>
+            <a:off x="5788325" y="5832175"/>
+            <a:ext cx="2743200" cy="685800"/>
+          </a:xfrm>
+          <a:prstGeom prst="rect">
+            <a:avLst/>
+          </a:prstGeom>
+        </p:spPr>
+      </p:pic>
+    </p:spTree>
+    <p:extLst>
+      <p:ext uri="{BB962C8B-B14F-4D97-AF65-F5344CB8AC3E}">
+        <p14:creationId xmlns:p14="http://schemas.microsoft.com/office/powerpoint/2010/main" val="759727762"/>
+      </p:ext>
+    </p:extLst>
+  </p:cSld>
+  <p:clrMapOvr>
+    <a:masterClrMapping/>
+  </p:clrMapOvr>
+</p:sld>
+</file>
+
+<file path=ppt/slides/slide16.xml><?xml version="1.0" encoding="utf-8"?>
+<p:sld xmlns:a="http://schemas.openxmlformats.org/drawingml/2006/main" xmlns:r="http://schemas.openxmlformats.org/officeDocument/2006/relationships" xmlns:p="http://schemas.openxmlformats.org/presentationml/2006/main">
+  <p:cSld>
+    <p:spTree>
+      <p:nvGrpSpPr>
+        <p:cNvPr id="1" name=""/>
+        <p:cNvGrpSpPr/>
+        <p:nvPr/>
+      </p:nvGrpSpPr>
+      <p:grpSpPr>
+        <a:xfrm>
+          <a:off x="0" y="0"/>
+          <a:ext cx="0" cy="0"/>
+          <a:chOff x="0" y="0"/>
+          <a:chExt cx="0" cy="0"/>
+        </a:xfrm>
+      </p:grpSpPr>
+      <p:sp>
+        <p:nvSpPr>
+          <p:cNvPr id="2" name="Title 1">
+            <a:extLst>
+              <a:ext uri="{FF2B5EF4-FFF2-40B4-BE49-F238E27FC236}">
+                <a16:creationId xmlns:a16="http://schemas.microsoft.com/office/drawing/2014/main" id="{5B1C0DA9-7595-4C79-ACAF-CCCF1A9AAB83}"/>
+              </a:ext>
+            </a:extLst>
+          </p:cNvPr>
+          <p:cNvSpPr>
+            <a:spLocks noGrp="1"/>
+          </p:cNvSpPr>
+          <p:nvPr>
+            <p:ph type="title"/>
+          </p:nvPr>
+        </p:nvSpPr>
+        <p:spPr/>
+        <p:txBody>
+          <a:bodyPr/>
+          <a:lstStyle/>
+          <a:p>
+            <a:r>
+              <a:rPr lang="en-US" dirty="0">
+                <a:cs typeface="Calibri Light"/>
+              </a:rPr>
+              <a:t>Higher derivatives of </a:t>
+            </a:r>
+            <a:r>
+              <a:rPr lang="en-US" dirty="0" err="1">
+                <a:cs typeface="Calibri Light"/>
+              </a:rPr>
+              <a:t>erfinv</a:t>
+            </a:r>
+            <a:endParaRPr lang="en-US" dirty="0" err="1"/>
+          </a:p>
+        </p:txBody>
+      </p:sp>
+      <p:pic>
+        <p:nvPicPr>
+          <p:cNvPr id="5" name="Picture 18" descr="A picture containing game&#10;&#10;Description generated with very high confidence">
+            <a:extLst>
+              <a:ext uri="{FF2B5EF4-FFF2-40B4-BE49-F238E27FC236}">
+                <a16:creationId xmlns:a16="http://schemas.microsoft.com/office/drawing/2014/main" id="{F5A854AD-7C77-4DC8-BE8C-55E24A82921D}"/>
+              </a:ext>
+            </a:extLst>
+          </p:cNvPr>
+          <p:cNvPicPr>
+            <a:picLocks noChangeAspect="1"/>
+          </p:cNvPicPr>
+          <p:nvPr/>
+        </p:nvPicPr>
+        <p:blipFill>
+          <a:blip r:embed="rId2"/>
+          <a:stretch>
+            <a:fillRect/>
+          </a:stretch>
+        </p:blipFill>
+        <p:spPr>
+          <a:xfrm>
+            <a:off x="971910" y="1777760"/>
+            <a:ext cx="2743200" cy="685800"/>
+          </a:xfrm>
+          <a:prstGeom prst="rect">
+            <a:avLst/>
+          </a:prstGeom>
+        </p:spPr>
+      </p:pic>
+      <p:pic>
+        <p:nvPicPr>
+          <p:cNvPr id="6" name="Picture 6">
+            <a:extLst>
+              <a:ext uri="{FF2B5EF4-FFF2-40B4-BE49-F238E27FC236}">
+                <a16:creationId xmlns:a16="http://schemas.microsoft.com/office/drawing/2014/main" id="{313A2FD0-219E-4C70-B0AE-11B3C20A37F5}"/>
+              </a:ext>
+            </a:extLst>
+          </p:cNvPr>
+          <p:cNvPicPr>
+            <a:picLocks noChangeAspect="1"/>
+          </p:cNvPicPr>
+          <p:nvPr/>
+        </p:nvPicPr>
+        <p:blipFill>
+          <a:blip r:embed="rId3"/>
+          <a:stretch>
+            <a:fillRect/>
+          </a:stretch>
+        </p:blipFill>
+        <p:spPr>
+          <a:xfrm>
+            <a:off x="966158" y="2711570"/>
+            <a:ext cx="2438400" cy="457200"/>
+          </a:xfrm>
+          <a:prstGeom prst="rect">
+            <a:avLst/>
+          </a:prstGeom>
+        </p:spPr>
+      </p:pic>
+      <p:pic>
+        <p:nvPicPr>
+          <p:cNvPr id="8" name="Picture 8" descr="A close up of a logo&#10;&#10;Description generated with very high confidence">
+            <a:extLst>
+              <a:ext uri="{FF2B5EF4-FFF2-40B4-BE49-F238E27FC236}">
+                <a16:creationId xmlns:a16="http://schemas.microsoft.com/office/drawing/2014/main" id="{24027710-21A8-4F20-A353-80727D90493C}"/>
+              </a:ext>
+            </a:extLst>
+          </p:cNvPr>
+          <p:cNvPicPr>
+            <a:picLocks noChangeAspect="1"/>
+          </p:cNvPicPr>
+          <p:nvPr/>
+        </p:nvPicPr>
+        <p:blipFill>
+          <a:blip r:embed="rId4"/>
+          <a:stretch>
+            <a:fillRect/>
+          </a:stretch>
+        </p:blipFill>
+        <p:spPr>
+          <a:xfrm>
+            <a:off x="978470" y="3422530"/>
+            <a:ext cx="1781175" cy="990600"/>
+          </a:xfrm>
+          <a:prstGeom prst="rect">
+            <a:avLst/>
+          </a:prstGeom>
+        </p:spPr>
+      </p:pic>
+      <p:pic>
+        <p:nvPicPr>
+          <p:cNvPr id="10" name="Picture 10" descr="A close up of a logo&#10;&#10;Description generated with very high confidence">
+            <a:extLst>
+              <a:ext uri="{FF2B5EF4-FFF2-40B4-BE49-F238E27FC236}">
+                <a16:creationId xmlns:a16="http://schemas.microsoft.com/office/drawing/2014/main" id="{54D98BB4-F466-4A9E-AFBF-7181A48AA99F}"/>
+              </a:ext>
+            </a:extLst>
+          </p:cNvPr>
+          <p:cNvPicPr>
+            <a:picLocks noChangeAspect="1"/>
+          </p:cNvPicPr>
+          <p:nvPr/>
+        </p:nvPicPr>
+        <p:blipFill>
+          <a:blip r:embed="rId5"/>
+          <a:stretch>
+            <a:fillRect/>
+          </a:stretch>
+        </p:blipFill>
+        <p:spPr>
+          <a:xfrm>
+            <a:off x="981344" y="4414568"/>
+            <a:ext cx="2695575" cy="990600"/>
+          </a:xfrm>
+          <a:prstGeom prst="rect">
+            <a:avLst/>
+          </a:prstGeom>
+        </p:spPr>
+      </p:pic>
+      <p:pic>
+        <p:nvPicPr>
+          <p:cNvPr id="22" name="Picture 22">
+            <a:extLst>
+              <a:ext uri="{FF2B5EF4-FFF2-40B4-BE49-F238E27FC236}">
+                <a16:creationId xmlns:a16="http://schemas.microsoft.com/office/drawing/2014/main" id="{04CE39F0-E8C8-4FF4-B22D-0B818B29BF70}"/>
+              </a:ext>
+            </a:extLst>
+          </p:cNvPr>
+          <p:cNvPicPr>
+            <a:picLocks noChangeAspect="1"/>
+          </p:cNvPicPr>
+          <p:nvPr/>
+        </p:nvPicPr>
+        <p:blipFill>
+          <a:blip r:embed="rId6"/>
+          <a:stretch>
+            <a:fillRect/>
+          </a:stretch>
+        </p:blipFill>
+        <p:spPr>
+          <a:xfrm>
+            <a:off x="1456696" y="5812317"/>
+            <a:ext cx="1457325" cy="466725"/>
+          </a:xfrm>
+          <a:prstGeom prst="rect">
+            <a:avLst/>
+          </a:prstGeom>
+        </p:spPr>
+      </p:pic>
+      <p:pic>
+        <p:nvPicPr>
+          <p:cNvPr id="24" name="Picture 24">
+            <a:extLst>
+              <a:ext uri="{FF2B5EF4-FFF2-40B4-BE49-F238E27FC236}">
+                <a16:creationId xmlns:a16="http://schemas.microsoft.com/office/drawing/2014/main" id="{38EEFB24-7136-4521-836D-BCBB058C135D}"/>
+              </a:ext>
+            </a:extLst>
+          </p:cNvPr>
+          <p:cNvPicPr>
+            <a:picLocks noChangeAspect="1"/>
+          </p:cNvPicPr>
+          <p:nvPr/>
+        </p:nvPicPr>
+        <p:blipFill>
+          <a:blip r:embed="rId7"/>
+          <a:stretch>
+            <a:fillRect/>
+          </a:stretch>
+        </p:blipFill>
+        <p:spPr>
+          <a:xfrm>
+            <a:off x="6464060" y="1785400"/>
+            <a:ext cx="2743200" cy="325464"/>
+          </a:xfrm>
+          <a:prstGeom prst="rect">
+            <a:avLst/>
+          </a:prstGeom>
+        </p:spPr>
+      </p:pic>
+      <p:pic>
+        <p:nvPicPr>
+          <p:cNvPr id="26" name="Picture 26">
+            <a:extLst>
+              <a:ext uri="{FF2B5EF4-FFF2-40B4-BE49-F238E27FC236}">
+                <a16:creationId xmlns:a16="http://schemas.microsoft.com/office/drawing/2014/main" id="{CE8CFE93-0FC1-4E36-83E1-DE7D2CE84ED2}"/>
+              </a:ext>
+            </a:extLst>
+          </p:cNvPr>
+          <p:cNvPicPr>
+            <a:picLocks noChangeAspect="1"/>
+          </p:cNvPicPr>
+          <p:nvPr/>
+        </p:nvPicPr>
+        <p:blipFill>
+          <a:blip r:embed="rId8"/>
+          <a:stretch>
+            <a:fillRect/>
+          </a:stretch>
+        </p:blipFill>
+        <p:spPr>
+          <a:xfrm>
+            <a:off x="6823494" y="2453555"/>
+            <a:ext cx="2743200" cy="311872"/>
+          </a:xfrm>
+          <a:prstGeom prst="rect">
+            <a:avLst/>
+          </a:prstGeom>
+        </p:spPr>
+      </p:pic>
+      <p:pic>
+        <p:nvPicPr>
+          <p:cNvPr id="28" name="Picture 28">
+            <a:extLst>
+              <a:ext uri="{FF2B5EF4-FFF2-40B4-BE49-F238E27FC236}">
+                <a16:creationId xmlns:a16="http://schemas.microsoft.com/office/drawing/2014/main" id="{539A74B4-2730-4914-BED3-43BB36405935}"/>
+              </a:ext>
+            </a:extLst>
+          </p:cNvPr>
+          <p:cNvPicPr>
+            <a:picLocks noChangeAspect="1"/>
+          </p:cNvPicPr>
+          <p:nvPr/>
+        </p:nvPicPr>
+        <p:blipFill>
+          <a:blip r:embed="rId9"/>
+          <a:stretch>
+            <a:fillRect/>
+          </a:stretch>
+        </p:blipFill>
+        <p:spPr>
+          <a:xfrm>
+            <a:off x="6708475" y="2952030"/>
+            <a:ext cx="2743200" cy="465110"/>
+          </a:xfrm>
+          <a:prstGeom prst="rect">
+            <a:avLst/>
+          </a:prstGeom>
+        </p:spPr>
+      </p:pic>
+      <p:pic>
+        <p:nvPicPr>
+          <p:cNvPr id="30" name="Picture 30" descr="A close up of a logo&#10;&#10;Description generated with very high confidence">
+            <a:extLst>
+              <a:ext uri="{FF2B5EF4-FFF2-40B4-BE49-F238E27FC236}">
+                <a16:creationId xmlns:a16="http://schemas.microsoft.com/office/drawing/2014/main" id="{ABDA917C-7563-4ACC-B587-872AB6C11F48}"/>
+              </a:ext>
+            </a:extLst>
+          </p:cNvPr>
+          <p:cNvPicPr>
+            <a:picLocks noChangeAspect="1"/>
+          </p:cNvPicPr>
+          <p:nvPr/>
+        </p:nvPicPr>
+        <p:blipFill>
+          <a:blip r:embed="rId10"/>
+          <a:stretch>
+            <a:fillRect/>
+          </a:stretch>
+        </p:blipFill>
+        <p:spPr>
+          <a:xfrm>
+            <a:off x="6779374" y="3435650"/>
+            <a:ext cx="2428875" cy="590550"/>
+          </a:xfrm>
+          <a:prstGeom prst="rect">
+            <a:avLst/>
+          </a:prstGeom>
+        </p:spPr>
+      </p:pic>
+      <p:pic>
+        <p:nvPicPr>
+          <p:cNvPr id="32" name="Picture 32">
+            <a:extLst>
+              <a:ext uri="{FF2B5EF4-FFF2-40B4-BE49-F238E27FC236}">
+                <a16:creationId xmlns:a16="http://schemas.microsoft.com/office/drawing/2014/main" id="{9318B749-2117-481D-BD0D-505C4E19EEC9}"/>
+              </a:ext>
+            </a:extLst>
+          </p:cNvPr>
+          <p:cNvPicPr>
+            <a:picLocks noChangeAspect="1"/>
+          </p:cNvPicPr>
+          <p:nvPr/>
+        </p:nvPicPr>
+        <p:blipFill>
+          <a:blip r:embed="rId11"/>
+          <a:stretch>
+            <a:fillRect/>
+          </a:stretch>
+        </p:blipFill>
+        <p:spPr>
+          <a:xfrm>
+            <a:off x="6360813" y="4216430"/>
+            <a:ext cx="1914525" cy="466725"/>
+          </a:xfrm>
+          <a:prstGeom prst="rect">
+            <a:avLst/>
+          </a:prstGeom>
+        </p:spPr>
+      </p:pic>
+      <p:pic>
+        <p:nvPicPr>
+          <p:cNvPr id="34" name="Picture 34">
+            <a:extLst>
+              <a:ext uri="{FF2B5EF4-FFF2-40B4-BE49-F238E27FC236}">
+                <a16:creationId xmlns:a16="http://schemas.microsoft.com/office/drawing/2014/main" id="{7B4A022D-AFC8-429E-9883-FD732E36B818}"/>
+              </a:ext>
+            </a:extLst>
+          </p:cNvPr>
+          <p:cNvPicPr>
+            <a:picLocks noChangeAspect="1"/>
+          </p:cNvPicPr>
+          <p:nvPr/>
+        </p:nvPicPr>
+        <p:blipFill>
+          <a:blip r:embed="rId12"/>
+          <a:stretch>
+            <a:fillRect/>
+          </a:stretch>
+        </p:blipFill>
+        <p:spPr>
+          <a:xfrm>
+            <a:off x="6363419" y="4826184"/>
+            <a:ext cx="2743200" cy="282388"/>
+          </a:xfrm>
+          <a:prstGeom prst="rect">
+            <a:avLst/>
+          </a:prstGeom>
+        </p:spPr>
+      </p:pic>
+      <p:pic>
+        <p:nvPicPr>
+          <p:cNvPr id="36" name="Picture 36">
+            <a:extLst>
+              <a:ext uri="{FF2B5EF4-FFF2-40B4-BE49-F238E27FC236}">
+                <a16:creationId xmlns:a16="http://schemas.microsoft.com/office/drawing/2014/main" id="{B2428C72-D187-4FBC-8415-60BF85270032}"/>
+              </a:ext>
+            </a:extLst>
+          </p:cNvPr>
+          <p:cNvPicPr>
+            <a:picLocks noChangeAspect="1"/>
+          </p:cNvPicPr>
+          <p:nvPr/>
+        </p:nvPicPr>
+        <p:blipFill>
+          <a:blip r:embed="rId13"/>
+          <a:stretch>
+            <a:fillRect/>
+          </a:stretch>
+        </p:blipFill>
+        <p:spPr>
+          <a:xfrm>
+            <a:off x="6708475" y="5177790"/>
+            <a:ext cx="2743200" cy="298042"/>
+          </a:xfrm>
+          <a:prstGeom prst="rect">
+            <a:avLst/>
+          </a:prstGeom>
+        </p:spPr>
+      </p:pic>
+      <p:pic>
+        <p:nvPicPr>
+          <p:cNvPr id="38" name="Picture 38">
+            <a:extLst>
+              <a:ext uri="{FF2B5EF4-FFF2-40B4-BE49-F238E27FC236}">
+                <a16:creationId xmlns:a16="http://schemas.microsoft.com/office/drawing/2014/main" id="{26AD7DE6-4C41-4F15-9E43-232D026C7442}"/>
+              </a:ext>
+            </a:extLst>
+          </p:cNvPr>
+          <p:cNvPicPr>
+            <a:picLocks noChangeAspect="1"/>
+          </p:cNvPicPr>
+          <p:nvPr/>
+        </p:nvPicPr>
+        <p:blipFill>
+          <a:blip r:embed="rId14"/>
+          <a:stretch>
+            <a:fillRect/>
+          </a:stretch>
+        </p:blipFill>
+        <p:spPr>
+          <a:xfrm>
+            <a:off x="6708475" y="5627149"/>
+            <a:ext cx="2743200" cy="348230"/>
+          </a:xfrm>
+          <a:prstGeom prst="rect">
+            <a:avLst/>
+          </a:prstGeom>
+        </p:spPr>
+      </p:pic>
+      <p:pic>
+        <p:nvPicPr>
+          <p:cNvPr id="40" name="Picture 40">
+            <a:extLst>
+              <a:ext uri="{FF2B5EF4-FFF2-40B4-BE49-F238E27FC236}">
+                <a16:creationId xmlns:a16="http://schemas.microsoft.com/office/drawing/2014/main" id="{B7424758-E941-47C7-A684-5E3E904C6CCD}"/>
+              </a:ext>
+            </a:extLst>
+          </p:cNvPr>
+          <p:cNvPicPr>
+            <a:picLocks noChangeAspect="1"/>
+          </p:cNvPicPr>
+          <p:nvPr/>
+        </p:nvPicPr>
+        <p:blipFill>
+          <a:blip r:embed="rId15"/>
+          <a:stretch>
+            <a:fillRect/>
+          </a:stretch>
+        </p:blipFill>
+        <p:spPr>
+          <a:xfrm>
+            <a:off x="6622211" y="6160947"/>
+            <a:ext cx="2743200" cy="430823"/>
+          </a:xfrm>
+          <a:prstGeom prst="rect">
+            <a:avLst/>
+          </a:prstGeom>
+        </p:spPr>
+      </p:pic>
+    </p:spTree>
+    <p:extLst>
+      <p:ext uri="{BB962C8B-B14F-4D97-AF65-F5344CB8AC3E}">
+        <p14:creationId xmlns:p14="http://schemas.microsoft.com/office/powerpoint/2010/main" val="1986521664"/>
+      </p:ext>
+    </p:extLst>
+  </p:cSld>
+  <p:clrMapOvr>
+    <a:masterClrMapping/>
+  </p:clrMapOvr>
+</p:sld>
+</file>
+
+<file path=ppt/slides/slide17.xml><?xml version="1.0" encoding="utf-8"?>
+<p:sld xmlns:a="http://schemas.openxmlformats.org/drawingml/2006/main" xmlns:r="http://schemas.openxmlformats.org/officeDocument/2006/relationships" xmlns:p="http://schemas.openxmlformats.org/presentationml/2006/main">
+  <p:cSld>
+    <p:spTree>
+      <p:nvGrpSpPr>
+        <p:cNvPr id="1" name=""/>
+        <p:cNvGrpSpPr/>
+        <p:nvPr/>
+      </p:nvGrpSpPr>
+      <p:grpSpPr>
+        <a:xfrm>
+          <a:off x="0" y="0"/>
+          <a:ext cx="0" cy="0"/>
+          <a:chOff x="0" y="0"/>
+          <a:chExt cx="0" cy="0"/>
+        </a:xfrm>
+      </p:grpSpPr>
+      <p:sp>
+        <p:nvSpPr>
+          <p:cNvPr id="2" name="Title 1">
+            <a:extLst>
+              <a:ext uri="{FF2B5EF4-FFF2-40B4-BE49-F238E27FC236}">
+                <a16:creationId xmlns:a16="http://schemas.microsoft.com/office/drawing/2014/main" id="{FCEEABC2-CED0-412A-9DDE-52FCC1BA5F74}"/>
+              </a:ext>
+            </a:extLst>
+          </p:cNvPr>
+          <p:cNvSpPr>
+            <a:spLocks noGrp="1"/>
+          </p:cNvSpPr>
+          <p:nvPr>
+            <p:ph type="title"/>
+          </p:nvPr>
+        </p:nvSpPr>
+        <p:spPr/>
+        <p:txBody>
+          <a:bodyPr/>
+          <a:lstStyle/>
+          <a:p>
+            <a:r>
+              <a:rPr lang="en-US" dirty="0">
+                <a:cs typeface="Calibri Light"/>
+              </a:rPr>
+              <a:t>Update P (polynomial of F)</a:t>
+            </a:r>
+            <a:endParaRPr lang="en-US" dirty="0"/>
+          </a:p>
+        </p:txBody>
+      </p:sp>
+      <p:sp>
+        <p:nvSpPr>
+          <p:cNvPr id="3" name="TextBox 2">
+            <a:extLst>
+              <a:ext uri="{FF2B5EF4-FFF2-40B4-BE49-F238E27FC236}">
+                <a16:creationId xmlns:a16="http://schemas.microsoft.com/office/drawing/2014/main" id="{861F3558-46F5-4631-857C-82985D4BF79A}"/>
+              </a:ext>
+            </a:extLst>
+          </p:cNvPr>
+          <p:cNvSpPr txBox="1"/>
+          <p:nvPr/>
+        </p:nvSpPr>
+        <p:spPr>
+          <a:xfrm>
+            <a:off x="785004" y="2150854"/>
+            <a:ext cx="13454329" cy="4424737"/>
+          </a:xfrm>
+          <a:prstGeom prst="rect">
+            <a:avLst/>
+          </a:prstGeom>
+          <a:noFill/>
+        </p:spPr>
+        <p:txBody>
+          <a:bodyPr rot="0" spcFirstLastPara="0" vertOverflow="overflow" horzOverflow="overflow" vert="horz" wrap="square" lIns="91440" tIns="45720" rIns="91440" bIns="45720" numCol="1" spcCol="0" rtlCol="0" fromWordArt="0" anchor="t" anchorCtr="0" forceAA="0" compatLnSpc="1">
+            <a:prstTxWarp prst="textNoShape">
+              <a:avLst/>
+            </a:prstTxWarp>
+            <a:spAutoFit/>
+          </a:bodyPr>
+          <a:lstStyle/>
+          <a:p>
+            <a:pPr>
+              <a:lnSpc>
+                <a:spcPct val="200000"/>
+              </a:lnSpc>
+            </a:pPr>
+            <a:r>
+              <a:rPr lang="en-US" dirty="0">
+                <a:latin typeface="MS Gothic"/>
+                <a:ea typeface="+mn-lt"/>
+                <a:cs typeface="+mn-lt"/>
+              </a:rPr>
+              <a:t>def </a:t>
+            </a:r>
+            <a:r>
+              <a:rPr lang="en-US" b="1" dirty="0" err="1">
+                <a:latin typeface="MS Gothic"/>
+                <a:ea typeface="+mn-lt"/>
+                <a:cs typeface="+mn-lt"/>
+              </a:rPr>
+              <a:t>update_p</a:t>
+            </a:r>
+            <a:r>
+              <a:rPr lang="en-US" dirty="0">
+                <a:latin typeface="MS Gothic"/>
+                <a:ea typeface="+mn-lt"/>
+                <a:cs typeface="+mn-lt"/>
+              </a:rPr>
+              <a:t>(p, n):</a:t>
+            </a:r>
+            <a:endParaRPr lang="en-US">
+              <a:latin typeface="MS Gothic"/>
+              <a:ea typeface="MS Gothic"/>
+              <a:cs typeface="Courier New"/>
+            </a:endParaRPr>
+          </a:p>
+          <a:p>
+            <a:pPr>
+              <a:lnSpc>
+                <a:spcPct val="200000"/>
+              </a:lnSpc>
+            </a:pPr>
+            <a:r>
+              <a:rPr lang="en-US" dirty="0">
+                <a:latin typeface="MS Gothic"/>
+                <a:ea typeface="+mn-lt"/>
+                <a:cs typeface="+mn-lt"/>
+              </a:rPr>
+              <a:t>    </a:t>
+            </a:r>
+            <a:r>
+              <a:rPr lang="en-US" dirty="0" err="1">
+                <a:latin typeface="MS Gothic"/>
+                <a:ea typeface="+mn-lt"/>
+                <a:cs typeface="+mn-lt"/>
+              </a:rPr>
+              <a:t>fp</a:t>
+            </a:r>
+            <a:r>
+              <a:rPr lang="en-US" dirty="0">
+                <a:latin typeface="MS Gothic"/>
+                <a:ea typeface="+mn-lt"/>
+                <a:cs typeface="+mn-lt"/>
+              </a:rPr>
+              <a:t> = [0] + p</a:t>
+            </a:r>
+          </a:p>
+          <a:p>
+            <a:pPr>
+              <a:lnSpc>
+                <a:spcPct val="200000"/>
+              </a:lnSpc>
+            </a:pPr>
+            <a:r>
+              <a:rPr lang="en-US" dirty="0">
+                <a:latin typeface="MS Gothic"/>
+                <a:ea typeface="+mn-lt"/>
+                <a:cs typeface="+mn-lt"/>
+              </a:rPr>
+              <a:t>    </a:t>
+            </a:r>
+            <a:r>
+              <a:rPr lang="en-US" dirty="0" err="1">
+                <a:latin typeface="MS Gothic"/>
+                <a:ea typeface="+mn-lt"/>
+                <a:cs typeface="+mn-lt"/>
+              </a:rPr>
+              <a:t>two_nfp</a:t>
+            </a:r>
+            <a:r>
+              <a:rPr lang="en-US" dirty="0">
+                <a:latin typeface="MS Gothic"/>
+                <a:ea typeface="+mn-lt"/>
+                <a:cs typeface="+mn-lt"/>
+              </a:rPr>
+              <a:t> = [2*n*</a:t>
+            </a:r>
+            <a:r>
+              <a:rPr lang="en-US" dirty="0" err="1">
+                <a:latin typeface="MS Gothic"/>
+                <a:ea typeface="+mn-lt"/>
+                <a:cs typeface="+mn-lt"/>
+              </a:rPr>
+              <a:t>coeff</a:t>
+            </a:r>
+            <a:r>
+              <a:rPr lang="en-US" dirty="0">
+                <a:latin typeface="MS Gothic"/>
+                <a:ea typeface="+mn-lt"/>
+                <a:cs typeface="+mn-lt"/>
+              </a:rPr>
+              <a:t> for </a:t>
+            </a:r>
+            <a:r>
+              <a:rPr lang="en-US" dirty="0" err="1">
+                <a:latin typeface="MS Gothic"/>
+                <a:ea typeface="+mn-lt"/>
+                <a:cs typeface="+mn-lt"/>
+              </a:rPr>
+              <a:t>coeff</a:t>
+            </a:r>
+            <a:r>
+              <a:rPr lang="en-US" dirty="0">
+                <a:latin typeface="MS Gothic"/>
+                <a:ea typeface="+mn-lt"/>
+                <a:cs typeface="+mn-lt"/>
+              </a:rPr>
+              <a:t> in </a:t>
+            </a:r>
+            <a:r>
+              <a:rPr lang="en-US" dirty="0" err="1">
+                <a:latin typeface="MS Gothic"/>
+                <a:ea typeface="+mn-lt"/>
+                <a:cs typeface="+mn-lt"/>
+              </a:rPr>
+              <a:t>fp</a:t>
+            </a:r>
+            <a:r>
+              <a:rPr lang="en-US" dirty="0">
+                <a:latin typeface="MS Gothic"/>
+                <a:ea typeface="+mn-lt"/>
+                <a:cs typeface="+mn-lt"/>
+              </a:rPr>
+              <a:t>]</a:t>
+            </a:r>
+          </a:p>
+          <a:p>
+            <a:pPr>
+              <a:lnSpc>
+                <a:spcPct val="200000"/>
+              </a:lnSpc>
+            </a:pPr>
+            <a:r>
+              <a:rPr lang="en-US" dirty="0">
+                <a:latin typeface="MS Gothic"/>
+                <a:ea typeface="+mn-lt"/>
+                <a:cs typeface="+mn-lt"/>
+              </a:rPr>
+              <a:t>    </a:t>
+            </a:r>
+            <a:r>
+              <a:rPr lang="en-US" dirty="0" err="1">
+                <a:latin typeface="MS Gothic"/>
+                <a:ea typeface="+mn-lt"/>
+                <a:cs typeface="+mn-lt"/>
+              </a:rPr>
+              <a:t>dp</a:t>
+            </a:r>
+            <a:r>
+              <a:rPr lang="en-US" dirty="0">
+                <a:latin typeface="MS Gothic"/>
+                <a:ea typeface="+mn-lt"/>
+                <a:cs typeface="+mn-lt"/>
+              </a:rPr>
+              <a:t> = [power*</a:t>
+            </a:r>
+            <a:r>
+              <a:rPr lang="en-US" dirty="0" err="1">
+                <a:latin typeface="MS Gothic"/>
+                <a:ea typeface="+mn-lt"/>
+                <a:cs typeface="+mn-lt"/>
+              </a:rPr>
+              <a:t>coeff</a:t>
+            </a:r>
+            <a:r>
+              <a:rPr lang="en-US" dirty="0">
+                <a:latin typeface="MS Gothic"/>
+                <a:ea typeface="+mn-lt"/>
+                <a:cs typeface="+mn-lt"/>
+              </a:rPr>
+              <a:t> for power, </a:t>
+            </a:r>
+            <a:r>
+              <a:rPr lang="en-US" dirty="0" err="1">
+                <a:latin typeface="MS Gothic"/>
+                <a:ea typeface="+mn-lt"/>
+                <a:cs typeface="+mn-lt"/>
+              </a:rPr>
+              <a:t>coeff</a:t>
+            </a:r>
+            <a:r>
+              <a:rPr lang="en-US" dirty="0">
+                <a:latin typeface="MS Gothic"/>
+                <a:ea typeface="+mn-lt"/>
+                <a:cs typeface="+mn-lt"/>
+              </a:rPr>
+              <a:t> in enumerate(p)][1:]</a:t>
+            </a:r>
+          </a:p>
+          <a:p>
+            <a:pPr>
+              <a:lnSpc>
+                <a:spcPct val="200000"/>
+              </a:lnSpc>
+            </a:pPr>
+            <a:r>
+              <a:rPr lang="en-US" dirty="0">
+                <a:latin typeface="MS Gothic"/>
+                <a:ea typeface="+mn-lt"/>
+                <a:cs typeface="+mn-lt"/>
+              </a:rPr>
+              <a:t>    </a:t>
+            </a:r>
+            <a:r>
+              <a:rPr lang="en-US" dirty="0" err="1">
+                <a:latin typeface="MS Gothic"/>
+                <a:ea typeface="+mn-lt"/>
+                <a:cs typeface="+mn-lt"/>
+              </a:rPr>
+              <a:t>updated_p</a:t>
+            </a:r>
+            <a:r>
+              <a:rPr lang="en-US" dirty="0">
+                <a:latin typeface="MS Gothic"/>
+                <a:ea typeface="+mn-lt"/>
+                <a:cs typeface="+mn-lt"/>
+              </a:rPr>
+              <a:t> = [</a:t>
+            </a:r>
+            <a:r>
+              <a:rPr lang="en-US" dirty="0" err="1">
+                <a:latin typeface="MS Gothic"/>
+                <a:ea typeface="+mn-lt"/>
+                <a:cs typeface="+mn-lt"/>
+              </a:rPr>
+              <a:t>two_nfp_coeff</a:t>
+            </a:r>
+            <a:r>
+              <a:rPr lang="en-US" dirty="0">
+                <a:latin typeface="MS Gothic"/>
+                <a:ea typeface="+mn-lt"/>
+                <a:cs typeface="+mn-lt"/>
+              </a:rPr>
+              <a:t> + </a:t>
+            </a:r>
+            <a:r>
+              <a:rPr lang="en-US" dirty="0" err="1">
+                <a:latin typeface="MS Gothic"/>
+                <a:ea typeface="+mn-lt"/>
+                <a:cs typeface="+mn-lt"/>
+              </a:rPr>
+              <a:t>dp_coeff</a:t>
+            </a:r>
+            <a:endParaRPr lang="en-US" dirty="0">
+              <a:latin typeface="MS Gothic"/>
+              <a:ea typeface="+mn-lt"/>
+              <a:cs typeface="+mn-lt"/>
+            </a:endParaRPr>
+          </a:p>
+          <a:p>
+            <a:pPr>
+              <a:lnSpc>
+                <a:spcPct val="200000"/>
+              </a:lnSpc>
+            </a:pPr>
+            <a:r>
+              <a:rPr lang="en-US" dirty="0">
+                <a:latin typeface="MS Gothic"/>
+                <a:ea typeface="+mn-lt"/>
+                <a:cs typeface="+mn-lt"/>
+              </a:rPr>
+              <a:t>                 for </a:t>
+            </a:r>
+            <a:r>
+              <a:rPr lang="en-US" dirty="0" err="1">
+                <a:latin typeface="MS Gothic"/>
+                <a:ea typeface="+mn-lt"/>
+                <a:cs typeface="+mn-lt"/>
+              </a:rPr>
+              <a:t>two_nfp_coeff</a:t>
+            </a:r>
+            <a:r>
+              <a:rPr lang="en-US" dirty="0">
+                <a:latin typeface="MS Gothic"/>
+                <a:ea typeface="+mn-lt"/>
+                <a:cs typeface="+mn-lt"/>
+              </a:rPr>
+              <a:t>, </a:t>
+            </a:r>
+            <a:r>
+              <a:rPr lang="en-US" dirty="0" err="1">
+                <a:latin typeface="MS Gothic"/>
+                <a:ea typeface="+mn-lt"/>
+                <a:cs typeface="+mn-lt"/>
+              </a:rPr>
+              <a:t>dp_coeff</a:t>
+            </a:r>
+            <a:endParaRPr lang="en-US" dirty="0">
+              <a:latin typeface="MS Gothic"/>
+              <a:ea typeface="+mn-lt"/>
+              <a:cs typeface="+mn-lt"/>
+            </a:endParaRPr>
+          </a:p>
+          <a:p>
+            <a:pPr>
+              <a:lnSpc>
+                <a:spcPct val="200000"/>
+              </a:lnSpc>
+            </a:pPr>
+            <a:r>
+              <a:rPr lang="en-US" dirty="0">
+                <a:latin typeface="MS Gothic"/>
+                <a:ea typeface="+mn-lt"/>
+                <a:cs typeface="+mn-lt"/>
+              </a:rPr>
+              <a:t>                 in </a:t>
+            </a:r>
+            <a:r>
+              <a:rPr lang="en-US" dirty="0" err="1">
+                <a:latin typeface="MS Gothic"/>
+                <a:ea typeface="+mn-lt"/>
+                <a:cs typeface="+mn-lt"/>
+              </a:rPr>
+              <a:t>zip_longest</a:t>
+            </a:r>
+            <a:r>
+              <a:rPr lang="en-US" dirty="0">
+                <a:latin typeface="MS Gothic"/>
+                <a:ea typeface="+mn-lt"/>
+                <a:cs typeface="+mn-lt"/>
+              </a:rPr>
+              <a:t>(</a:t>
+            </a:r>
+            <a:r>
+              <a:rPr lang="en-US" dirty="0" err="1">
+                <a:latin typeface="MS Gothic"/>
+                <a:ea typeface="+mn-lt"/>
+                <a:cs typeface="+mn-lt"/>
+              </a:rPr>
+              <a:t>two_nfp</a:t>
+            </a:r>
+            <a:r>
+              <a:rPr lang="en-US" dirty="0">
+                <a:latin typeface="MS Gothic"/>
+                <a:ea typeface="+mn-lt"/>
+                <a:cs typeface="+mn-lt"/>
+              </a:rPr>
+              <a:t>, </a:t>
+            </a:r>
+            <a:r>
+              <a:rPr lang="en-US" dirty="0" err="1">
+                <a:latin typeface="MS Gothic"/>
+                <a:ea typeface="+mn-lt"/>
+                <a:cs typeface="+mn-lt"/>
+              </a:rPr>
+              <a:t>dp</a:t>
+            </a:r>
+            <a:r>
+              <a:rPr lang="en-US" dirty="0">
+                <a:latin typeface="MS Gothic"/>
+                <a:ea typeface="+mn-lt"/>
+                <a:cs typeface="+mn-lt"/>
+              </a:rPr>
+              <a:t>, </a:t>
+            </a:r>
+            <a:r>
+              <a:rPr lang="en-US" dirty="0" err="1">
+                <a:latin typeface="MS Gothic"/>
+                <a:ea typeface="+mn-lt"/>
+                <a:cs typeface="+mn-lt"/>
+              </a:rPr>
+              <a:t>fillvalue</a:t>
+            </a:r>
+            <a:r>
+              <a:rPr lang="en-US" dirty="0">
+                <a:latin typeface="MS Gothic"/>
+                <a:ea typeface="+mn-lt"/>
+                <a:cs typeface="+mn-lt"/>
+              </a:rPr>
+              <a:t>=0)]</a:t>
+            </a:r>
+            <a:endParaRPr lang="en-US"/>
+          </a:p>
+          <a:p>
+            <a:pPr>
+              <a:lnSpc>
+                <a:spcPct val="200000"/>
+              </a:lnSpc>
+            </a:pPr>
+            <a:r>
+              <a:rPr lang="en-US" dirty="0">
+                <a:latin typeface="MS Gothic"/>
+                <a:ea typeface="+mn-lt"/>
+                <a:cs typeface="+mn-lt"/>
+              </a:rPr>
+              <a:t>    return </a:t>
+            </a:r>
+            <a:r>
+              <a:rPr lang="en-US" dirty="0" err="1">
+                <a:latin typeface="MS Gothic"/>
+                <a:ea typeface="+mn-lt"/>
+                <a:cs typeface="+mn-lt"/>
+              </a:rPr>
+              <a:t>updated_p</a:t>
+            </a:r>
+            <a:endParaRPr lang="en-US" dirty="0">
+              <a:latin typeface="MS Gothic"/>
+              <a:ea typeface="+mn-lt"/>
+              <a:cs typeface="+mn-lt"/>
+            </a:endParaRPr>
+          </a:p>
+        </p:txBody>
+      </p:sp>
+      <p:pic>
+        <p:nvPicPr>
+          <p:cNvPr id="4" name="Picture 4">
+            <a:extLst>
+              <a:ext uri="{FF2B5EF4-FFF2-40B4-BE49-F238E27FC236}">
+                <a16:creationId xmlns:a16="http://schemas.microsoft.com/office/drawing/2014/main" id="{4379726D-6A88-4597-8F12-B8A1FC2A0855}"/>
+              </a:ext>
+            </a:extLst>
+          </p:cNvPr>
+          <p:cNvPicPr>
+            <a:picLocks noChangeAspect="1"/>
+          </p:cNvPicPr>
+          <p:nvPr/>
+        </p:nvPicPr>
+        <p:blipFill>
+          <a:blip r:embed="rId2"/>
+          <a:stretch>
+            <a:fillRect/>
+          </a:stretch>
+        </p:blipFill>
+        <p:spPr>
+          <a:xfrm>
+            <a:off x="841885" y="1446362"/>
+            <a:ext cx="1019175" cy="457200"/>
+          </a:xfrm>
+          <a:prstGeom prst="rect">
+            <a:avLst/>
+          </a:prstGeom>
+        </p:spPr>
+      </p:pic>
+      <p:sp>
+        <p:nvSpPr>
+          <p:cNvPr id="7" name="Arrow: Left-Right 6">
+            <a:extLst>
+              <a:ext uri="{FF2B5EF4-FFF2-40B4-BE49-F238E27FC236}">
+                <a16:creationId xmlns:a16="http://schemas.microsoft.com/office/drawing/2014/main" id="{D00ED59C-7799-4880-88A6-6829B7B33768}"/>
+              </a:ext>
+            </a:extLst>
+          </p:cNvPr>
+          <p:cNvSpPr/>
+          <p:nvPr/>
+        </p:nvSpPr>
+        <p:spPr>
+          <a:xfrm>
+            <a:off x="1983184" y="1585918"/>
+            <a:ext cx="963026" cy="221309"/>
+          </a:xfrm>
+          <a:prstGeom prst="leftRightArrow">
+            <a:avLst/>
+          </a:prstGeom>
+        </p:spPr>
+        <p:style>
+          <a:lnRef idx="2">
+            <a:schemeClr val="dk1"/>
+          </a:lnRef>
+          <a:fillRef idx="1">
+            <a:schemeClr val="lt1"/>
+          </a:fillRef>
+          <a:effectRef idx="0">
+            <a:schemeClr val="dk1"/>
+          </a:effectRef>
+          <a:fontRef idx="minor">
+            <a:schemeClr val="dk1"/>
+          </a:fontRef>
+        </p:style>
+        <p:txBody>
+          <a:bodyPr rtlCol="0" anchor="ctr"/>
+          <a:lstStyle/>
+          <a:p>
+            <a:pPr algn="ctr"/>
+            <a:endParaRPr lang="en-US"/>
+          </a:p>
+        </p:txBody>
+      </p:sp>
+      <p:sp>
+        <p:nvSpPr>
+          <p:cNvPr id="8" name="TextBox 7">
+            <a:extLst>
+              <a:ext uri="{FF2B5EF4-FFF2-40B4-BE49-F238E27FC236}">
+                <a16:creationId xmlns:a16="http://schemas.microsoft.com/office/drawing/2014/main" id="{7E41C936-194D-40BF-A6F1-F6041945E9F6}"/>
+              </a:ext>
+            </a:extLst>
+          </p:cNvPr>
+          <p:cNvSpPr txBox="1"/>
+          <p:nvPr/>
+        </p:nvSpPr>
+        <p:spPr>
+          <a:xfrm>
+            <a:off x="3114136" y="1532626"/>
+            <a:ext cx="2743200" cy="369332"/>
+          </a:xfrm>
+          <a:prstGeom prst="rect">
+            <a:avLst/>
+          </a:prstGeom>
+          <a:noFill/>
+        </p:spPr>
+        <p:txBody>
+          <a:bodyPr rot="0" spcFirstLastPara="0" vertOverflow="overflow" horzOverflow="overflow" vert="horz" wrap="square" lIns="91440" tIns="45720" rIns="91440" bIns="45720" numCol="1" spcCol="0" rtlCol="0" fromWordArt="0" anchor="t" anchorCtr="0" forceAA="0" compatLnSpc="1">
+            <a:prstTxWarp prst="textNoShape">
+              <a:avLst/>
+            </a:prstTxWarp>
+            <a:spAutoFit/>
+          </a:bodyPr>
+          <a:lstStyle/>
+          <a:p>
+            <a:r>
+              <a:rPr lang="en-US" dirty="0">
+                <a:latin typeface="MS Gothic"/>
+                <a:ea typeface="MS Gothic"/>
+              </a:rPr>
+              <a:t>p = [0, 2]</a:t>
+            </a:r>
+          </a:p>
+        </p:txBody>
+      </p:sp>
+      <p:sp>
+        <p:nvSpPr>
+          <p:cNvPr id="9" name="TextBox 8">
+            <a:extLst>
+              <a:ext uri="{FF2B5EF4-FFF2-40B4-BE49-F238E27FC236}">
+                <a16:creationId xmlns:a16="http://schemas.microsoft.com/office/drawing/2014/main" id="{110E74A7-D998-4A4A-ADAB-669F2957C03D}"/>
+              </a:ext>
+            </a:extLst>
+          </p:cNvPr>
+          <p:cNvSpPr txBox="1"/>
+          <p:nvPr/>
+        </p:nvSpPr>
+        <p:spPr>
+          <a:xfrm>
+            <a:off x="7944928" y="2912854"/>
+            <a:ext cx="2225615" cy="369332"/>
+          </a:xfrm>
+          <a:prstGeom prst="rect">
+            <a:avLst/>
+          </a:prstGeom>
+          <a:noFill/>
+        </p:spPr>
+        <p:txBody>
+          <a:bodyPr rot="0" spcFirstLastPara="0" vertOverflow="overflow" horzOverflow="overflow" vert="horz" wrap="square" lIns="91440" tIns="45720" rIns="91440" bIns="45720" numCol="1" spcCol="0" rtlCol="0" fromWordArt="0" anchor="t" anchorCtr="0" forceAA="0" compatLnSpc="1">
+            <a:prstTxWarp prst="textNoShape">
+              <a:avLst/>
+            </a:prstTxWarp>
+            <a:spAutoFit/>
+          </a:bodyPr>
+          <a:lstStyle/>
+          <a:p>
+            <a:r>
+              <a:rPr lang="en-US" dirty="0" err="1">
+                <a:latin typeface="MS Gothic"/>
+              </a:rPr>
+              <a:t>fp</a:t>
+            </a:r>
+            <a:r>
+              <a:rPr lang="en-US" dirty="0">
+                <a:latin typeface="MS Gothic"/>
+              </a:rPr>
+              <a:t> = [0, 2, 0, 8]</a:t>
+            </a:r>
+            <a:r>
+              <a:rPr lang="en-US" dirty="0">
+                <a:latin typeface="MS Gothic"/>
+                <a:ea typeface="MS Gothic"/>
+              </a:rPr>
+              <a:t>​</a:t>
+            </a:r>
+            <a:endParaRPr lang="en-US" dirty="0"/>
+          </a:p>
+        </p:txBody>
+      </p:sp>
+      <p:sp>
+        <p:nvSpPr>
+          <p:cNvPr id="12" name="TextBox 11">
+            <a:extLst>
+              <a:ext uri="{FF2B5EF4-FFF2-40B4-BE49-F238E27FC236}">
+                <a16:creationId xmlns:a16="http://schemas.microsoft.com/office/drawing/2014/main" id="{83922EB0-C6C4-4041-9FD3-0F9034B18690}"/>
+              </a:ext>
+            </a:extLst>
+          </p:cNvPr>
+          <p:cNvSpPr txBox="1"/>
+          <p:nvPr/>
+        </p:nvSpPr>
+        <p:spPr>
+          <a:xfrm>
+            <a:off x="6952890" y="3430438"/>
+            <a:ext cx="3030746" cy="369332"/>
+          </a:xfrm>
+          <a:prstGeom prst="rect">
+            <a:avLst/>
+          </a:prstGeom>
+          <a:noFill/>
+        </p:spPr>
+        <p:txBody>
+          <a:bodyPr rot="0" spcFirstLastPara="0" vertOverflow="overflow" horzOverflow="overflow" vert="horz" wrap="square" lIns="91440" tIns="45720" rIns="91440" bIns="45720" numCol="1" spcCol="0" rtlCol="0" fromWordArt="0" anchor="t" anchorCtr="0" forceAA="0" compatLnSpc="1">
+            <a:prstTxWarp prst="textNoShape">
+              <a:avLst/>
+            </a:prstTxWarp>
+            <a:spAutoFit/>
+          </a:bodyPr>
+          <a:lstStyle/>
+          <a:p>
+            <a:r>
+              <a:rPr lang="en-US" dirty="0" err="1">
+                <a:latin typeface="MS Gothic"/>
+              </a:rPr>
+              <a:t>two_nfp</a:t>
+            </a:r>
+            <a:r>
+              <a:rPr lang="en-US" dirty="0">
+                <a:latin typeface="MS Gothic"/>
+              </a:rPr>
+              <a:t> = [0, 12, 0, 48]</a:t>
+            </a:r>
+            <a:r>
+              <a:rPr lang="en-US" dirty="0">
+                <a:latin typeface="MS Gothic"/>
+                <a:ea typeface="MS Gothic"/>
+              </a:rPr>
+              <a:t>​</a:t>
+            </a:r>
+            <a:endParaRPr lang="en-US" dirty="0"/>
+          </a:p>
+        </p:txBody>
+      </p:sp>
+      <p:sp>
+        <p:nvSpPr>
+          <p:cNvPr id="15" name="TextBox 14">
+            <a:extLst>
+              <a:ext uri="{FF2B5EF4-FFF2-40B4-BE49-F238E27FC236}">
+                <a16:creationId xmlns:a16="http://schemas.microsoft.com/office/drawing/2014/main" id="{9F734E9C-671E-45EA-B5DD-FD0FFA6F0D96}"/>
+              </a:ext>
+            </a:extLst>
+          </p:cNvPr>
+          <p:cNvSpPr txBox="1"/>
+          <p:nvPr/>
+        </p:nvSpPr>
+        <p:spPr>
+          <a:xfrm>
+            <a:off x="7944928" y="2265871"/>
+            <a:ext cx="2038709" cy="369332"/>
+          </a:xfrm>
+          <a:prstGeom prst="rect">
+            <a:avLst/>
+          </a:prstGeom>
+          <a:noFill/>
+        </p:spPr>
+        <p:txBody>
+          <a:bodyPr rot="0" spcFirstLastPara="0" vertOverflow="overflow" horzOverflow="overflow" vert="horz" wrap="square" lIns="91440" tIns="45720" rIns="91440" bIns="45720" numCol="1" spcCol="0" rtlCol="0" fromWordArt="0" anchor="t" anchorCtr="0" forceAA="0" compatLnSpc="1">
+            <a:prstTxWarp prst="textNoShape">
+              <a:avLst/>
+            </a:prstTxWarp>
+            <a:spAutoFit/>
+          </a:bodyPr>
+          <a:lstStyle/>
+          <a:p>
+            <a:r>
+              <a:rPr lang="en-US" dirty="0">
+                <a:latin typeface="MS Gothic"/>
+                <a:ea typeface="MS Gothic"/>
+              </a:rPr>
+              <a:t>p = [2, 0, 8]</a:t>
+            </a:r>
+          </a:p>
+        </p:txBody>
+      </p:sp>
+      <p:sp>
+        <p:nvSpPr>
+          <p:cNvPr id="16" name="TextBox 15">
+            <a:extLst>
+              <a:ext uri="{FF2B5EF4-FFF2-40B4-BE49-F238E27FC236}">
+                <a16:creationId xmlns:a16="http://schemas.microsoft.com/office/drawing/2014/main" id="{348F15EC-02C4-429C-A378-C6E76A12E63B}"/>
+              </a:ext>
+            </a:extLst>
+          </p:cNvPr>
+          <p:cNvSpPr txBox="1"/>
+          <p:nvPr/>
+        </p:nvSpPr>
+        <p:spPr>
+          <a:xfrm>
+            <a:off x="8117456" y="4494361"/>
+            <a:ext cx="3418936" cy="369332"/>
+          </a:xfrm>
+          <a:prstGeom prst="rect">
+            <a:avLst/>
+          </a:prstGeom>
+          <a:noFill/>
+        </p:spPr>
+        <p:txBody>
+          <a:bodyPr rot="0" spcFirstLastPara="0" vertOverflow="overflow" horzOverflow="overflow" vert="horz" wrap="square" lIns="91440" tIns="45720" rIns="91440" bIns="45720" numCol="1" spcCol="0" rtlCol="0" fromWordArt="0" anchor="t" anchorCtr="0" forceAA="0" compatLnSpc="1">
+            <a:prstTxWarp prst="textNoShape">
+              <a:avLst/>
+            </a:prstTxWarp>
+            <a:spAutoFit/>
+          </a:bodyPr>
+          <a:lstStyle/>
+          <a:p>
+            <a:r>
+              <a:rPr lang="en-US" dirty="0">
+                <a:latin typeface="MS Gothic"/>
+                <a:ea typeface="MS Gothic"/>
+              </a:rPr>
+              <a:t>p = [2, 0, 8]</a:t>
+            </a:r>
+            <a:r>
+              <a:rPr lang="en-US" dirty="0">
+                <a:latin typeface="MS Gothic"/>
+                <a:ea typeface="MS Gothic"/>
+                <a:cs typeface="+mn-lt"/>
+              </a:rPr>
+              <a:t> </a:t>
+            </a:r>
+            <a:r>
+              <a:rPr lang="en-US" dirty="0">
+                <a:ea typeface="+mn-lt"/>
+                <a:cs typeface="+mn-lt"/>
+              </a:rPr>
+              <a:t>⇒</a:t>
+            </a:r>
+            <a:r>
+              <a:rPr lang="en-US" dirty="0">
+                <a:latin typeface="Calibri"/>
+                <a:ea typeface="MS Gothic"/>
+                <a:cs typeface="Calibri"/>
+              </a:rPr>
+              <a:t> </a:t>
+            </a:r>
+            <a:r>
+              <a:rPr lang="en-US" dirty="0" err="1">
+                <a:latin typeface="Calibri"/>
+                <a:ea typeface="MS Gothic"/>
+                <a:cs typeface="Calibri"/>
+              </a:rPr>
+              <a:t>dp</a:t>
+            </a:r>
+            <a:r>
+              <a:rPr lang="en-US" dirty="0">
+                <a:latin typeface="Calibri"/>
+                <a:ea typeface="MS Gothic"/>
+                <a:cs typeface="Calibri"/>
+              </a:rPr>
+              <a:t> = [0, 0, 16]</a:t>
+            </a:r>
+            <a:endParaRPr lang="en-US" dirty="0">
+              <a:latin typeface="MS Gothic"/>
+              <a:ea typeface="MS Gothic"/>
+            </a:endParaRPr>
+          </a:p>
+        </p:txBody>
+      </p:sp>
+      <p:pic>
+        <p:nvPicPr>
+          <p:cNvPr id="19" name="Picture 19" descr="A close up of a logo&#10;&#10;Description generated with very high confidence">
+            <a:extLst>
+              <a:ext uri="{FF2B5EF4-FFF2-40B4-BE49-F238E27FC236}">
+                <a16:creationId xmlns:a16="http://schemas.microsoft.com/office/drawing/2014/main" id="{F6AD9CF8-781B-4686-B101-2DCC68D4880B}"/>
+              </a:ext>
+            </a:extLst>
+          </p:cNvPr>
+          <p:cNvPicPr>
+            <a:picLocks noChangeAspect="1"/>
+          </p:cNvPicPr>
+          <p:nvPr/>
+        </p:nvPicPr>
+        <p:blipFill>
+          <a:blip r:embed="rId3"/>
+          <a:stretch>
+            <a:fillRect/>
+          </a:stretch>
+        </p:blipFill>
+        <p:spPr>
+          <a:xfrm>
+            <a:off x="10159041" y="2757915"/>
+            <a:ext cx="2743200" cy="307001"/>
+          </a:xfrm>
+          <a:prstGeom prst="rect">
+            <a:avLst/>
+          </a:prstGeom>
+        </p:spPr>
+      </p:pic>
+      <p:pic>
+        <p:nvPicPr>
+          <p:cNvPr id="23" name="Picture 23" descr="A close up of a logo&#10;&#10;Description generated with very high confidence">
+            <a:extLst>
+              <a:ext uri="{FF2B5EF4-FFF2-40B4-BE49-F238E27FC236}">
+                <a16:creationId xmlns:a16="http://schemas.microsoft.com/office/drawing/2014/main" id="{3C220FA0-320E-4671-8361-46AE79EEEB65}"/>
+              </a:ext>
+            </a:extLst>
+          </p:cNvPr>
+          <p:cNvPicPr>
+            <a:picLocks noChangeAspect="1"/>
+          </p:cNvPicPr>
+          <p:nvPr/>
+        </p:nvPicPr>
+        <p:blipFill>
+          <a:blip r:embed="rId4"/>
+          <a:stretch>
+            <a:fillRect/>
+          </a:stretch>
+        </p:blipFill>
+        <p:spPr>
+          <a:xfrm>
+            <a:off x="10159042" y="1987138"/>
+            <a:ext cx="2743200" cy="410817"/>
+          </a:xfrm>
+          <a:prstGeom prst="rect">
+            <a:avLst/>
+          </a:prstGeom>
+        </p:spPr>
+      </p:pic>
+      <p:pic>
+        <p:nvPicPr>
+          <p:cNvPr id="25" name="Picture 25" descr="A close up of a logo&#10;&#10;Description generated with very high confidence">
+            <a:extLst>
+              <a:ext uri="{FF2B5EF4-FFF2-40B4-BE49-F238E27FC236}">
+                <a16:creationId xmlns:a16="http://schemas.microsoft.com/office/drawing/2014/main" id="{5D15123C-21EE-4F19-89A3-F0D3BA5B9CF6}"/>
+              </a:ext>
+            </a:extLst>
+          </p:cNvPr>
+          <p:cNvPicPr>
+            <a:picLocks noChangeAspect="1"/>
+          </p:cNvPicPr>
+          <p:nvPr/>
+        </p:nvPicPr>
+        <p:blipFill>
+          <a:blip r:embed="rId5"/>
+          <a:stretch>
+            <a:fillRect/>
+          </a:stretch>
+        </p:blipFill>
+        <p:spPr>
+          <a:xfrm>
+            <a:off x="10892287" y="3784759"/>
+            <a:ext cx="2743200" cy="524933"/>
+          </a:xfrm>
+          <a:prstGeom prst="rect">
+            <a:avLst/>
+          </a:prstGeom>
+        </p:spPr>
+      </p:pic>
+      <p:sp>
+        <p:nvSpPr>
+          <p:cNvPr id="27" name="TextBox 26">
+            <a:extLst>
+              <a:ext uri="{FF2B5EF4-FFF2-40B4-BE49-F238E27FC236}">
+                <a16:creationId xmlns:a16="http://schemas.microsoft.com/office/drawing/2014/main" id="{8A608AF9-60DC-4C16-8081-53DD23A3F242}"/>
+              </a:ext>
+            </a:extLst>
+          </p:cNvPr>
+          <p:cNvSpPr txBox="1"/>
+          <p:nvPr/>
+        </p:nvSpPr>
+        <p:spPr>
+          <a:xfrm>
+            <a:off x="7944927" y="5155720"/>
+            <a:ext cx="3030746" cy="369332"/>
+          </a:xfrm>
+          <a:prstGeom prst="rect">
+            <a:avLst/>
+          </a:prstGeom>
+          <a:noFill/>
+        </p:spPr>
+        <p:txBody>
+          <a:bodyPr rot="0" spcFirstLastPara="0" vertOverflow="overflow" horzOverflow="overflow" vert="horz" wrap="square" lIns="91440" tIns="45720" rIns="91440" bIns="45720" numCol="1" spcCol="0" rtlCol="0" fromWordArt="0" anchor="t" anchorCtr="0" forceAA="0" compatLnSpc="1">
+            <a:prstTxWarp prst="textNoShape">
+              <a:avLst/>
+            </a:prstTxWarp>
+            <a:spAutoFit/>
+          </a:bodyPr>
+          <a:lstStyle/>
+          <a:p>
+            <a:r>
+              <a:rPr lang="en-US" dirty="0" err="1">
+                <a:latin typeface="MS Gothic"/>
+              </a:rPr>
+              <a:t>two_nfp</a:t>
+            </a:r>
+            <a:r>
+              <a:rPr lang="en-US" dirty="0">
+                <a:latin typeface="MS Gothic"/>
+              </a:rPr>
+              <a:t> = [0, 12, 0, 48]</a:t>
+            </a:r>
+            <a:r>
+              <a:rPr lang="en-US" dirty="0">
+                <a:latin typeface="MS Gothic"/>
+                <a:ea typeface="MS Gothic"/>
+              </a:rPr>
+              <a:t>​</a:t>
+            </a:r>
+            <a:endParaRPr lang="en-US" dirty="0"/>
+          </a:p>
+        </p:txBody>
+      </p:sp>
+      <p:sp>
+        <p:nvSpPr>
+          <p:cNvPr id="28" name="TextBox 27">
+            <a:extLst>
+              <a:ext uri="{FF2B5EF4-FFF2-40B4-BE49-F238E27FC236}">
+                <a16:creationId xmlns:a16="http://schemas.microsoft.com/office/drawing/2014/main" id="{3E82D7B1-6D5D-4C94-97FD-C9960B4D8927}"/>
+              </a:ext>
+            </a:extLst>
+          </p:cNvPr>
+          <p:cNvSpPr txBox="1"/>
+          <p:nvPr/>
+        </p:nvSpPr>
+        <p:spPr>
+          <a:xfrm>
+            <a:off x="8706927" y="5673305"/>
+            <a:ext cx="2743200" cy="369332"/>
+          </a:xfrm>
+          <a:prstGeom prst="rect">
+            <a:avLst/>
+          </a:prstGeom>
+          <a:noFill/>
+        </p:spPr>
+        <p:txBody>
+          <a:bodyPr rot="0" spcFirstLastPara="0" vertOverflow="overflow" horzOverflow="overflow" vert="horz" wrap="square" lIns="91440" tIns="45720" rIns="91440" bIns="45720" numCol="1" spcCol="0" rtlCol="0" fromWordArt="0" anchor="t" anchorCtr="0" forceAA="0" compatLnSpc="1">
+            <a:prstTxWarp prst="textNoShape">
+              <a:avLst/>
+            </a:prstTxWarp>
+            <a:spAutoFit/>
+          </a:bodyPr>
+          <a:lstStyle/>
+          <a:p>
+            <a:r>
+              <a:rPr lang="en-US" dirty="0" err="1"/>
+              <a:t>dp</a:t>
+            </a:r>
+            <a:r>
+              <a:rPr lang="en-US" dirty="0"/>
+              <a:t> = [0, 16, 0, 0]</a:t>
+            </a:r>
+            <a:r>
+              <a:rPr lang="en-US" dirty="0">
+                <a:cs typeface="Calibri" panose="020F0502020204030204"/>
+              </a:rPr>
+              <a:t>​</a:t>
+            </a:r>
+          </a:p>
+        </p:txBody>
+      </p:sp>
+      <p:pic>
+        <p:nvPicPr>
+          <p:cNvPr id="29" name="Picture 29">
+            <a:extLst>
+              <a:ext uri="{FF2B5EF4-FFF2-40B4-BE49-F238E27FC236}">
+                <a16:creationId xmlns:a16="http://schemas.microsoft.com/office/drawing/2014/main" id="{3D175169-4563-4A37-B2F7-CB5CA6D2BC13}"/>
+              </a:ext>
+            </a:extLst>
+          </p:cNvPr>
+          <p:cNvPicPr>
+            <a:picLocks noChangeAspect="1"/>
+          </p:cNvPicPr>
+          <p:nvPr/>
+        </p:nvPicPr>
+        <p:blipFill>
+          <a:blip r:embed="rId6"/>
+          <a:stretch>
+            <a:fillRect/>
+          </a:stretch>
+        </p:blipFill>
+        <p:spPr>
+          <a:xfrm>
+            <a:off x="10633494" y="5811434"/>
+            <a:ext cx="2743200" cy="209699"/>
+          </a:xfrm>
+          <a:prstGeom prst="rect">
+            <a:avLst/>
+          </a:prstGeom>
+        </p:spPr>
+      </p:pic>
+    </p:spTree>
+    <p:extLst>
+      <p:ext uri="{BB962C8B-B14F-4D97-AF65-F5344CB8AC3E}">
+        <p14:creationId xmlns:p14="http://schemas.microsoft.com/office/powerpoint/2010/main" val="2864043899"/>
+      </p:ext>
+    </p:extLst>
+  </p:cSld>
+  <p:clrMapOvr>
+    <a:masterClrMapping/>
+  </p:clrMapOvr>
+</p:sld>
+</file>
+
+<file path=ppt/slides/slide18.xml><?xml version="1.0" encoding="utf-8"?>
+<p:sld xmlns:a="http://schemas.openxmlformats.org/drawingml/2006/main" xmlns:r="http://schemas.openxmlformats.org/officeDocument/2006/relationships" xmlns:p="http://schemas.openxmlformats.org/presentationml/2006/main">
+  <p:cSld>
+    <p:spTree>
+      <p:nvGrpSpPr>
+        <p:cNvPr id="1" name=""/>
+        <p:cNvGrpSpPr/>
+        <p:nvPr/>
+      </p:nvGrpSpPr>
+      <p:grpSpPr>
+        <a:xfrm>
+          <a:off x="0" y="0"/>
+          <a:ext cx="0" cy="0"/>
+          <a:chOff x="0" y="0"/>
+          <a:chExt cx="0" cy="0"/>
+        </a:xfrm>
+      </p:grpSpPr>
+      <p:sp>
+        <p:nvSpPr>
+          <p:cNvPr id="2" name="Title 1">
+            <a:extLst>
+              <a:ext uri="{FF2B5EF4-FFF2-40B4-BE49-F238E27FC236}">
+                <a16:creationId xmlns:a16="http://schemas.microsoft.com/office/drawing/2014/main" id="{CA9D8B2B-4B12-401F-A631-27C007626D34}"/>
+              </a:ext>
+            </a:extLst>
+          </p:cNvPr>
+          <p:cNvSpPr>
+            <a:spLocks noGrp="1"/>
+          </p:cNvSpPr>
+          <p:nvPr>
+            <p:ph type="title"/>
+          </p:nvPr>
+        </p:nvSpPr>
+        <p:spPr/>
+        <p:txBody>
+          <a:bodyPr/>
+          <a:lstStyle/>
+          <a:p>
+            <a:r>
+              <a:rPr lang="en-US" dirty="0">
+                <a:cs typeface="Calibri Light"/>
+              </a:rPr>
+              <a:t>First few terms of Taylor series approximation of </a:t>
+            </a:r>
+            <a:r>
+              <a:rPr lang="en-US" dirty="0" err="1">
+                <a:cs typeface="Calibri Light"/>
+              </a:rPr>
+              <a:t>erfinv</a:t>
+            </a:r>
+            <a:endParaRPr lang="en-US" dirty="0" err="1"/>
+          </a:p>
+        </p:txBody>
+      </p:sp>
+      <p:pic>
+        <p:nvPicPr>
+          <p:cNvPr id="4" name="Picture 13" descr="A close up of a logo&#10;&#10;Description generated with very high confidence">
+            <a:extLst>
+              <a:ext uri="{FF2B5EF4-FFF2-40B4-BE49-F238E27FC236}">
+                <a16:creationId xmlns:a16="http://schemas.microsoft.com/office/drawing/2014/main" id="{107D5EE7-723D-443E-8749-9AF6D1DC008A}"/>
+              </a:ext>
+            </a:extLst>
+          </p:cNvPr>
+          <p:cNvPicPr>
+            <a:picLocks noChangeAspect="1"/>
+          </p:cNvPicPr>
+          <p:nvPr/>
+        </p:nvPicPr>
+        <p:blipFill>
+          <a:blip r:embed="rId2"/>
+          <a:stretch>
+            <a:fillRect/>
+          </a:stretch>
+        </p:blipFill>
+        <p:spPr>
+          <a:xfrm>
+            <a:off x="996351" y="1979997"/>
+            <a:ext cx="5800725" cy="517655"/>
+          </a:xfrm>
+          <a:prstGeom prst="rect">
+            <a:avLst/>
+          </a:prstGeom>
+        </p:spPr>
+      </p:pic>
+    </p:spTree>
+    <p:extLst>
+      <p:ext uri="{BB962C8B-B14F-4D97-AF65-F5344CB8AC3E}">
+        <p14:creationId xmlns:p14="http://schemas.microsoft.com/office/powerpoint/2010/main" val="3515586334"/>
+      </p:ext>
+    </p:extLst>
+  </p:cSld>
+  <p:clrMapOvr>
+    <a:masterClrMapping/>
+  </p:clrMapOvr>
+</p:sld>
+</file>
+
+<file path=ppt/slides/slide19.xml><?xml version="1.0" encoding="utf-8"?>
+<p:sld xmlns:a="http://schemas.openxmlformats.org/drawingml/2006/main" xmlns:r="http://schemas.openxmlformats.org/officeDocument/2006/relationships" xmlns:p="http://schemas.openxmlformats.org/presentationml/2006/main">
+  <p:cSld>
+    <p:spTree>
+      <p:nvGrpSpPr>
+        <p:cNvPr id="1" name=""/>
+        <p:cNvGrpSpPr/>
+        <p:nvPr/>
+      </p:nvGrpSpPr>
+      <p:grpSpPr>
+        <a:xfrm>
+          <a:off x="0" y="0"/>
+          <a:ext cx="0" cy="0"/>
+          <a:chOff x="0" y="0"/>
+          <a:chExt cx="0" cy="0"/>
+        </a:xfrm>
+      </p:grpSpPr>
+      <p:pic>
+        <p:nvPicPr>
+          <p:cNvPr id="2" name="Picture 1"/>
+          <p:cNvPicPr>
+            <a:picLocks noChangeAspect="1"/>
+          </p:cNvPicPr>
+          <p:nvPr/>
+        </p:nvPicPr>
+        <p:blipFill>
+          <a:blip r:embed="rId2">
+            <a:extLst>
+              <a:ext uri="{28A0092B-C50C-407E-A947-70E740481C1C}">
+                <a14:useLocalDpi xmlns:a14="http://schemas.microsoft.com/office/drawing/2010/main" val="0"/>
+              </a:ext>
+            </a:extLst>
+          </a:blip>
+          <a:stretch>
+            <a:fillRect/>
+          </a:stretch>
+        </p:blipFill>
+        <p:spPr>
+          <a:xfrm>
+            <a:off x="2667000" y="0"/>
+            <a:ext cx="6858000" cy="6858000"/>
+          </a:xfrm>
+          <a:prstGeom prst="rect">
+            <a:avLst/>
+          </a:prstGeom>
+        </p:spPr>
+      </p:pic>
+    </p:spTree>
+    <p:extLst>
+      <p:ext uri="{BB962C8B-B14F-4D97-AF65-F5344CB8AC3E}">
+        <p14:creationId xmlns:p14="http://schemas.microsoft.com/office/powerpoint/2010/main" val="818388813"/>
+      </p:ext>
+    </p:extLst>
+  </p:cSld>
+  <p:clrMapOvr>
+    <a:masterClrMapping/>
+  </p:clrMapOvr>
+</p:sld>
+</file>
+
+<file path=ppt/slides/slide2.xml><?xml version="1.0" encoding="utf-8"?>
+<p:sld xmlns:a="http://schemas.openxmlformats.org/drawingml/2006/main" xmlns:r="http://schemas.openxmlformats.org/officeDocument/2006/relationships" xmlns:p="http://schemas.openxmlformats.org/presentationml/2006/main">
+  <p:cSld>
+    <p:spTree>
+      <p:nvGrpSpPr>
+        <p:cNvPr id="1" name=""/>
+        <p:cNvGrpSpPr/>
+        <p:nvPr/>
+      </p:nvGrpSpPr>
+      <p:grpSpPr>
+        <a:xfrm>
+          <a:off x="0" y="0"/>
+          <a:ext cx="0" cy="0"/>
+          <a:chOff x="0" y="0"/>
+          <a:chExt cx="0" cy="0"/>
+        </a:xfrm>
+      </p:grpSpPr>
+      <p:sp>
+        <p:nvSpPr>
+          <p:cNvPr id="2" name="Title 1">
+            <a:extLst>
+              <a:ext uri="{FF2B5EF4-FFF2-40B4-BE49-F238E27FC236}">
+                <a16:creationId xmlns:a16="http://schemas.microsoft.com/office/drawing/2014/main" id="{77C05D5B-747B-4B12-A441-43AE0C987354}"/>
+              </a:ext>
+            </a:extLst>
+          </p:cNvPr>
+          <p:cNvSpPr>
+            <a:spLocks noGrp="1"/>
+          </p:cNvSpPr>
+          <p:nvPr>
+            <p:ph type="title"/>
+          </p:nvPr>
+        </p:nvSpPr>
+        <p:spPr/>
+        <p:txBody>
+          <a:bodyPr/>
+          <a:lstStyle/>
+          <a:p>
+            <a:r>
+              <a:rPr lang="en-US" dirty="0">
+                <a:cs typeface="Calibri Light"/>
+              </a:rPr>
+              <a:t>Thank you</a:t>
+            </a:r>
+            <a:endParaRPr lang="en-US" dirty="0"/>
+          </a:p>
+        </p:txBody>
+      </p:sp>
+      <p:sp>
+        <p:nvSpPr>
+          <p:cNvPr id="3" name="Content Placeholder 2">
+            <a:extLst>
+              <a:ext uri="{FF2B5EF4-FFF2-40B4-BE49-F238E27FC236}">
+                <a16:creationId xmlns:a16="http://schemas.microsoft.com/office/drawing/2014/main" id="{CBA11EE2-0FCA-415E-AEF5-4AD4F7AE30AC}"/>
+              </a:ext>
+            </a:extLst>
+          </p:cNvPr>
+          <p:cNvSpPr>
+            <a:spLocks noGrp="1"/>
+          </p:cNvSpPr>
+          <p:nvPr>
+            <p:ph idx="1"/>
+          </p:nvPr>
+        </p:nvSpPr>
+        <p:spPr/>
+        <p:txBody>
+          <a:bodyPr vert="horz" lIns="91440" tIns="45720" rIns="91440" bIns="45720" rtlCol="0" anchor="t">
+            <a:normAutofit/>
+          </a:bodyPr>
+          <a:lstStyle/>
+          <a:p>
+            <a:r>
+              <a:rPr lang="en-US" dirty="0">
+                <a:cs typeface="Calibri"/>
+              </a:rPr>
+              <a:t>Prof </a:t>
+            </a:r>
+            <a:r>
+              <a:rPr lang="en-US" dirty="0" err="1">
+                <a:cs typeface="Calibri"/>
+              </a:rPr>
+              <a:t>Merialdo</a:t>
+            </a:r>
+          </a:p>
+          <a:p>
+            <a:r>
+              <a:rPr lang="en-US" dirty="0" err="1">
+                <a:cs typeface="Calibri"/>
+              </a:rPr>
+              <a:t>Buu</a:t>
+            </a:r>
+          </a:p>
+          <a:p>
+            <a:r>
+              <a:rPr lang="en-US" dirty="0" err="1">
+                <a:cs typeface="Calibri"/>
+              </a:rPr>
+              <a:t>Giau</a:t>
+            </a:r>
+          </a:p>
+          <a:p>
+            <a:r>
+              <a:rPr lang="en-US" dirty="0">
+                <a:cs typeface="Calibri"/>
+              </a:rPr>
+              <a:t>Bao</a:t>
+            </a:r>
+          </a:p>
+        </p:txBody>
+      </p:sp>
+    </p:spTree>
+    <p:extLst>
+      <p:ext uri="{BB962C8B-B14F-4D97-AF65-F5344CB8AC3E}">
+        <p14:creationId xmlns:p14="http://schemas.microsoft.com/office/powerpoint/2010/main" val="1551196941"/>
+      </p:ext>
+    </p:extLst>
+  </p:cSld>
+  <p:clrMapOvr>
+    <a:masterClrMapping/>
+  </p:clrMapOvr>
+</p:sld>
+</file>
+
+<file path=ppt/slides/slide20.xml><?xml version="1.0" encoding="utf-8"?>
+<p:sld xmlns:a="http://schemas.openxmlformats.org/drawingml/2006/main" xmlns:r="http://schemas.openxmlformats.org/officeDocument/2006/relationships" xmlns:p="http://schemas.openxmlformats.org/presentationml/2006/main">
+  <p:cSld>
+    <p:spTree>
+      <p:nvGrpSpPr>
+        <p:cNvPr id="1" name=""/>
+        <p:cNvGrpSpPr/>
+        <p:nvPr/>
+      </p:nvGrpSpPr>
+      <p:grpSpPr>
+        <a:xfrm>
+          <a:off x="0" y="0"/>
+          <a:ext cx="0" cy="0"/>
+          <a:chOff x="0" y="0"/>
+          <a:chExt cx="0" cy="0"/>
+        </a:xfrm>
+      </p:grpSpPr>
+      <p:pic>
+        <p:nvPicPr>
+          <p:cNvPr id="2" name="Picture 1"/>
+          <p:cNvPicPr>
+            <a:picLocks noChangeAspect="1"/>
+          </p:cNvPicPr>
+          <p:nvPr/>
+        </p:nvPicPr>
+        <p:blipFill>
+          <a:blip r:embed="rId2">
+            <a:extLst>
+              <a:ext uri="{28A0092B-C50C-407E-A947-70E740481C1C}">
+                <a14:useLocalDpi xmlns:a14="http://schemas.microsoft.com/office/drawing/2010/main" val="0"/>
+              </a:ext>
+            </a:extLst>
+          </a:blip>
+          <a:stretch>
+            <a:fillRect/>
+          </a:stretch>
+        </p:blipFill>
+        <p:spPr>
+          <a:xfrm>
+            <a:off x="2667000" y="0"/>
+            <a:ext cx="6858000" cy="6858000"/>
+          </a:xfrm>
+          <a:prstGeom prst="rect">
+            <a:avLst/>
+          </a:prstGeom>
+        </p:spPr>
+      </p:pic>
+    </p:spTree>
+    <p:extLst>
+      <p:ext uri="{BB962C8B-B14F-4D97-AF65-F5344CB8AC3E}">
+        <p14:creationId xmlns:p14="http://schemas.microsoft.com/office/powerpoint/2010/main" val="757201812"/>
+      </p:ext>
+    </p:extLst>
+  </p:cSld>
+  <p:clrMapOvr>
+    <a:masterClrMapping/>
+  </p:clrMapOvr>
+</p:sld>
+</file>
+
+<file path=ppt/slides/slide21.xml><?xml version="1.0" encoding="utf-8"?>
+<p:sld xmlns:a="http://schemas.openxmlformats.org/drawingml/2006/main" xmlns:r="http://schemas.openxmlformats.org/officeDocument/2006/relationships" xmlns:p="http://schemas.openxmlformats.org/presentationml/2006/main">
+  <p:cSld>
+    <p:spTree>
+      <p:nvGrpSpPr>
+        <p:cNvPr id="1" name=""/>
+        <p:cNvGrpSpPr/>
+        <p:nvPr/>
+      </p:nvGrpSpPr>
+      <p:grpSpPr>
+        <a:xfrm>
+          <a:off x="0" y="0"/>
+          <a:ext cx="0" cy="0"/>
+          <a:chOff x="0" y="0"/>
+          <a:chExt cx="0" cy="0"/>
+        </a:xfrm>
+      </p:grpSpPr>
+      <p:pic>
+        <p:nvPicPr>
+          <p:cNvPr id="2" name="box_muller.mp4">
+            <a:hlinkClick r:id="" action="ppaction://media"/>
+          </p:cNvPr>
+          <p:cNvPicPr>
+            <a:picLocks noChangeAspect="1"/>
+          </p:cNvPicPr>
+          <p:nvPr>
+            <a:videoFile r:link="rId2"/>
+            <p:extLst>
+              <p:ext uri="{DAA4B4D4-6D71-4841-9C94-3DE7FCFB9230}">
+                <p14:media xmlns:p14="http://schemas.microsoft.com/office/powerpoint/2010/main" r:embed="rId1"/>
+              </p:ext>
+            </p:extLst>
+          </p:nvPr>
+        </p:nvPicPr>
+        <p:blipFill>
+          <a:blip r:embed="rId4"/>
+          <a:stretch>
+            <a:fillRect/>
+          </a:stretch>
+        </p:blipFill>
+        <p:spPr>
+          <a:xfrm>
+            <a:off x="1628675" y="0"/>
+            <a:ext cx="8915400" cy="6858000"/>
+          </a:xfrm>
+          <a:prstGeom prst="rect">
+            <a:avLst/>
+          </a:prstGeom>
+        </p:spPr>
+      </p:pic>
+    </p:spTree>
+    <p:extLst>
+      <p:ext uri="{BB962C8B-B14F-4D97-AF65-F5344CB8AC3E}">
+        <p14:creationId xmlns:p14="http://schemas.microsoft.com/office/powerpoint/2010/main" val="1941096947"/>
       </p:ext>
     </p:extLst>
   </p:cSld>
@@ -3021,14 +8008,87 @@
   <p:timing>
     <p:tnLst>
       <p:par>
-        <p:cTn id="1" dur="indefinite" restart="never" nodeType="tmRoot"/>
+        <p:cTn id="1" dur="indefinite" restart="never" nodeType="tmRoot">
+          <p:childTnLst>
+            <p:seq concurrent="1" nextAc="seek">
+              <p:cTn id="2" restart="whenNotActive" fill="hold" evtFilter="cancelBubble" nodeType="interactiveSeq">
+                <p:stCondLst>
+                  <p:cond evt="onClick" delay="0">
+                    <p:tgtEl>
+                      <p:spTgt spid="2"/>
+                    </p:tgtEl>
+                  </p:cond>
+                </p:stCondLst>
+                <p:endSync evt="end" delay="0">
+                  <p:rtn val="all"/>
+                </p:endSync>
+                <p:childTnLst>
+                  <p:par>
+                    <p:cTn id="3" fill="hold">
+                      <p:stCondLst>
+                        <p:cond delay="0"/>
+                      </p:stCondLst>
+                      <p:childTnLst>
+                        <p:par>
+                          <p:cTn id="4" fill="hold">
+                            <p:stCondLst>
+                              <p:cond delay="0"/>
+                            </p:stCondLst>
+                            <p:childTnLst>
+                              <p:par>
+                                <p:cTn id="5" presetID="2" presetClass="mediacall" presetSubtype="0" fill="hold" nodeType="clickEffect">
+                                  <p:stCondLst>
+                                    <p:cond delay="0"/>
+                                  </p:stCondLst>
+                                  <p:childTnLst>
+                                    <p:cmd type="call" cmd="togglePause">
+                                      <p:cBhvr>
+                                        <p:cTn id="6" dur="1" fill="hold"/>
+                                        <p:tgtEl>
+                                          <p:spTgt spid="2"/>
+                                        </p:tgtEl>
+                                      </p:cBhvr>
+                                    </p:cmd>
+                                  </p:childTnLst>
+                                </p:cTn>
+                              </p:par>
+                            </p:childTnLst>
+                          </p:cTn>
+                        </p:par>
+                      </p:childTnLst>
+                    </p:cTn>
+                  </p:par>
+                </p:childTnLst>
+              </p:cTn>
+              <p:nextCondLst>
+                <p:cond evt="onClick" delay="0">
+                  <p:tgtEl>
+                    <p:spTgt spid="2"/>
+                  </p:tgtEl>
+                </p:cond>
+              </p:nextCondLst>
+            </p:seq>
+            <p:video>
+              <p:cMediaNode vol="80000">
+                <p:cTn id="7" fill="hold" display="0">
+                  <p:stCondLst>
+                    <p:cond delay="indefinite"/>
+                  </p:stCondLst>
+                </p:cTn>
+                <p:tgtEl>
+                  <p:spTgt spid="2"/>
+                </p:tgtEl>
+              </p:cMediaNode>
+            </p:video>
+          </p:childTnLst>
+        </p:cTn>
       </p:par>
     </p:tnLst>
   </p:timing>
 </p:sld>
 </file>
 
-<file path=ppt/slides/slide10.xml><?xml version="1.0" encoding="utf-8"?>
+<file path=ppt/slides/slide22.xml><?xml version="1.0" encoding="utf-8"?>
 <p:sld xmlns:a="http://schemas.openxmlformats.org/drawingml/2006/main" xmlns:r="http://schemas.openxmlformats.org/officeDocument/2006/relationships" xmlns:p="http://schemas.openxmlformats.org/presentationml/2006/main">
   <p:cSld>
     <p:spTree>
@@ -3171,7 +8231,7 @@
 </p:sld>
 </file>
 
-<file path=ppt/slides/slide11.xml><?xml version="1.0" encoding="utf-8"?>
+<file path=ppt/slides/slide23.xml><?xml version="1.0" encoding="utf-8"?>
 <p:sld xmlns:a="http://schemas.openxmlformats.org/drawingml/2006/main" xmlns:r="http://schemas.openxmlformats.org/officeDocument/2006/relationships" xmlns:p="http://schemas.openxmlformats.org/presentationml/2006/main">
   <p:cSld>
     <p:spTree>
@@ -3231,7 +8291,7 @@
 </p:sld>
 </file>
 
-<file path=ppt/slides/slide12.xml><?xml version="1.0" encoding="utf-8"?>
+<file path=ppt/slides/slide24.xml><?xml version="1.0" encoding="utf-8"?>
 <p:sld xmlns:a="http://schemas.openxmlformats.org/drawingml/2006/main" xmlns:r="http://schemas.openxmlformats.org/officeDocument/2006/relationships" xmlns:p="http://schemas.openxmlformats.org/presentationml/2006/main">
   <p:cSld>
     <p:spTree>
@@ -3291,7 +8351,7 @@
 </p:sld>
 </file>
 
-<file path=ppt/slides/slide13.xml><?xml version="1.0" encoding="utf-8"?>
+<file path=ppt/slides/slide25.xml><?xml version="1.0" encoding="utf-8"?>
 <p:sld xmlns:a="http://schemas.openxmlformats.org/drawingml/2006/main" xmlns:r="http://schemas.openxmlformats.org/officeDocument/2006/relationships" xmlns:p="http://schemas.openxmlformats.org/presentationml/2006/main">
   <p:cSld>
     <p:spTree>
@@ -3591,7 +8651,2632 @@
 </p:sld>
 </file>
 
-<file path=ppt/slides/slide2.xml><?xml version="1.0" encoding="utf-8"?>
+<file path=ppt/slides/slide3.xml><?xml version="1.0" encoding="utf-8"?>
+<p:sld xmlns:a="http://schemas.openxmlformats.org/drawingml/2006/main" xmlns:r="http://schemas.openxmlformats.org/officeDocument/2006/relationships" xmlns:p="http://schemas.openxmlformats.org/presentationml/2006/main">
+  <p:cSld>
+    <p:spTree>
+      <p:nvGrpSpPr>
+        <p:cNvPr id="1" name=""/>
+        <p:cNvGrpSpPr/>
+        <p:nvPr/>
+      </p:nvGrpSpPr>
+      <p:grpSpPr>
+        <a:xfrm>
+          <a:off x="0" y="0"/>
+          <a:ext cx="0" cy="0"/>
+          <a:chOff x="0" y="0"/>
+          <a:chExt cx="0" cy="0"/>
+        </a:xfrm>
+      </p:grpSpPr>
+      <p:pic>
+        <p:nvPicPr>
+          <p:cNvPr id="10" name="Picture 10" descr="A screenshot of a cell phone&#10;&#10;Description generated with high confidence">
+            <a:extLst>
+              <a:ext uri="{FF2B5EF4-FFF2-40B4-BE49-F238E27FC236}">
+                <a16:creationId xmlns:a16="http://schemas.microsoft.com/office/drawing/2014/main" id="{F03AF3C9-A60A-42E7-9F90-18A892F49A12}"/>
+              </a:ext>
+            </a:extLst>
+          </p:cNvPr>
+          <p:cNvPicPr>
+            <a:picLocks noChangeAspect="1"/>
+          </p:cNvPicPr>
+          <p:nvPr/>
+        </p:nvPicPr>
+        <p:blipFill>
+          <a:blip r:embed="rId2"/>
+          <a:stretch>
+            <a:fillRect/>
+          </a:stretch>
+        </p:blipFill>
+        <p:spPr>
+          <a:xfrm>
+            <a:off x="7426842" y="2987750"/>
+            <a:ext cx="3469757" cy="3469757"/>
+          </a:xfrm>
+          <a:prstGeom prst="rect">
+            <a:avLst/>
+          </a:prstGeom>
+        </p:spPr>
+      </p:pic>
+      <p:sp>
+        <p:nvSpPr>
+          <p:cNvPr id="2" name="Title 1">
+            <a:extLst>
+              <a:ext uri="{FF2B5EF4-FFF2-40B4-BE49-F238E27FC236}">
+                <a16:creationId xmlns:a16="http://schemas.microsoft.com/office/drawing/2014/main" id="{6FA09182-4B56-4922-9C6C-ADF59401E3A6}"/>
+              </a:ext>
+            </a:extLst>
+          </p:cNvPr>
+          <p:cNvSpPr>
+            <a:spLocks noGrp="1"/>
+          </p:cNvSpPr>
+          <p:nvPr>
+            <p:ph type="title"/>
+          </p:nvPr>
+        </p:nvSpPr>
+        <p:spPr/>
+        <p:txBody>
+          <a:bodyPr/>
+          <a:lstStyle/>
+          <a:p>
+            <a:r>
+              <a:rPr lang="en-US" dirty="0">
+                <a:cs typeface="Calibri Light"/>
+              </a:rPr>
+              <a:t>Outline</a:t>
+            </a:r>
+            <a:endParaRPr lang="en-US" dirty="0"/>
+          </a:p>
+        </p:txBody>
+      </p:sp>
+      <p:sp>
+        <p:nvSpPr>
+          <p:cNvPr id="3" name="Content Placeholder 2">
+            <a:extLst>
+              <a:ext uri="{FF2B5EF4-FFF2-40B4-BE49-F238E27FC236}">
+                <a16:creationId xmlns:a16="http://schemas.microsoft.com/office/drawing/2014/main" id="{73DB7EBB-89B1-4C8E-92E3-BDC7B8D87319}"/>
+              </a:ext>
+            </a:extLst>
+          </p:cNvPr>
+          <p:cNvSpPr>
+            <a:spLocks noGrp="1"/>
+          </p:cNvSpPr>
+          <p:nvPr>
+            <p:ph idx="1"/>
+          </p:nvPr>
+        </p:nvSpPr>
+        <p:spPr>
+          <a:xfrm>
+            <a:off x="838200" y="1825625"/>
+            <a:ext cx="10515600" cy="1356501"/>
+          </a:xfrm>
+        </p:spPr>
+        <p:txBody>
+          <a:bodyPr vert="horz" lIns="91440" tIns="45720" rIns="91440" bIns="45720" rtlCol="0" anchor="t">
+            <a:normAutofit lnSpcReduction="10000"/>
+          </a:bodyPr>
+          <a:lstStyle/>
+          <a:p>
+            <a:pPr marL="0" indent="0">
+              <a:buNone/>
+            </a:pPr>
+            <a:r>
+              <a:rPr lang="en-US" u="sng" dirty="0">
+                <a:cs typeface="Calibri" panose="020F0502020204030204"/>
+              </a:rPr>
+              <a:t>Given</a:t>
+            </a:r>
+            <a:r>
+              <a:rPr lang="en-US" dirty="0">
+                <a:cs typeface="Calibri" panose="020F0502020204030204"/>
+              </a:rPr>
+              <a:t>: Uniform random generator (</a:t>
+            </a:r>
+            <a:r>
+              <a:rPr lang="en-US" b="1" dirty="0" err="1">
+                <a:latin typeface="MS Gothic"/>
+                <a:ea typeface="MS Gothic"/>
+                <a:cs typeface="Calibri" panose="020F0502020204030204"/>
+              </a:rPr>
+              <a:t>numpy.random.uniform</a:t>
+            </a:r>
+            <a:r>
+              <a:rPr lang="en-US" dirty="0">
+                <a:cs typeface="Calibri" panose="020F0502020204030204"/>
+              </a:rPr>
+              <a:t>, </a:t>
+            </a:r>
+            <a:r>
+              <a:rPr lang="en-US" b="1" dirty="0" err="1">
+                <a:latin typeface="MS Gothic"/>
+                <a:ea typeface="MS Gothic"/>
+                <a:cs typeface="Calibri" panose="020F0502020204030204"/>
+              </a:rPr>
+              <a:t>runif</a:t>
+            </a:r>
+            <a:r>
+              <a:rPr lang="en-US" dirty="0">
+                <a:cs typeface="Calibri" panose="020F0502020204030204"/>
+              </a:rPr>
+              <a:t>)</a:t>
+            </a:r>
+          </a:p>
+          <a:p>
+            <a:pPr marL="0" indent="0">
+              <a:buNone/>
+            </a:pPr>
+            <a:r>
+              <a:rPr lang="en-US" u="sng" dirty="0">
+                <a:cs typeface="Calibri" panose="020F0502020204030204"/>
+              </a:rPr>
+              <a:t>Goal</a:t>
+            </a:r>
+            <a:r>
+              <a:rPr lang="en-US" dirty="0">
+                <a:cs typeface="Calibri" panose="020F0502020204030204"/>
+              </a:rPr>
+              <a:t>: "Generate artificial data for 2 classes, where each class is a Gaussian in the plane, N data points for each class"</a:t>
+            </a:r>
+          </a:p>
+          <a:p>
+            <a:pPr marL="0" indent="0">
+              <a:buNone/>
+            </a:pPr>
+            <a:endParaRPr lang="en-US" dirty="0">
+              <a:cs typeface="Calibri" panose="020F0502020204030204"/>
+            </a:endParaRPr>
+          </a:p>
+        </p:txBody>
+      </p:sp>
+      <p:sp>
+        <p:nvSpPr>
+          <p:cNvPr id="4" name="TextBox 3">
+            <a:extLst>
+              <a:ext uri="{FF2B5EF4-FFF2-40B4-BE49-F238E27FC236}">
+                <a16:creationId xmlns:a16="http://schemas.microsoft.com/office/drawing/2014/main" id="{055D2574-FC51-4D65-9FBB-BCC241FBEFA2}"/>
+              </a:ext>
+            </a:extLst>
+          </p:cNvPr>
+          <p:cNvSpPr txBox="1"/>
+          <p:nvPr/>
+        </p:nvSpPr>
+        <p:spPr>
+          <a:xfrm>
+            <a:off x="834656" y="3182680"/>
+            <a:ext cx="5498803" cy="3118803"/>
+          </a:xfrm>
+          <a:prstGeom prst="rect">
+            <a:avLst/>
+          </a:prstGeom>
+          <a:noFill/>
+        </p:spPr>
+        <p:txBody>
+          <a:bodyPr rot="0" spcFirstLastPara="0" vertOverflow="overflow" horzOverflow="overflow" vert="horz" wrap="square" lIns="91440" tIns="45720" rIns="91440" bIns="45720" numCol="1" spcCol="0" rtlCol="0" fromWordArt="0" anchor="t" anchorCtr="0" forceAA="0" compatLnSpc="1">
+            <a:prstTxWarp prst="textNoShape">
+              <a:avLst/>
+            </a:prstTxWarp>
+            <a:spAutoFit/>
+          </a:bodyPr>
+          <a:lstStyle/>
+          <a:p>
+            <a:pPr marL="342900" indent="-342900">
+              <a:lnSpc>
+                <a:spcPct val="90000"/>
+              </a:lnSpc>
+              <a:spcBef>
+                <a:spcPts val="1000"/>
+              </a:spcBef>
+              <a:buAutoNum type="arabicPeriod"/>
+            </a:pPr>
+            <a:r>
+              <a:rPr lang="en-US" sz="2500" dirty="0">
+                <a:ea typeface="+mn-lt"/>
+                <a:cs typeface="+mn-lt"/>
+              </a:rPr>
+              <a:t>For each class, </a:t>
+            </a:r>
+            <a:r>
+              <a:rPr lang="en-US" sz="2500" b="1" dirty="0">
+                <a:ea typeface="+mn-lt"/>
+                <a:cs typeface="+mn-lt"/>
+              </a:rPr>
+              <a:t>generate </a:t>
+            </a:r>
+            <a:r>
+              <a:rPr lang="en-US" sz="2500" dirty="0" err="1">
+                <a:ea typeface="+mn-lt"/>
+                <a:cs typeface="+mn-lt"/>
+              </a:rPr>
+              <a:t>iid</a:t>
+            </a:r>
+            <a:r>
+              <a:rPr lang="en-US" sz="2500" dirty="0">
+                <a:ea typeface="+mn-lt"/>
+                <a:cs typeface="+mn-lt"/>
+              </a:rPr>
+              <a:t> (</a:t>
+            </a:r>
+            <a:r>
+              <a:rPr lang="en-US" sz="2500" dirty="0" err="1">
+                <a:ea typeface="+mn-lt"/>
+                <a:cs typeface="+mn-lt"/>
+              </a:rPr>
+              <a:t>indpendent</a:t>
+            </a:r>
+            <a:r>
+              <a:rPr lang="en-US" sz="2500" dirty="0">
+                <a:ea typeface="+mn-lt"/>
+                <a:cs typeface="+mn-lt"/>
+              </a:rPr>
+              <a:t> &amp; identically distributed) points in which X and Y are independent N(0, 1)</a:t>
+            </a:r>
+            <a:endParaRPr lang="en-US" sz="2500">
+              <a:cs typeface="Calibri" panose="020F0502020204030204"/>
+            </a:endParaRPr>
+          </a:p>
+          <a:p>
+            <a:pPr marL="342900" indent="-342900">
+              <a:lnSpc>
+                <a:spcPct val="90000"/>
+              </a:lnSpc>
+              <a:spcBef>
+                <a:spcPts val="1000"/>
+              </a:spcBef>
+              <a:buAutoNum type="arabicPeriod"/>
+            </a:pPr>
+            <a:r>
+              <a:rPr lang="en-US" sz="2500" b="1" dirty="0">
+                <a:ea typeface="+mn-lt"/>
+                <a:cs typeface="+mn-lt"/>
+              </a:rPr>
+              <a:t>Modify </a:t>
+            </a:r>
+            <a:r>
+              <a:rPr lang="en-US" sz="2500" dirty="0">
+                <a:ea typeface="+mn-lt"/>
+                <a:cs typeface="+mn-lt"/>
+              </a:rPr>
+              <a:t>mean, variance, and covariance for the samples in each class</a:t>
+            </a:r>
+          </a:p>
+          <a:p>
+            <a:pPr marL="342900" indent="-342900">
+              <a:lnSpc>
+                <a:spcPct val="90000"/>
+              </a:lnSpc>
+              <a:spcBef>
+                <a:spcPts val="1000"/>
+              </a:spcBef>
+              <a:buAutoNum type="arabicPeriod"/>
+            </a:pPr>
+            <a:r>
+              <a:rPr lang="en-US" sz="2500" b="1" dirty="0">
+                <a:ea typeface="+mn-lt"/>
+                <a:cs typeface="+mn-lt"/>
+              </a:rPr>
+              <a:t>Repeat </a:t>
+            </a:r>
+            <a:r>
+              <a:rPr lang="en-US" sz="2500" dirty="0">
+                <a:ea typeface="+mn-lt"/>
+                <a:cs typeface="+mn-lt"/>
+              </a:rPr>
+              <a:t>step 1 &amp; 2 for the other class</a:t>
+            </a:r>
+            <a:endParaRPr lang="en-US" sz="2500">
+              <a:cs typeface="Calibri" panose="020F0502020204030204"/>
+            </a:endParaRPr>
+          </a:p>
+        </p:txBody>
+      </p:sp>
+      <p:pic>
+        <p:nvPicPr>
+          <p:cNvPr id="6" name="Graphic 6" descr="Checkmark">
+            <a:extLst>
+              <a:ext uri="{FF2B5EF4-FFF2-40B4-BE49-F238E27FC236}">
+                <a16:creationId xmlns:a16="http://schemas.microsoft.com/office/drawing/2014/main" id="{5C976EF4-7301-4702-8D1D-694280FD9481}"/>
+              </a:ext>
+            </a:extLst>
+          </p:cNvPr>
+          <p:cNvPicPr>
+            <a:picLocks noChangeAspect="1"/>
+          </p:cNvPicPr>
+          <p:nvPr/>
+        </p:nvPicPr>
+        <p:blipFill>
+          <a:blip r:embed="rId3">
+            <a:extLst>
+              <a:ext uri="{96DAC541-7B7A-43D3-8B79-37D633B846F1}">
+                <asvg:svgBlip xmlns:asvg="http://schemas.microsoft.com/office/drawing/2016/SVG/main" r:embed="rId4"/>
+              </a:ext>
+            </a:extLst>
+          </a:blip>
+          <a:stretch>
+            <a:fillRect/>
+          </a:stretch>
+        </p:blipFill>
+        <p:spPr>
+          <a:xfrm>
+            <a:off x="6097954" y="5472723"/>
+            <a:ext cx="914400" cy="914400"/>
+          </a:xfrm>
+          <a:prstGeom prst="rect">
+            <a:avLst/>
+          </a:prstGeom>
+        </p:spPr>
+      </p:pic>
+      <p:sp>
+        <p:nvSpPr>
+          <p:cNvPr id="12" name="Right Brace 11">
+            <a:extLst>
+              <a:ext uri="{FF2B5EF4-FFF2-40B4-BE49-F238E27FC236}">
+                <a16:creationId xmlns:a16="http://schemas.microsoft.com/office/drawing/2014/main" id="{13A24C1A-D20E-4DED-8AEC-C1F301714D38}"/>
+              </a:ext>
+            </a:extLst>
+          </p:cNvPr>
+          <p:cNvSpPr/>
+          <p:nvPr/>
+        </p:nvSpPr>
+        <p:spPr>
+          <a:xfrm rot="5400000">
+            <a:off x="9161527" y="4785978"/>
+            <a:ext cx="97465" cy="558209"/>
+          </a:xfrm>
+          <a:prstGeom prst="rightBrace">
+            <a:avLst/>
+          </a:prstGeom>
+          <a:ln>
+            <a:solidFill>
+              <a:srgbClr val="C00000"/>
+            </a:solidFill>
+          </a:ln>
+        </p:spPr>
+        <p:style>
+          <a:lnRef idx="1">
+            <a:schemeClr val="accent1"/>
+          </a:lnRef>
+          <a:fillRef idx="0">
+            <a:schemeClr val="accent1"/>
+          </a:fillRef>
+          <a:effectRef idx="0">
+            <a:schemeClr val="accent1"/>
+          </a:effectRef>
+          <a:fontRef idx="minor">
+            <a:schemeClr val="tx1"/>
+          </a:fontRef>
+        </p:style>
+        <p:txBody>
+          <a:bodyPr rtlCol="0" anchor="ctr"/>
+          <a:lstStyle/>
+          <a:p>
+            <a:endParaRPr lang="en-US" dirty="0"/>
+          </a:p>
+        </p:txBody>
+      </p:sp>
+      <p:sp>
+        <p:nvSpPr>
+          <p:cNvPr id="13" name="Right Brace 12">
+            <a:extLst>
+              <a:ext uri="{FF2B5EF4-FFF2-40B4-BE49-F238E27FC236}">
+                <a16:creationId xmlns:a16="http://schemas.microsoft.com/office/drawing/2014/main" id="{F95B76DB-62E7-4E43-AF93-C9762A5FC248}"/>
+              </a:ext>
+            </a:extLst>
+          </p:cNvPr>
+          <p:cNvSpPr/>
+          <p:nvPr/>
+        </p:nvSpPr>
+        <p:spPr>
+          <a:xfrm>
+            <a:off x="9569108" y="4413838"/>
+            <a:ext cx="97465" cy="558209"/>
+          </a:xfrm>
+          <a:prstGeom prst="rightBrace">
+            <a:avLst/>
+          </a:prstGeom>
+          <a:ln>
+            <a:solidFill>
+              <a:srgbClr val="C00000"/>
+            </a:solidFill>
+          </a:ln>
+        </p:spPr>
+        <p:style>
+          <a:lnRef idx="1">
+            <a:schemeClr val="accent1"/>
+          </a:lnRef>
+          <a:fillRef idx="0">
+            <a:schemeClr val="accent1"/>
+          </a:fillRef>
+          <a:effectRef idx="0">
+            <a:schemeClr val="accent1"/>
+          </a:effectRef>
+          <a:fontRef idx="minor">
+            <a:schemeClr val="tx1"/>
+          </a:fontRef>
+        </p:style>
+        <p:txBody>
+          <a:bodyPr rtlCol="0" anchor="ctr"/>
+          <a:lstStyle/>
+          <a:p>
+            <a:endParaRPr lang="en-US" dirty="0"/>
+          </a:p>
+        </p:txBody>
+      </p:sp>
+      <p:sp>
+        <p:nvSpPr>
+          <p:cNvPr id="14" name="TextBox 13">
+            <a:extLst>
+              <a:ext uri="{FF2B5EF4-FFF2-40B4-BE49-F238E27FC236}">
+                <a16:creationId xmlns:a16="http://schemas.microsoft.com/office/drawing/2014/main" id="{9E2664A5-DAF8-4D97-AA71-397B6A0845BF}"/>
+              </a:ext>
+            </a:extLst>
+          </p:cNvPr>
+          <p:cNvSpPr txBox="1"/>
+          <p:nvPr/>
+        </p:nvSpPr>
+        <p:spPr>
+          <a:xfrm>
+            <a:off x="8838978" y="5117583"/>
+            <a:ext cx="829340" cy="369332"/>
+          </a:xfrm>
+          <a:prstGeom prst="rect">
+            <a:avLst/>
+          </a:prstGeom>
+          <a:noFill/>
+        </p:spPr>
+        <p:txBody>
+          <a:bodyPr rot="0" spcFirstLastPara="0" vertOverflow="overflow" horzOverflow="overflow" vert="horz" wrap="square" lIns="91440" tIns="45720" rIns="91440" bIns="45720" numCol="1" spcCol="0" rtlCol="0" fromWordArt="0" anchor="t" anchorCtr="0" forceAA="0" compatLnSpc="1">
+            <a:prstTxWarp prst="textNoShape">
+              <a:avLst/>
+            </a:prstTxWarp>
+            <a:spAutoFit/>
+          </a:bodyPr>
+          <a:lstStyle/>
+          <a:p>
+            <a:r>
+              <a:rPr lang="en-US" dirty="0">
+                <a:solidFill>
+                  <a:srgbClr val="C00000"/>
+                </a:solidFill>
+              </a:rPr>
+              <a:t>N(0, 1)</a:t>
+            </a:r>
+            <a:endParaRPr lang="en-US" dirty="0">
+              <a:solidFill>
+                <a:srgbClr val="C00000"/>
+              </a:solidFill>
+              <a:cs typeface="Calibri"/>
+            </a:endParaRPr>
+          </a:p>
+        </p:txBody>
+      </p:sp>
+      <p:sp>
+        <p:nvSpPr>
+          <p:cNvPr id="15" name="TextBox 14">
+            <a:extLst>
+              <a:ext uri="{FF2B5EF4-FFF2-40B4-BE49-F238E27FC236}">
+                <a16:creationId xmlns:a16="http://schemas.microsoft.com/office/drawing/2014/main" id="{2EF8166F-1E18-4CE9-A7F8-D3CAE1276A18}"/>
+              </a:ext>
+            </a:extLst>
+          </p:cNvPr>
+          <p:cNvSpPr txBox="1"/>
+          <p:nvPr/>
+        </p:nvSpPr>
+        <p:spPr>
+          <a:xfrm>
+            <a:off x="9663001" y="4515071"/>
+            <a:ext cx="829340" cy="369332"/>
+          </a:xfrm>
+          <a:prstGeom prst="rect">
+            <a:avLst/>
+          </a:prstGeom>
+          <a:noFill/>
+        </p:spPr>
+        <p:txBody>
+          <a:bodyPr rot="0" spcFirstLastPara="0" vertOverflow="overflow" horzOverflow="overflow" vert="horz" wrap="square" lIns="91440" tIns="45720" rIns="91440" bIns="45720" numCol="1" spcCol="0" rtlCol="0" fromWordArt="0" anchor="t" anchorCtr="0" forceAA="0" compatLnSpc="1">
+            <a:prstTxWarp prst="textNoShape">
+              <a:avLst/>
+            </a:prstTxWarp>
+            <a:spAutoFit/>
+          </a:bodyPr>
+          <a:lstStyle/>
+          <a:p>
+            <a:r>
+              <a:rPr lang="en-US" dirty="0">
+                <a:solidFill>
+                  <a:srgbClr val="C00000"/>
+                </a:solidFill>
+              </a:rPr>
+              <a:t>N(0, 1)</a:t>
+            </a:r>
+            <a:endParaRPr lang="en-US" dirty="0">
+              <a:solidFill>
+                <a:srgbClr val="C00000"/>
+              </a:solidFill>
+              <a:cs typeface="Calibri"/>
+            </a:endParaRPr>
+          </a:p>
+        </p:txBody>
+      </p:sp>
+      <p:sp>
+        <p:nvSpPr>
+          <p:cNvPr id="16" name="TextBox 15">
+            <a:extLst>
+              <a:ext uri="{FF2B5EF4-FFF2-40B4-BE49-F238E27FC236}">
+                <a16:creationId xmlns:a16="http://schemas.microsoft.com/office/drawing/2014/main" id="{7BFC9EF6-C0B2-412E-8585-DFAFB508756C}"/>
+              </a:ext>
+            </a:extLst>
+          </p:cNvPr>
+          <p:cNvSpPr txBox="1"/>
+          <p:nvPr/>
+        </p:nvSpPr>
+        <p:spPr>
+          <a:xfrm>
+            <a:off x="8747051" y="4139610"/>
+            <a:ext cx="368596" cy="369332"/>
+          </a:xfrm>
+          <a:prstGeom prst="rect">
+            <a:avLst/>
+          </a:prstGeom>
+          <a:noFill/>
+        </p:spPr>
+        <p:txBody>
+          <a:bodyPr rot="0" spcFirstLastPara="0" vertOverflow="overflow" horzOverflow="overflow" vert="horz" wrap="square" lIns="91440" tIns="45720" rIns="91440" bIns="45720" numCol="1" spcCol="0" rtlCol="0" fromWordArt="0" anchor="t" anchorCtr="0" forceAA="0" compatLnSpc="1">
+            <a:prstTxWarp prst="textNoShape">
+              <a:avLst/>
+            </a:prstTxWarp>
+            <a:spAutoFit/>
+          </a:bodyPr>
+          <a:lstStyle/>
+          <a:p>
+            <a:r>
+              <a:rPr lang="en-US" dirty="0">
+                <a:solidFill>
+                  <a:srgbClr val="C00000"/>
+                </a:solidFill>
+                <a:latin typeface="Segoe UI Emoji"/>
+                <a:ea typeface="Segoe UI Emoji"/>
+              </a:rPr>
+              <a:t>①</a:t>
+            </a:r>
+            <a:endParaRPr lang="en-US" dirty="0">
+              <a:solidFill>
+                <a:srgbClr val="C00000"/>
+              </a:solidFill>
+              <a:cs typeface="Calibri"/>
+            </a:endParaRPr>
+          </a:p>
+        </p:txBody>
+      </p:sp>
+      <p:sp>
+        <p:nvSpPr>
+          <p:cNvPr id="17" name="TextBox 16">
+            <a:extLst>
+              <a:ext uri="{FF2B5EF4-FFF2-40B4-BE49-F238E27FC236}">
+                <a16:creationId xmlns:a16="http://schemas.microsoft.com/office/drawing/2014/main" id="{D1E03A53-2D9E-4945-8841-FEA05EF432A9}"/>
+              </a:ext>
+            </a:extLst>
+          </p:cNvPr>
+          <p:cNvSpPr txBox="1"/>
+          <p:nvPr/>
+        </p:nvSpPr>
+        <p:spPr>
+          <a:xfrm>
+            <a:off x="9252098" y="3572540"/>
+            <a:ext cx="359735" cy="369332"/>
+          </a:xfrm>
+          <a:prstGeom prst="rect">
+            <a:avLst/>
+          </a:prstGeom>
+          <a:noFill/>
+        </p:spPr>
+        <p:txBody>
+          <a:bodyPr rot="0" spcFirstLastPara="0" vertOverflow="overflow" horzOverflow="overflow" vert="horz" wrap="square" lIns="91440" tIns="45720" rIns="91440" bIns="45720" numCol="1" spcCol="0" rtlCol="0" fromWordArt="0" anchor="t" anchorCtr="0" forceAA="0" compatLnSpc="1">
+            <a:prstTxWarp prst="textNoShape">
+              <a:avLst/>
+            </a:prstTxWarp>
+            <a:spAutoFit/>
+          </a:bodyPr>
+          <a:lstStyle/>
+          <a:p>
+            <a:r>
+              <a:rPr lang="en-US" dirty="0">
+                <a:solidFill>
+                  <a:srgbClr val="1E77B3"/>
+                </a:solidFill>
+                <a:latin typeface="Segoe UI Emoji"/>
+                <a:ea typeface="Segoe UI Emoji"/>
+              </a:rPr>
+              <a:t>②</a:t>
+            </a:r>
+            <a:endParaRPr lang="en-US" dirty="0">
+              <a:solidFill>
+                <a:srgbClr val="1E77B3"/>
+              </a:solidFill>
+              <a:cs typeface="Calibri"/>
+            </a:endParaRPr>
+          </a:p>
+        </p:txBody>
+      </p:sp>
+      <p:sp>
+        <p:nvSpPr>
+          <p:cNvPr id="19" name="TextBox 18">
+            <a:extLst>
+              <a:ext uri="{FF2B5EF4-FFF2-40B4-BE49-F238E27FC236}">
+                <a16:creationId xmlns:a16="http://schemas.microsoft.com/office/drawing/2014/main" id="{47364913-2941-4EE0-8C33-D5DECAF09D09}"/>
+              </a:ext>
+            </a:extLst>
+          </p:cNvPr>
+          <p:cNvSpPr txBox="1"/>
+          <p:nvPr/>
+        </p:nvSpPr>
+        <p:spPr>
+          <a:xfrm>
+            <a:off x="7949609" y="3944680"/>
+            <a:ext cx="404038" cy="369332"/>
+          </a:xfrm>
+          <a:prstGeom prst="rect">
+            <a:avLst/>
+          </a:prstGeom>
+          <a:noFill/>
+        </p:spPr>
+        <p:txBody>
+          <a:bodyPr rot="0" spcFirstLastPara="0" vertOverflow="overflow" horzOverflow="overflow" vert="horz" wrap="square" lIns="91440" tIns="45720" rIns="91440" bIns="45720" numCol="1" spcCol="0" rtlCol="0" fromWordArt="0" anchor="t" anchorCtr="0" forceAA="0" compatLnSpc="1">
+            <a:prstTxWarp prst="textNoShape">
+              <a:avLst/>
+            </a:prstTxWarp>
+            <a:spAutoFit/>
+          </a:bodyPr>
+          <a:lstStyle/>
+          <a:p>
+            <a:r>
+              <a:rPr lang="en-US" dirty="0">
+                <a:solidFill>
+                  <a:srgbClr val="2CA02C"/>
+                </a:solidFill>
+                <a:latin typeface="Segoe UI Emoji"/>
+                <a:ea typeface="Segoe UI Emoji"/>
+              </a:rPr>
+              <a:t>③</a:t>
+            </a:r>
+            <a:endParaRPr lang="en-US" dirty="0">
+              <a:solidFill>
+                <a:srgbClr val="2CA02C"/>
+              </a:solidFill>
+              <a:cs typeface="Calibri"/>
+            </a:endParaRPr>
+          </a:p>
+        </p:txBody>
+      </p:sp>
+      <p:pic>
+        <p:nvPicPr>
+          <p:cNvPr id="22" name="Picture 22" descr="A close up of a logo&#10;&#10;Description generated with very high confidence">
+            <a:extLst>
+              <a:ext uri="{FF2B5EF4-FFF2-40B4-BE49-F238E27FC236}">
+                <a16:creationId xmlns:a16="http://schemas.microsoft.com/office/drawing/2014/main" id="{2F191D5C-5172-42E5-A959-733E5D12B14F}"/>
+              </a:ext>
+            </a:extLst>
+          </p:cNvPr>
+          <p:cNvPicPr>
+            <a:picLocks noChangeAspect="1"/>
+          </p:cNvPicPr>
+          <p:nvPr/>
+        </p:nvPicPr>
+        <p:blipFill>
+          <a:blip r:embed="rId5"/>
+          <a:stretch>
+            <a:fillRect/>
+          </a:stretch>
+        </p:blipFill>
+        <p:spPr>
+          <a:xfrm>
+            <a:off x="9625013" y="4933950"/>
+            <a:ext cx="1266825" cy="552450"/>
+          </a:xfrm>
+          <a:prstGeom prst="rect">
+            <a:avLst/>
+          </a:prstGeom>
+        </p:spPr>
+      </p:pic>
+      <p:cxnSp>
+        <p:nvCxnSpPr>
+          <p:cNvPr id="5" name="Straight Arrow Connector 4">
+            <a:extLst>
+              <a:ext uri="{FF2B5EF4-FFF2-40B4-BE49-F238E27FC236}">
+                <a16:creationId xmlns:a16="http://schemas.microsoft.com/office/drawing/2014/main" id="{62FA8CF1-15D3-46EA-8B8B-0F7B26A55FB9}"/>
+              </a:ext>
+            </a:extLst>
+          </p:cNvPr>
+          <p:cNvCxnSpPr/>
+          <p:nvPr/>
+        </p:nvCxnSpPr>
+        <p:spPr>
+          <a:xfrm>
+            <a:off x="9382125" y="4848225"/>
+            <a:ext cx="247650" cy="266700"/>
+          </a:xfrm>
+          <a:prstGeom prst="straightConnector1">
+            <a:avLst/>
+          </a:prstGeom>
+          <a:ln>
+            <a:solidFill>
+              <a:srgbClr val="D42728"/>
+            </a:solidFill>
+            <a:tailEnd type="triangle"/>
+          </a:ln>
+        </p:spPr>
+        <p:style>
+          <a:lnRef idx="1">
+            <a:schemeClr val="accent1"/>
+          </a:lnRef>
+          <a:fillRef idx="0">
+            <a:schemeClr val="accent1"/>
+          </a:fillRef>
+          <a:effectRef idx="0">
+            <a:schemeClr val="accent1"/>
+          </a:effectRef>
+          <a:fontRef idx="minor">
+            <a:schemeClr val="tx1"/>
+          </a:fontRef>
+        </p:style>
+      </p:cxnSp>
+      <p:pic>
+        <p:nvPicPr>
+          <p:cNvPr id="7" name="Picture 7" descr="A close up of a logo&#10;&#10;Description generated with very high confidence">
+            <a:extLst>
+              <a:ext uri="{FF2B5EF4-FFF2-40B4-BE49-F238E27FC236}">
+                <a16:creationId xmlns:a16="http://schemas.microsoft.com/office/drawing/2014/main" id="{0B854DC1-850D-481D-8D71-23ECE9BEFA58}"/>
+              </a:ext>
+            </a:extLst>
+          </p:cNvPr>
+          <p:cNvPicPr>
+            <a:picLocks noChangeAspect="1"/>
+          </p:cNvPicPr>
+          <p:nvPr/>
+        </p:nvPicPr>
+        <p:blipFill>
+          <a:blip r:embed="rId6"/>
+          <a:stretch>
+            <a:fillRect/>
+          </a:stretch>
+        </p:blipFill>
+        <p:spPr>
+          <a:xfrm>
+            <a:off x="10396538" y="3505200"/>
+            <a:ext cx="1333500" cy="600075"/>
+          </a:xfrm>
+          <a:prstGeom prst="rect">
+            <a:avLst/>
+          </a:prstGeom>
+        </p:spPr>
+      </p:pic>
+      <p:cxnSp>
+        <p:nvCxnSpPr>
+          <p:cNvPr id="18" name="Straight Arrow Connector 17">
+            <a:extLst>
+              <a:ext uri="{FF2B5EF4-FFF2-40B4-BE49-F238E27FC236}">
+                <a16:creationId xmlns:a16="http://schemas.microsoft.com/office/drawing/2014/main" id="{A1551CF8-4125-4CF5-A798-015FD727F895}"/>
+              </a:ext>
+            </a:extLst>
+          </p:cNvPr>
+          <p:cNvCxnSpPr>
+            <a:cxnSpLocks/>
+          </p:cNvCxnSpPr>
+          <p:nvPr/>
+        </p:nvCxnSpPr>
+        <p:spPr>
+          <a:xfrm flipV="1">
+            <a:off x="10182224" y="3800475"/>
+            <a:ext cx="209550" cy="9525"/>
+          </a:xfrm>
+          <a:prstGeom prst="straightConnector1">
+            <a:avLst/>
+          </a:prstGeom>
+          <a:ln>
+            <a:solidFill>
+              <a:srgbClr val="1E77B3"/>
+            </a:solidFill>
+            <a:tailEnd type="triangle"/>
+          </a:ln>
+        </p:spPr>
+        <p:style>
+          <a:lnRef idx="1">
+            <a:schemeClr val="accent1"/>
+          </a:lnRef>
+          <a:fillRef idx="0">
+            <a:schemeClr val="accent1"/>
+          </a:fillRef>
+          <a:effectRef idx="0">
+            <a:schemeClr val="accent1"/>
+          </a:effectRef>
+          <a:fontRef idx="minor">
+            <a:schemeClr val="tx1"/>
+          </a:fontRef>
+        </p:style>
+      </p:cxnSp>
+      <p:pic>
+        <p:nvPicPr>
+          <p:cNvPr id="9" name="Picture 10" descr="A close up of a logo&#10;&#10;Description generated with very high confidence">
+            <a:extLst>
+              <a:ext uri="{FF2B5EF4-FFF2-40B4-BE49-F238E27FC236}">
+                <a16:creationId xmlns:a16="http://schemas.microsoft.com/office/drawing/2014/main" id="{0C0157C9-9B12-4C02-B6B7-03937C8D78F3}"/>
+              </a:ext>
+            </a:extLst>
+          </p:cNvPr>
+          <p:cNvPicPr>
+            <a:picLocks noChangeAspect="1"/>
+          </p:cNvPicPr>
+          <p:nvPr/>
+        </p:nvPicPr>
+        <p:blipFill>
+          <a:blip r:embed="rId7"/>
+          <a:stretch>
+            <a:fillRect/>
+          </a:stretch>
+        </p:blipFill>
+        <p:spPr>
+          <a:xfrm>
+            <a:off x="6153150" y="4176010"/>
+            <a:ext cx="1876425" cy="591955"/>
+          </a:xfrm>
+          <a:prstGeom prst="rect">
+            <a:avLst/>
+          </a:prstGeom>
+        </p:spPr>
+      </p:pic>
+      <p:cxnSp>
+        <p:nvCxnSpPr>
+          <p:cNvPr id="21" name="Straight Arrow Connector 20">
+            <a:extLst>
+              <a:ext uri="{FF2B5EF4-FFF2-40B4-BE49-F238E27FC236}">
+                <a16:creationId xmlns:a16="http://schemas.microsoft.com/office/drawing/2014/main" id="{A4BEBCE4-3B18-498B-9AED-1DE6CF1CE357}"/>
+              </a:ext>
+            </a:extLst>
+          </p:cNvPr>
+          <p:cNvCxnSpPr>
+            <a:cxnSpLocks/>
+          </p:cNvCxnSpPr>
+          <p:nvPr/>
+        </p:nvCxnSpPr>
+        <p:spPr>
+          <a:xfrm flipH="1" flipV="1">
+            <a:off x="7981949" y="4705350"/>
+            <a:ext cx="266700" cy="180975"/>
+          </a:xfrm>
+          <a:prstGeom prst="straightConnector1">
+            <a:avLst/>
+          </a:prstGeom>
+          <a:ln>
+            <a:solidFill>
+              <a:srgbClr val="2CA02C"/>
+            </a:solidFill>
+            <a:tailEnd type="triangle"/>
+          </a:ln>
+        </p:spPr>
+        <p:style>
+          <a:lnRef idx="1">
+            <a:schemeClr val="accent1"/>
+          </a:lnRef>
+          <a:fillRef idx="0">
+            <a:schemeClr val="accent1"/>
+          </a:fillRef>
+          <a:effectRef idx="0">
+            <a:schemeClr val="accent1"/>
+          </a:effectRef>
+          <a:fontRef idx="minor">
+            <a:schemeClr val="tx1"/>
+          </a:fontRef>
+        </p:style>
+      </p:cxnSp>
+      <p:pic>
+        <p:nvPicPr>
+          <p:cNvPr id="24" name="Picture 24" descr="A picture containing drawing&#10;&#10;Description generated with very high confidence">
+            <a:extLst>
+              <a:ext uri="{FF2B5EF4-FFF2-40B4-BE49-F238E27FC236}">
+                <a16:creationId xmlns:a16="http://schemas.microsoft.com/office/drawing/2014/main" id="{25228C58-A094-46D3-B76D-47F2FDD111B4}"/>
+              </a:ext>
+            </a:extLst>
+          </p:cNvPr>
+          <p:cNvPicPr>
+            <a:picLocks noChangeAspect="1"/>
+          </p:cNvPicPr>
+          <p:nvPr/>
+        </p:nvPicPr>
+        <p:blipFill>
+          <a:blip r:embed="rId8"/>
+          <a:stretch>
+            <a:fillRect/>
+          </a:stretch>
+        </p:blipFill>
+        <p:spPr>
+          <a:xfrm>
+            <a:off x="7010400" y="789147"/>
+            <a:ext cx="2743200" cy="920357"/>
+          </a:xfrm>
+          <a:prstGeom prst="rect">
+            <a:avLst/>
+          </a:prstGeom>
+        </p:spPr>
+      </p:pic>
+      <p:pic>
+        <p:nvPicPr>
+          <p:cNvPr id="28" name="Picture 28" descr="A close up of a logo&#10;&#10;Description generated with very high confidence">
+            <a:extLst>
+              <a:ext uri="{FF2B5EF4-FFF2-40B4-BE49-F238E27FC236}">
+                <a16:creationId xmlns:a16="http://schemas.microsoft.com/office/drawing/2014/main" id="{2C588627-59D8-4E17-84C7-26E002BDAE97}"/>
+              </a:ext>
+            </a:extLst>
+          </p:cNvPr>
+          <p:cNvPicPr>
+            <a:picLocks noChangeAspect="1"/>
+          </p:cNvPicPr>
+          <p:nvPr/>
+        </p:nvPicPr>
+        <p:blipFill>
+          <a:blip r:embed="rId9"/>
+          <a:stretch>
+            <a:fillRect/>
+          </a:stretch>
+        </p:blipFill>
+        <p:spPr>
+          <a:xfrm>
+            <a:off x="9626906" y="5422764"/>
+            <a:ext cx="2366791" cy="602830"/>
+          </a:xfrm>
+          <a:prstGeom prst="rect">
+            <a:avLst/>
+          </a:prstGeom>
+        </p:spPr>
+      </p:pic>
+      <p:sp>
+        <p:nvSpPr>
+          <p:cNvPr id="30" name="TextBox 29">
+            <a:extLst>
+              <a:ext uri="{FF2B5EF4-FFF2-40B4-BE49-F238E27FC236}">
+                <a16:creationId xmlns:a16="http://schemas.microsoft.com/office/drawing/2014/main" id="{7F747720-0F3D-4F37-B211-FDDA241F314D}"/>
+              </a:ext>
+            </a:extLst>
+          </p:cNvPr>
+          <p:cNvSpPr txBox="1"/>
+          <p:nvPr/>
+        </p:nvSpPr>
+        <p:spPr>
+          <a:xfrm>
+            <a:off x="9402725" y="6221820"/>
+            <a:ext cx="1493874" cy="323165"/>
+          </a:xfrm>
+          <a:prstGeom prst="rect">
+            <a:avLst/>
+          </a:prstGeom>
+          <a:noFill/>
+        </p:spPr>
+        <p:txBody>
+          <a:bodyPr rot="0" spcFirstLastPara="0" vertOverflow="overflow" horzOverflow="overflow" vert="horz" wrap="square" lIns="91440" tIns="45720" rIns="91440" bIns="45720" numCol="1" spcCol="0" rtlCol="0" fromWordArt="0" anchor="t" anchorCtr="0" forceAA="0" compatLnSpc="1">
+            <a:prstTxWarp prst="textNoShape">
+              <a:avLst/>
+            </a:prstTxWarp>
+            <a:spAutoFit/>
+          </a:bodyPr>
+          <a:lstStyle/>
+          <a:p>
+            <a:r>
+              <a:rPr lang="en-US" sz="1500" dirty="0">
+                <a:solidFill>
+                  <a:srgbClr val="D42728"/>
+                </a:solidFill>
+              </a:rPr>
+              <a:t>mean vector</a:t>
+            </a:r>
+            <a:endParaRPr lang="en-US" sz="1500">
+              <a:solidFill>
+                <a:srgbClr val="D42728"/>
+              </a:solidFill>
+              <a:cs typeface="Calibri"/>
+            </a:endParaRPr>
+          </a:p>
+        </p:txBody>
+      </p:sp>
+      <p:sp>
+        <p:nvSpPr>
+          <p:cNvPr id="31" name="TextBox 30">
+            <a:extLst>
+              <a:ext uri="{FF2B5EF4-FFF2-40B4-BE49-F238E27FC236}">
+                <a16:creationId xmlns:a16="http://schemas.microsoft.com/office/drawing/2014/main" id="{746D1C01-A158-4BD0-A46A-0F90ED9006DC}"/>
+              </a:ext>
+            </a:extLst>
+          </p:cNvPr>
+          <p:cNvSpPr txBox="1"/>
+          <p:nvPr/>
+        </p:nvSpPr>
+        <p:spPr>
+          <a:xfrm>
+            <a:off x="10483701" y="6221820"/>
+            <a:ext cx="1591339" cy="323165"/>
+          </a:xfrm>
+          <a:prstGeom prst="rect">
+            <a:avLst/>
+          </a:prstGeom>
+          <a:noFill/>
+        </p:spPr>
+        <p:txBody>
+          <a:bodyPr rot="0" spcFirstLastPara="0" vertOverflow="overflow" horzOverflow="overflow" vert="horz" wrap="square" lIns="91440" tIns="45720" rIns="91440" bIns="45720" numCol="1" spcCol="0" rtlCol="0" fromWordArt="0" anchor="t" anchorCtr="0" forceAA="0" compatLnSpc="1">
+            <a:prstTxWarp prst="textNoShape">
+              <a:avLst/>
+            </a:prstTxWarp>
+            <a:spAutoFit/>
+          </a:bodyPr>
+          <a:lstStyle/>
+          <a:p>
+            <a:r>
+              <a:rPr lang="en-US" sz="1500" dirty="0">
+                <a:solidFill>
+                  <a:srgbClr val="D42728"/>
+                </a:solidFill>
+              </a:rPr>
+              <a:t>covariance matrix</a:t>
+            </a:r>
+            <a:endParaRPr lang="en-US">
+              <a:solidFill>
+                <a:srgbClr val="D42728"/>
+              </a:solidFill>
+              <a:cs typeface="Calibri"/>
+            </a:endParaRPr>
+          </a:p>
+        </p:txBody>
+      </p:sp>
+      <p:cxnSp>
+        <p:nvCxnSpPr>
+          <p:cNvPr id="32" name="Straight Arrow Connector 31">
+            <a:extLst>
+              <a:ext uri="{FF2B5EF4-FFF2-40B4-BE49-F238E27FC236}">
+                <a16:creationId xmlns:a16="http://schemas.microsoft.com/office/drawing/2014/main" id="{1775FE48-D611-4C5B-9E7E-015DACA2D135}"/>
+              </a:ext>
+            </a:extLst>
+          </p:cNvPr>
+          <p:cNvCxnSpPr/>
+          <p:nvPr/>
+        </p:nvCxnSpPr>
+        <p:spPr>
+          <a:xfrm flipH="1">
+            <a:off x="9930145" y="6003187"/>
+            <a:ext cx="24809" cy="294168"/>
+          </a:xfrm>
+          <a:prstGeom prst="straightConnector1">
+            <a:avLst/>
+          </a:prstGeom>
+          <a:ln>
+            <a:solidFill>
+              <a:srgbClr val="D42728"/>
+            </a:solidFill>
+            <a:tailEnd type="triangle"/>
+          </a:ln>
+        </p:spPr>
+        <p:style>
+          <a:lnRef idx="1">
+            <a:schemeClr val="accent1"/>
+          </a:lnRef>
+          <a:fillRef idx="0">
+            <a:schemeClr val="accent1"/>
+          </a:fillRef>
+          <a:effectRef idx="0">
+            <a:schemeClr val="accent1"/>
+          </a:effectRef>
+          <a:fontRef idx="minor">
+            <a:schemeClr val="tx1"/>
+          </a:fontRef>
+        </p:style>
+      </p:cxnSp>
+      <p:cxnSp>
+        <p:nvCxnSpPr>
+          <p:cNvPr id="33" name="Straight Arrow Connector 32">
+            <a:extLst>
+              <a:ext uri="{FF2B5EF4-FFF2-40B4-BE49-F238E27FC236}">
+                <a16:creationId xmlns:a16="http://schemas.microsoft.com/office/drawing/2014/main" id="{4CAA59BA-2BC8-4DC8-8D87-9DE246F477F0}"/>
+              </a:ext>
+            </a:extLst>
+          </p:cNvPr>
+          <p:cNvCxnSpPr>
+            <a:cxnSpLocks/>
+          </p:cNvCxnSpPr>
+          <p:nvPr/>
+        </p:nvCxnSpPr>
+        <p:spPr>
+          <a:xfrm>
+            <a:off x="10840999" y="6020907"/>
+            <a:ext cx="187843" cy="258728"/>
+          </a:xfrm>
+          <a:prstGeom prst="straightConnector1">
+            <a:avLst/>
+          </a:prstGeom>
+          <a:ln>
+            <a:solidFill>
+              <a:srgbClr val="D42728"/>
+            </a:solidFill>
+            <a:tailEnd type="triangle"/>
+          </a:ln>
+        </p:spPr>
+        <p:style>
+          <a:lnRef idx="1">
+            <a:schemeClr val="accent1"/>
+          </a:lnRef>
+          <a:fillRef idx="0">
+            <a:schemeClr val="accent1"/>
+          </a:fillRef>
+          <a:effectRef idx="0">
+            <a:schemeClr val="accent1"/>
+          </a:effectRef>
+          <a:fontRef idx="minor">
+            <a:schemeClr val="tx1"/>
+          </a:fontRef>
+        </p:style>
+      </p:cxnSp>
+    </p:spTree>
+    <p:extLst>
+      <p:ext uri="{BB962C8B-B14F-4D97-AF65-F5344CB8AC3E}">
+        <p14:creationId xmlns:p14="http://schemas.microsoft.com/office/powerpoint/2010/main" val="4177731367"/>
+      </p:ext>
+    </p:extLst>
+  </p:cSld>
+  <p:clrMapOvr>
+    <a:masterClrMapping/>
+  </p:clrMapOvr>
+  <p:timing>
+    <p:tnLst>
+      <p:par>
+        <p:cTn id="1" dur="indefinite" restart="never" nodeType="tmRoot">
+          <p:childTnLst>
+            <p:seq concurrent="1" nextAc="seek">
+              <p:cTn id="2" dur="indefinite" nodeType="mainSeq"/>
+              <p:prevCondLst>
+                <p:cond evt="onPrev" delay="0">
+                  <p:tgtEl>
+                    <p:sldTgt/>
+                  </p:tgtEl>
+                </p:cond>
+              </p:prevCondLst>
+              <p:nextCondLst>
+                <p:cond evt="onNext" delay="0">
+                  <p:tgtEl>
+                    <p:sldTgt/>
+                  </p:tgtEl>
+                </p:cond>
+              </p:nextCondLst>
+            </p:seq>
+          </p:childTnLst>
+        </p:cTn>
+      </p:par>
+    </p:tnLst>
+  </p:timing>
+</p:sld>
+</file>
+
+<file path=ppt/slides/slide4.xml><?xml version="1.0" encoding="utf-8"?>
+<p:sld xmlns:a="http://schemas.openxmlformats.org/drawingml/2006/main" xmlns:r="http://schemas.openxmlformats.org/officeDocument/2006/relationships" xmlns:p="http://schemas.openxmlformats.org/presentationml/2006/main">
+  <p:cSld>
+    <p:spTree>
+      <p:nvGrpSpPr>
+        <p:cNvPr id="1" name=""/>
+        <p:cNvGrpSpPr/>
+        <p:nvPr/>
+      </p:nvGrpSpPr>
+      <p:grpSpPr>
+        <a:xfrm>
+          <a:off x="0" y="0"/>
+          <a:ext cx="0" cy="0"/>
+          <a:chOff x="0" y="0"/>
+          <a:chExt cx="0" cy="0"/>
+        </a:xfrm>
+      </p:grpSpPr>
+      <p:sp>
+        <p:nvSpPr>
+          <p:cNvPr id="2" name="Title 1">
+            <a:extLst>
+              <a:ext uri="{FF2B5EF4-FFF2-40B4-BE49-F238E27FC236}">
+                <a16:creationId xmlns:a16="http://schemas.microsoft.com/office/drawing/2014/main" id="{751CA4D7-AE5C-446E-95B3-C77E0327EE31}"/>
+              </a:ext>
+            </a:extLst>
+          </p:cNvPr>
+          <p:cNvSpPr>
+            <a:spLocks noGrp="1"/>
+          </p:cNvSpPr>
+          <p:nvPr>
+            <p:ph type="title"/>
+          </p:nvPr>
+        </p:nvSpPr>
+        <p:spPr/>
+        <p:txBody>
+          <a:bodyPr/>
+          <a:lstStyle/>
+          <a:p>
+            <a:r>
+              <a:rPr lang="en-US" dirty="0">
+                <a:cs typeface="Calibri Light"/>
+              </a:rPr>
+              <a:t>Outline</a:t>
+            </a:r>
+            <a:endParaRPr lang="en-US" dirty="0"/>
+          </a:p>
+        </p:txBody>
+      </p:sp>
+      <p:sp>
+        <p:nvSpPr>
+          <p:cNvPr id="3" name="Content Placeholder 2">
+            <a:extLst>
+              <a:ext uri="{FF2B5EF4-FFF2-40B4-BE49-F238E27FC236}">
+                <a16:creationId xmlns:a16="http://schemas.microsoft.com/office/drawing/2014/main" id="{DC37867C-2A35-4276-BD68-3187413C3FA5}"/>
+              </a:ext>
+            </a:extLst>
+          </p:cNvPr>
+          <p:cNvSpPr>
+            <a:spLocks noGrp="1"/>
+          </p:cNvSpPr>
+          <p:nvPr>
+            <p:ph idx="1"/>
+          </p:nvPr>
+        </p:nvSpPr>
+        <p:spPr/>
+        <p:txBody>
+          <a:bodyPr vert="horz" lIns="91440" tIns="45720" rIns="91440" bIns="45720" rtlCol="0" anchor="t">
+            <a:normAutofit/>
+          </a:bodyPr>
+          <a:lstStyle/>
+          <a:p>
+            <a:pPr marL="514350" indent="-514350">
+              <a:buAutoNum type="arabicPeriod"/>
+            </a:pPr>
+            <a:r>
+              <a:rPr lang="en-US" dirty="0">
+                <a:cs typeface="Calibri" panose="020F0502020204030204"/>
+              </a:rPr>
+              <a:t>How to </a:t>
+            </a:r>
+            <a:r>
+              <a:rPr lang="en-US" b="1" dirty="0">
+                <a:cs typeface="Calibri" panose="020F0502020204030204"/>
+              </a:rPr>
+              <a:t>generate N(0, 1)</a:t>
+            </a:r>
+            <a:r>
+              <a:rPr lang="en-US" dirty="0">
+                <a:cs typeface="Calibri" panose="020F0502020204030204"/>
+              </a:rPr>
+              <a:t> from </a:t>
+            </a:r>
+            <a:r>
+              <a:rPr lang="en-US" dirty="0" err="1">
+                <a:cs typeface="Calibri" panose="020F0502020204030204"/>
+              </a:rPr>
+              <a:t>Unif</a:t>
+            </a:r>
+            <a:r>
+              <a:rPr lang="en-US" dirty="0">
+                <a:cs typeface="Calibri" panose="020F0502020204030204"/>
+              </a:rPr>
+              <a:t>(0, 1)</a:t>
+            </a:r>
+          </a:p>
+          <a:p>
+            <a:pPr marL="971550" lvl="1" indent="-514350"/>
+            <a:r>
+              <a:rPr lang="en-US" dirty="0">
+                <a:ea typeface="+mn-lt"/>
+                <a:cs typeface="+mn-lt"/>
+              </a:rPr>
+              <a:t>Inversion sampling</a:t>
+            </a:r>
+          </a:p>
+          <a:p>
+            <a:pPr marL="971550" lvl="1" indent="-514350"/>
+            <a:r>
+              <a:rPr lang="en-US" dirty="0">
+                <a:ea typeface="+mn-lt"/>
+                <a:cs typeface="+mn-lt"/>
+              </a:rPr>
+              <a:t>Box-Muller transform</a:t>
+            </a:r>
+          </a:p>
+          <a:p>
+            <a:pPr marL="971550" lvl="1" indent="-514350"/>
+            <a:r>
+              <a:rPr lang="en-US" dirty="0">
+                <a:ea typeface="+mn-lt"/>
+                <a:cs typeface="+mn-lt"/>
+              </a:rPr>
+              <a:t>"Mystery method"</a:t>
+            </a:r>
+            <a:endParaRPr lang="en-US" dirty="0"/>
+          </a:p>
+          <a:p>
+            <a:pPr marL="514350" indent="-514350">
+              <a:buAutoNum type="arabicPeriod"/>
+            </a:pPr>
+            <a:r>
+              <a:rPr lang="en-US" dirty="0">
+                <a:cs typeface="Calibri" panose="020F0502020204030204"/>
+              </a:rPr>
+              <a:t>How the </a:t>
+            </a:r>
+            <a:r>
+              <a:rPr lang="en-US" b="1" dirty="0">
+                <a:cs typeface="Calibri" panose="020F0502020204030204"/>
+              </a:rPr>
+              <a:t>N(0, 1) generators</a:t>
+            </a:r>
+            <a:r>
+              <a:rPr lang="en-US" dirty="0">
+                <a:cs typeface="Calibri" panose="020F0502020204030204"/>
+              </a:rPr>
+              <a:t> are implemented in R and Python</a:t>
+            </a:r>
+          </a:p>
+          <a:p>
+            <a:pPr marL="514350" indent="-514350">
+              <a:buAutoNum type="arabicPeriod"/>
+            </a:pPr>
+            <a:r>
+              <a:rPr lang="en-US" dirty="0">
+                <a:cs typeface="Calibri" panose="020F0502020204030204"/>
+              </a:rPr>
+              <a:t>How to </a:t>
+            </a:r>
+            <a:r>
+              <a:rPr lang="en-US" b="1" dirty="0">
+                <a:cs typeface="Calibri" panose="020F0502020204030204"/>
+              </a:rPr>
+              <a:t>transform</a:t>
+            </a:r>
+            <a:r>
+              <a:rPr lang="en-US" dirty="0">
+                <a:cs typeface="Calibri" panose="020F0502020204030204"/>
+              </a:rPr>
+              <a:t>                    into  </a:t>
+            </a:r>
+          </a:p>
+          <a:p>
+            <a:pPr marL="514350" indent="-514350">
+              <a:buAutoNum type="arabicPeriod"/>
+            </a:pPr>
+            <a:r>
+              <a:rPr lang="en-US" b="1" dirty="0">
+                <a:cs typeface="Calibri" panose="020F0502020204030204"/>
+              </a:rPr>
+              <a:t>Applications </a:t>
+            </a:r>
+            <a:r>
+              <a:rPr lang="en-US" dirty="0">
+                <a:cs typeface="Calibri" panose="020F0502020204030204"/>
+              </a:rPr>
+              <a:t>of Gaussian sampling</a:t>
+            </a:r>
+          </a:p>
+        </p:txBody>
+      </p:sp>
+      <p:pic>
+        <p:nvPicPr>
+          <p:cNvPr id="4" name="Picture 4" descr="A close up of a logo&#10;&#10;Description generated with very high confidence">
+            <a:extLst>
+              <a:ext uri="{FF2B5EF4-FFF2-40B4-BE49-F238E27FC236}">
+                <a16:creationId xmlns:a16="http://schemas.microsoft.com/office/drawing/2014/main" id="{8FF8DD36-3D90-4A1E-A505-460D9EDAD7BF}"/>
+              </a:ext>
+            </a:extLst>
+          </p:cNvPr>
+          <p:cNvPicPr>
+            <a:picLocks noChangeAspect="1"/>
+          </p:cNvPicPr>
+          <p:nvPr/>
+        </p:nvPicPr>
+        <p:blipFill>
+          <a:blip r:embed="rId2"/>
+          <a:stretch>
+            <a:fillRect/>
+          </a:stretch>
+        </p:blipFill>
+        <p:spPr>
+          <a:xfrm>
+            <a:off x="4110038" y="4000500"/>
+            <a:ext cx="1409700" cy="600075"/>
+          </a:xfrm>
+          <a:prstGeom prst="rect">
+            <a:avLst/>
+          </a:prstGeom>
+        </p:spPr>
+      </p:pic>
+      <p:pic>
+        <p:nvPicPr>
+          <p:cNvPr id="6" name="Picture 6" descr="A close up of a logo&#10;&#10;Description generated with very high confidence">
+            <a:extLst>
+              <a:ext uri="{FF2B5EF4-FFF2-40B4-BE49-F238E27FC236}">
+                <a16:creationId xmlns:a16="http://schemas.microsoft.com/office/drawing/2014/main" id="{07FE4C23-8D85-417F-8CCF-AB13125A1C69}"/>
+              </a:ext>
+            </a:extLst>
+          </p:cNvPr>
+          <p:cNvPicPr>
+            <a:picLocks noChangeAspect="1"/>
+          </p:cNvPicPr>
+          <p:nvPr/>
+        </p:nvPicPr>
+        <p:blipFill>
+          <a:blip r:embed="rId3"/>
+          <a:stretch>
+            <a:fillRect/>
+          </a:stretch>
+        </p:blipFill>
+        <p:spPr>
+          <a:xfrm>
+            <a:off x="6247667" y="3960567"/>
+            <a:ext cx="2743200" cy="669303"/>
+          </a:xfrm>
+          <a:prstGeom prst="rect">
+            <a:avLst/>
+          </a:prstGeom>
+        </p:spPr>
+      </p:pic>
+    </p:spTree>
+    <p:extLst>
+      <p:ext uri="{BB962C8B-B14F-4D97-AF65-F5344CB8AC3E}">
+        <p14:creationId xmlns:p14="http://schemas.microsoft.com/office/powerpoint/2010/main" val="1592432368"/>
+      </p:ext>
+    </p:extLst>
+  </p:cSld>
+  <p:clrMapOvr>
+    <a:masterClrMapping/>
+  </p:clrMapOvr>
+</p:sld>
+</file>
+
+<file path=ppt/slides/slide5.xml><?xml version="1.0" encoding="utf-8"?>
+<p:sld xmlns:a="http://schemas.openxmlformats.org/drawingml/2006/main" xmlns:r="http://schemas.openxmlformats.org/officeDocument/2006/relationships" xmlns:p="http://schemas.openxmlformats.org/presentationml/2006/main">
+  <p:cSld>
+    <p:spTree>
+      <p:nvGrpSpPr>
+        <p:cNvPr id="1" name=""/>
+        <p:cNvGrpSpPr/>
+        <p:nvPr/>
+      </p:nvGrpSpPr>
+      <p:grpSpPr>
+        <a:xfrm>
+          <a:off x="0" y="0"/>
+          <a:ext cx="0" cy="0"/>
+          <a:chOff x="0" y="0"/>
+          <a:chExt cx="0" cy="0"/>
+        </a:xfrm>
+      </p:grpSpPr>
+      <p:sp>
+        <p:nvSpPr>
+          <p:cNvPr id="2" name="Title 1">
+            <a:extLst>
+              <a:ext uri="{FF2B5EF4-FFF2-40B4-BE49-F238E27FC236}">
+                <a16:creationId xmlns:a16="http://schemas.microsoft.com/office/drawing/2014/main" id="{D1A5488A-9DCA-47B7-8416-78075CCF6B01}"/>
+              </a:ext>
+            </a:extLst>
+          </p:cNvPr>
+          <p:cNvSpPr>
+            <a:spLocks noGrp="1"/>
+          </p:cNvSpPr>
+          <p:nvPr>
+            <p:ph type="title"/>
+          </p:nvPr>
+        </p:nvSpPr>
+        <p:spPr/>
+        <p:txBody>
+          <a:bodyPr/>
+          <a:lstStyle/>
+          <a:p>
+            <a:r>
+              <a:rPr lang="en-US" dirty="0">
+                <a:cs typeface="Calibri Light"/>
+              </a:rPr>
+              <a:t>Inversion sampling</a:t>
+            </a:r>
+            <a:endParaRPr lang="en-US" dirty="0"/>
+          </a:p>
+        </p:txBody>
+      </p:sp>
+      <p:sp>
+        <p:nvSpPr>
+          <p:cNvPr id="6" name="TextBox 5">
+            <a:extLst>
+              <a:ext uri="{FF2B5EF4-FFF2-40B4-BE49-F238E27FC236}">
+                <a16:creationId xmlns:a16="http://schemas.microsoft.com/office/drawing/2014/main" id="{D3A551FF-66BE-4338-AFA7-FB3BCD7260C4}"/>
+              </a:ext>
+            </a:extLst>
+          </p:cNvPr>
+          <p:cNvSpPr txBox="1"/>
+          <p:nvPr/>
+        </p:nvSpPr>
+        <p:spPr>
+          <a:xfrm>
+            <a:off x="834656" y="1472609"/>
+            <a:ext cx="4126983" cy="369332"/>
+          </a:xfrm>
+          <a:prstGeom prst="rect">
+            <a:avLst/>
+          </a:prstGeom>
+          <a:noFill/>
+        </p:spPr>
+        <p:txBody>
+          <a:bodyPr rot="0" spcFirstLastPara="0" vertOverflow="overflow" horzOverflow="overflow" vert="horz" wrap="square" lIns="91440" tIns="45720" rIns="91440" bIns="45720" numCol="1" spcCol="0" rtlCol="0" fromWordArt="0" anchor="t" anchorCtr="0" forceAA="0" compatLnSpc="1">
+            <a:prstTxWarp prst="textNoShape">
+              <a:avLst/>
+            </a:prstTxWarp>
+            <a:spAutoFit/>
+          </a:bodyPr>
+          <a:lstStyle/>
+          <a:p>
+            <a:r>
+              <a:rPr lang="en-US" u="sng" dirty="0">
+                <a:cs typeface="Calibri"/>
+              </a:rPr>
+              <a:t>Probability density function of X ~ N(0, 1)</a:t>
+            </a:r>
+          </a:p>
+        </p:txBody>
+      </p:sp>
+      <p:pic>
+        <p:nvPicPr>
+          <p:cNvPr id="27" name="Picture 27" descr="A screenshot of a cell phone&#10;&#10;Description generated with very high confidence">
+            <a:extLst>
+              <a:ext uri="{FF2B5EF4-FFF2-40B4-BE49-F238E27FC236}">
+                <a16:creationId xmlns:a16="http://schemas.microsoft.com/office/drawing/2014/main" id="{16E37CDE-9D59-4F42-B033-4E736172350F}"/>
+              </a:ext>
+            </a:extLst>
+          </p:cNvPr>
+          <p:cNvPicPr>
+            <a:picLocks noChangeAspect="1"/>
+          </p:cNvPicPr>
+          <p:nvPr/>
+        </p:nvPicPr>
+        <p:blipFill>
+          <a:blip r:embed="rId2"/>
+          <a:stretch>
+            <a:fillRect/>
+          </a:stretch>
+        </p:blipFill>
+        <p:spPr>
+          <a:xfrm>
+            <a:off x="4702907" y="2960078"/>
+            <a:ext cx="3268052" cy="3268052"/>
+          </a:xfrm>
+          <a:prstGeom prst="rect">
+            <a:avLst/>
+          </a:prstGeom>
+        </p:spPr>
+      </p:pic>
+      <p:pic>
+        <p:nvPicPr>
+          <p:cNvPr id="29" name="Picture 29" descr="A screenshot of a cell phone&#10;&#10;Description generated with very high confidence">
+            <a:extLst>
+              <a:ext uri="{FF2B5EF4-FFF2-40B4-BE49-F238E27FC236}">
+                <a16:creationId xmlns:a16="http://schemas.microsoft.com/office/drawing/2014/main" id="{1F21927E-AE0C-4100-8B83-F2AB08DD6CD4}"/>
+              </a:ext>
+            </a:extLst>
+          </p:cNvPr>
+          <p:cNvPicPr>
+            <a:picLocks noChangeAspect="1"/>
+          </p:cNvPicPr>
+          <p:nvPr/>
+        </p:nvPicPr>
+        <p:blipFill>
+          <a:blip r:embed="rId3"/>
+          <a:stretch>
+            <a:fillRect/>
+          </a:stretch>
+        </p:blipFill>
+        <p:spPr>
+          <a:xfrm>
+            <a:off x="864822" y="2963741"/>
+            <a:ext cx="3280507" cy="3280507"/>
+          </a:xfrm>
+          <a:prstGeom prst="rect">
+            <a:avLst/>
+          </a:prstGeom>
+        </p:spPr>
+      </p:pic>
+      <p:pic>
+        <p:nvPicPr>
+          <p:cNvPr id="33" name="Picture 33" descr="A screenshot of a cell phone&#10;&#10;Description generated with very high confidence">
+            <a:extLst>
+              <a:ext uri="{FF2B5EF4-FFF2-40B4-BE49-F238E27FC236}">
+                <a16:creationId xmlns:a16="http://schemas.microsoft.com/office/drawing/2014/main" id="{1F059A8F-C771-451E-BDE8-E4652604AF44}"/>
+              </a:ext>
+            </a:extLst>
+          </p:cNvPr>
+          <p:cNvPicPr>
+            <a:picLocks noChangeAspect="1"/>
+          </p:cNvPicPr>
+          <p:nvPr/>
+        </p:nvPicPr>
+        <p:blipFill>
+          <a:blip r:embed="rId4"/>
+          <a:stretch>
+            <a:fillRect/>
+          </a:stretch>
+        </p:blipFill>
+        <p:spPr>
+          <a:xfrm>
+            <a:off x="8543925" y="2960077"/>
+            <a:ext cx="3267075" cy="3267075"/>
+          </a:xfrm>
+          <a:prstGeom prst="rect">
+            <a:avLst/>
+          </a:prstGeom>
+        </p:spPr>
+      </p:pic>
+      <p:pic>
+        <p:nvPicPr>
+          <p:cNvPr id="3" name="Picture 3" descr="A picture containing object, clock, meter&#10;&#10;Description generated with very high confidence">
+            <a:extLst>
+              <a:ext uri="{FF2B5EF4-FFF2-40B4-BE49-F238E27FC236}">
+                <a16:creationId xmlns:a16="http://schemas.microsoft.com/office/drawing/2014/main" id="{A28EEC8B-CEC7-4253-8A66-F04262631CA1}"/>
+              </a:ext>
+            </a:extLst>
+          </p:cNvPr>
+          <p:cNvPicPr>
+            <a:picLocks noChangeAspect="1"/>
+          </p:cNvPicPr>
+          <p:nvPr/>
+        </p:nvPicPr>
+        <p:blipFill>
+          <a:blip r:embed="rId5"/>
+          <a:stretch>
+            <a:fillRect/>
+          </a:stretch>
+        </p:blipFill>
+        <p:spPr>
+          <a:xfrm>
+            <a:off x="5106621" y="2193585"/>
+            <a:ext cx="2743200" cy="775380"/>
+          </a:xfrm>
+          <a:prstGeom prst="rect">
+            <a:avLst/>
+          </a:prstGeom>
+        </p:spPr>
+      </p:pic>
+      <p:pic>
+        <p:nvPicPr>
+          <p:cNvPr id="5" name="Picture 6" descr="A close up of a logo&#10;&#10;Description generated with very high confidence">
+            <a:extLst>
+              <a:ext uri="{FF2B5EF4-FFF2-40B4-BE49-F238E27FC236}">
+                <a16:creationId xmlns:a16="http://schemas.microsoft.com/office/drawing/2014/main" id="{7E495A4D-1185-45BB-A5C4-6145439B62C7}"/>
+              </a:ext>
+            </a:extLst>
+          </p:cNvPr>
+          <p:cNvPicPr>
+            <a:picLocks noChangeAspect="1"/>
+          </p:cNvPicPr>
+          <p:nvPr/>
+        </p:nvPicPr>
+        <p:blipFill>
+          <a:blip r:embed="rId6"/>
+          <a:stretch>
+            <a:fillRect/>
+          </a:stretch>
+        </p:blipFill>
+        <p:spPr>
+          <a:xfrm>
+            <a:off x="1859498" y="2187942"/>
+            <a:ext cx="1663850" cy="772502"/>
+          </a:xfrm>
+          <a:prstGeom prst="rect">
+            <a:avLst/>
+          </a:prstGeom>
+        </p:spPr>
+      </p:pic>
+      <p:pic>
+        <p:nvPicPr>
+          <p:cNvPr id="8" name="Picture 8" descr="A picture containing clock, flower&#10;&#10;Description generated with very high confidence">
+            <a:extLst>
+              <a:ext uri="{FF2B5EF4-FFF2-40B4-BE49-F238E27FC236}">
+                <a16:creationId xmlns:a16="http://schemas.microsoft.com/office/drawing/2014/main" id="{389A465E-1831-48BA-A9EA-42389B6C9EC8}"/>
+              </a:ext>
+            </a:extLst>
+          </p:cNvPr>
+          <p:cNvPicPr>
+            <a:picLocks noChangeAspect="1"/>
+          </p:cNvPicPr>
+          <p:nvPr/>
+        </p:nvPicPr>
+        <p:blipFill>
+          <a:blip r:embed="rId7"/>
+          <a:stretch>
+            <a:fillRect/>
+          </a:stretch>
+        </p:blipFill>
+        <p:spPr>
+          <a:xfrm>
+            <a:off x="9188938" y="2191753"/>
+            <a:ext cx="2362200" cy="764878"/>
+          </a:xfrm>
+          <a:prstGeom prst="rect">
+            <a:avLst/>
+          </a:prstGeom>
+        </p:spPr>
+      </p:pic>
+      <p:sp>
+        <p:nvSpPr>
+          <p:cNvPr id="10" name="TextBox 9">
+            <a:extLst>
+              <a:ext uri="{FF2B5EF4-FFF2-40B4-BE49-F238E27FC236}">
+                <a16:creationId xmlns:a16="http://schemas.microsoft.com/office/drawing/2014/main" id="{840DC341-C4EB-4184-8362-06E4504A170E}"/>
+              </a:ext>
+            </a:extLst>
+          </p:cNvPr>
+          <p:cNvSpPr txBox="1"/>
+          <p:nvPr/>
+        </p:nvSpPr>
+        <p:spPr>
+          <a:xfrm>
+            <a:off x="5800725" y="5981700"/>
+            <a:ext cx="400050" cy="369332"/>
+          </a:xfrm>
+          <a:prstGeom prst="rect">
+            <a:avLst/>
+          </a:prstGeom>
+          <a:noFill/>
+        </p:spPr>
+        <p:txBody>
+          <a:bodyPr rot="0" spcFirstLastPara="0" vertOverflow="overflow" horzOverflow="overflow" vert="horz" wrap="square" lIns="91440" tIns="45720" rIns="91440" bIns="45720" numCol="1" spcCol="0" rtlCol="0" fromWordArt="0" anchor="t" anchorCtr="0" forceAA="0" compatLnSpc="1">
+            <a:prstTxWarp prst="textNoShape">
+              <a:avLst/>
+            </a:prstTxWarp>
+            <a:spAutoFit/>
+          </a:bodyPr>
+          <a:lstStyle/>
+          <a:p>
+            <a:pPr algn="l"/>
+            <a:r>
+              <a:rPr lang="en-US" dirty="0">
+                <a:solidFill>
+                  <a:srgbClr val="D42728"/>
+                </a:solidFill>
+              </a:rPr>
+              <a:t>a</a:t>
+            </a:r>
+            <a:endParaRPr lang="en-US" dirty="0">
+              <a:solidFill>
+                <a:srgbClr val="D42728"/>
+              </a:solidFill>
+              <a:cs typeface="Calibri"/>
+            </a:endParaRPr>
+          </a:p>
+        </p:txBody>
+      </p:sp>
+      <p:sp>
+        <p:nvSpPr>
+          <p:cNvPr id="14" name="TextBox 13">
+            <a:extLst>
+              <a:ext uri="{FF2B5EF4-FFF2-40B4-BE49-F238E27FC236}">
+                <a16:creationId xmlns:a16="http://schemas.microsoft.com/office/drawing/2014/main" id="{6EB5D649-3A37-4AC6-B6C4-43335BC8EF18}"/>
+              </a:ext>
+            </a:extLst>
+          </p:cNvPr>
+          <p:cNvSpPr txBox="1"/>
+          <p:nvPr/>
+        </p:nvSpPr>
+        <p:spPr>
+          <a:xfrm>
+            <a:off x="6619875" y="5981700"/>
+            <a:ext cx="400050" cy="369332"/>
+          </a:xfrm>
+          <a:prstGeom prst="rect">
+            <a:avLst/>
+          </a:prstGeom>
+          <a:noFill/>
+        </p:spPr>
+        <p:txBody>
+          <a:bodyPr rot="0" spcFirstLastPara="0" vertOverflow="overflow" horzOverflow="overflow" vert="horz" wrap="square" lIns="91440" tIns="45720" rIns="91440" bIns="45720" numCol="1" spcCol="0" rtlCol="0" fromWordArt="0" anchor="t" anchorCtr="0" forceAA="0" compatLnSpc="1">
+            <a:prstTxWarp prst="textNoShape">
+              <a:avLst/>
+            </a:prstTxWarp>
+            <a:spAutoFit/>
+          </a:bodyPr>
+          <a:lstStyle/>
+          <a:p>
+            <a:pPr algn="l"/>
+            <a:r>
+              <a:rPr lang="en-US" dirty="0">
+                <a:solidFill>
+                  <a:srgbClr val="D42728"/>
+                </a:solidFill>
+              </a:rPr>
+              <a:t>b</a:t>
+            </a:r>
+            <a:endParaRPr lang="en-US" dirty="0">
+              <a:solidFill>
+                <a:srgbClr val="D42728"/>
+              </a:solidFill>
+              <a:cs typeface="Calibri"/>
+            </a:endParaRPr>
+          </a:p>
+        </p:txBody>
+      </p:sp>
+      <p:sp>
+        <p:nvSpPr>
+          <p:cNvPr id="11" name="TextBox 10">
+            <a:extLst>
+              <a:ext uri="{FF2B5EF4-FFF2-40B4-BE49-F238E27FC236}">
+                <a16:creationId xmlns:a16="http://schemas.microsoft.com/office/drawing/2014/main" id="{E614FC1F-B3D8-4A34-98AB-B135A9618701}"/>
+              </a:ext>
+            </a:extLst>
+          </p:cNvPr>
+          <p:cNvSpPr txBox="1"/>
+          <p:nvPr/>
+        </p:nvSpPr>
+        <p:spPr>
+          <a:xfrm>
+            <a:off x="10429875" y="5981700"/>
+            <a:ext cx="361950" cy="369332"/>
+          </a:xfrm>
+          <a:prstGeom prst="rect">
+            <a:avLst/>
+          </a:prstGeom>
+          <a:noFill/>
+        </p:spPr>
+        <p:txBody>
+          <a:bodyPr rot="0" spcFirstLastPara="0" vertOverflow="overflow" horzOverflow="overflow" vert="horz" wrap="square" lIns="91440" tIns="45720" rIns="91440" bIns="45720" numCol="1" spcCol="0" rtlCol="0" fromWordArt="0" anchor="t" anchorCtr="0" forceAA="0" compatLnSpc="1">
+            <a:prstTxWarp prst="textNoShape">
+              <a:avLst/>
+            </a:prstTxWarp>
+            <a:spAutoFit/>
+          </a:bodyPr>
+          <a:lstStyle/>
+          <a:p>
+            <a:pPr algn="ctr"/>
+            <a:r>
+              <a:rPr lang="en-US" dirty="0">
+                <a:solidFill>
+                  <a:srgbClr val="2CA02C"/>
+                </a:solidFill>
+              </a:rPr>
+              <a:t>x</a:t>
+            </a:r>
+            <a:endParaRPr lang="en-US" dirty="0">
+              <a:solidFill>
+                <a:srgbClr val="2CA02C"/>
+              </a:solidFill>
+              <a:cs typeface="Calibri"/>
+            </a:endParaRPr>
+          </a:p>
+        </p:txBody>
+      </p:sp>
+      <p:sp>
+        <p:nvSpPr>
+          <p:cNvPr id="12" name="TextBox 11">
+            <a:extLst>
+              <a:ext uri="{FF2B5EF4-FFF2-40B4-BE49-F238E27FC236}">
+                <a16:creationId xmlns:a16="http://schemas.microsoft.com/office/drawing/2014/main" id="{7CECC59A-38F2-4DF4-A860-CE8FEA13F52F}"/>
+              </a:ext>
+            </a:extLst>
+          </p:cNvPr>
+          <p:cNvSpPr txBox="1"/>
+          <p:nvPr/>
+        </p:nvSpPr>
+        <p:spPr>
+          <a:xfrm>
+            <a:off x="7820025" y="1476375"/>
+            <a:ext cx="2362200" cy="646331"/>
+          </a:xfrm>
+          <a:prstGeom prst="rect">
+            <a:avLst/>
+          </a:prstGeom>
+          <a:noFill/>
+        </p:spPr>
+        <p:txBody>
+          <a:bodyPr rot="0" spcFirstLastPara="0" vertOverflow="overflow" horzOverflow="overflow" vert="horz" wrap="square" lIns="91440" tIns="45720" rIns="91440" bIns="45720" numCol="1" spcCol="0" rtlCol="0" fromWordArt="0" anchor="t" anchorCtr="0" forceAA="0" compatLnSpc="1">
+            <a:prstTxWarp prst="textNoShape">
+              <a:avLst/>
+            </a:prstTxWarp>
+            <a:spAutoFit/>
+          </a:bodyPr>
+          <a:lstStyle/>
+          <a:p>
+            <a:r>
+              <a:rPr lang="en-US" dirty="0">
+                <a:solidFill>
+                  <a:srgbClr val="2CA02C"/>
+                </a:solidFill>
+              </a:rPr>
+              <a:t>Cumulative probability = Area to left of x</a:t>
+            </a:r>
+            <a:endParaRPr lang="en-US" dirty="0">
+              <a:solidFill>
+                <a:srgbClr val="2CA02C"/>
+              </a:solidFill>
+              <a:cs typeface="Calibri"/>
+            </a:endParaRPr>
+          </a:p>
+        </p:txBody>
+      </p:sp>
+      <p:cxnSp>
+        <p:nvCxnSpPr>
+          <p:cNvPr id="13" name="Straight Arrow Connector 12">
+            <a:extLst>
+              <a:ext uri="{FF2B5EF4-FFF2-40B4-BE49-F238E27FC236}">
+                <a16:creationId xmlns:a16="http://schemas.microsoft.com/office/drawing/2014/main" id="{8E7A59A6-C2B9-4B44-B09F-CC2AC5CD192C}"/>
+              </a:ext>
+            </a:extLst>
+          </p:cNvPr>
+          <p:cNvCxnSpPr/>
+          <p:nvPr/>
+        </p:nvCxnSpPr>
+        <p:spPr>
+          <a:xfrm flipH="1" flipV="1">
+            <a:off x="9439275" y="2085975"/>
+            <a:ext cx="133350" cy="390525"/>
+          </a:xfrm>
+          <a:prstGeom prst="straightConnector1">
+            <a:avLst/>
+          </a:prstGeom>
+          <a:ln>
+            <a:solidFill>
+              <a:srgbClr val="2CA02C"/>
+            </a:solidFill>
+            <a:tailEnd type="triangle"/>
+          </a:ln>
+        </p:spPr>
+        <p:style>
+          <a:lnRef idx="1">
+            <a:schemeClr val="accent1"/>
+          </a:lnRef>
+          <a:fillRef idx="0">
+            <a:schemeClr val="accent1"/>
+          </a:fillRef>
+          <a:effectRef idx="0">
+            <a:schemeClr val="accent1"/>
+          </a:effectRef>
+          <a:fontRef idx="minor">
+            <a:schemeClr val="tx1"/>
+          </a:fontRef>
+        </p:style>
+      </p:cxnSp>
+      <p:sp>
+        <p:nvSpPr>
+          <p:cNvPr id="18" name="TextBox 17">
+            <a:extLst>
+              <a:ext uri="{FF2B5EF4-FFF2-40B4-BE49-F238E27FC236}">
+                <a16:creationId xmlns:a16="http://schemas.microsoft.com/office/drawing/2014/main" id="{91D37F2B-426B-4873-9B01-A8BF318CF1F2}"/>
+              </a:ext>
+            </a:extLst>
+          </p:cNvPr>
+          <p:cNvSpPr txBox="1"/>
+          <p:nvPr/>
+        </p:nvSpPr>
+        <p:spPr>
+          <a:xfrm>
+            <a:off x="10210799" y="1476375"/>
+            <a:ext cx="2362200" cy="646331"/>
+          </a:xfrm>
+          <a:prstGeom prst="rect">
+            <a:avLst/>
+          </a:prstGeom>
+          <a:noFill/>
+        </p:spPr>
+        <p:txBody>
+          <a:bodyPr rot="0" spcFirstLastPara="0" vertOverflow="overflow" horzOverflow="overflow" vert="horz" wrap="square" lIns="91440" tIns="45720" rIns="91440" bIns="45720" numCol="1" spcCol="0" rtlCol="0" fromWordArt="0" anchor="t" anchorCtr="0" forceAA="0" compatLnSpc="1">
+            <a:prstTxWarp prst="textNoShape">
+              <a:avLst/>
+            </a:prstTxWarp>
+            <a:spAutoFit/>
+          </a:bodyPr>
+          <a:lstStyle/>
+          <a:p>
+            <a:r>
+              <a:rPr lang="en-US" dirty="0">
+                <a:solidFill>
+                  <a:srgbClr val="2CA02C"/>
+                </a:solidFill>
+              </a:rPr>
+              <a:t>Function that maps</a:t>
+            </a:r>
+          </a:p>
+          <a:p>
+            <a:r>
+              <a:rPr lang="en-US" dirty="0">
+                <a:solidFill>
+                  <a:srgbClr val="2CA02C"/>
+                </a:solidFill>
+                <a:cs typeface="Calibri"/>
+              </a:rPr>
+              <a:t>Position (x) </a:t>
+            </a:r>
+            <a:r>
+              <a:rPr lang="en-US" dirty="0">
+                <a:solidFill>
+                  <a:srgbClr val="2CA02C"/>
+                </a:solidFill>
+                <a:ea typeface="+mn-lt"/>
+                <a:cs typeface="+mn-lt"/>
+              </a:rPr>
+              <a:t>⇨</a:t>
+            </a:r>
+            <a:r>
+              <a:rPr lang="en-US" dirty="0">
+                <a:solidFill>
+                  <a:srgbClr val="2CA02C"/>
+                </a:solidFill>
+                <a:cs typeface="Calibri"/>
+              </a:rPr>
+              <a:t> Area</a:t>
+            </a:r>
+          </a:p>
+        </p:txBody>
+      </p:sp>
+      <p:cxnSp>
+        <p:nvCxnSpPr>
+          <p:cNvPr id="19" name="Straight Arrow Connector 18">
+            <a:extLst>
+              <a:ext uri="{FF2B5EF4-FFF2-40B4-BE49-F238E27FC236}">
+                <a16:creationId xmlns:a16="http://schemas.microsoft.com/office/drawing/2014/main" id="{35C4C8BD-D4EC-46D5-BB79-659732A062C9}"/>
+              </a:ext>
+            </a:extLst>
+          </p:cNvPr>
+          <p:cNvCxnSpPr>
+            <a:cxnSpLocks/>
+          </p:cNvCxnSpPr>
+          <p:nvPr/>
+        </p:nvCxnSpPr>
+        <p:spPr>
+          <a:xfrm flipV="1">
+            <a:off x="10544174" y="2095500"/>
+            <a:ext cx="209550" cy="371475"/>
+          </a:xfrm>
+          <a:prstGeom prst="straightConnector1">
+            <a:avLst/>
+          </a:prstGeom>
+          <a:ln>
+            <a:solidFill>
+              <a:srgbClr val="2CA02C"/>
+            </a:solidFill>
+            <a:tailEnd type="triangle"/>
+          </a:ln>
+        </p:spPr>
+        <p:style>
+          <a:lnRef idx="1">
+            <a:schemeClr val="accent1"/>
+          </a:lnRef>
+          <a:fillRef idx="0">
+            <a:schemeClr val="accent1"/>
+          </a:fillRef>
+          <a:effectRef idx="0">
+            <a:schemeClr val="accent1"/>
+          </a:effectRef>
+          <a:fontRef idx="minor">
+            <a:schemeClr val="tx1"/>
+          </a:fontRef>
+        </p:style>
+      </p:cxnSp>
+    </p:spTree>
+    <p:extLst>
+      <p:ext uri="{BB962C8B-B14F-4D97-AF65-F5344CB8AC3E}">
+        <p14:creationId xmlns:p14="http://schemas.microsoft.com/office/powerpoint/2010/main" val="3227659741"/>
+      </p:ext>
+    </p:extLst>
+  </p:cSld>
+  <p:clrMapOvr>
+    <a:masterClrMapping/>
+  </p:clrMapOvr>
+</p:sld>
+</file>
+
+<file path=ppt/slides/slide6.xml><?xml version="1.0" encoding="utf-8"?>
+<p:sld xmlns:a="http://schemas.openxmlformats.org/drawingml/2006/main" xmlns:r="http://schemas.openxmlformats.org/officeDocument/2006/relationships" xmlns:p="http://schemas.openxmlformats.org/presentationml/2006/main">
+  <p:cSld>
+    <p:spTree>
+      <p:nvGrpSpPr>
+        <p:cNvPr id="1" name=""/>
+        <p:cNvGrpSpPr/>
+        <p:nvPr/>
+      </p:nvGrpSpPr>
+      <p:grpSpPr>
+        <a:xfrm>
+          <a:off x="0" y="0"/>
+          <a:ext cx="0" cy="0"/>
+          <a:chOff x="0" y="0"/>
+          <a:chExt cx="0" cy="0"/>
+        </a:xfrm>
+      </p:grpSpPr>
+      <p:sp>
+        <p:nvSpPr>
+          <p:cNvPr id="2" name="Title 1">
+            <a:extLst>
+              <a:ext uri="{FF2B5EF4-FFF2-40B4-BE49-F238E27FC236}">
+                <a16:creationId xmlns:a16="http://schemas.microsoft.com/office/drawing/2014/main" id="{612B9DC5-26DF-4A5E-BA58-B1B1555BD3EE}"/>
+              </a:ext>
+            </a:extLst>
+          </p:cNvPr>
+          <p:cNvSpPr>
+            <a:spLocks noGrp="1"/>
+          </p:cNvSpPr>
+          <p:nvPr>
+            <p:ph type="title"/>
+          </p:nvPr>
+        </p:nvSpPr>
+        <p:spPr/>
+        <p:txBody>
+          <a:bodyPr/>
+          <a:lstStyle/>
+          <a:p>
+            <a:r>
+              <a:rPr lang="en-US" dirty="0">
+                <a:cs typeface="Calibri Light"/>
+              </a:rPr>
+              <a:t>Cumulative distribution function</a:t>
+            </a:r>
+            <a:endParaRPr lang="en-US" dirty="0"/>
+          </a:p>
+        </p:txBody>
+      </p:sp>
+      <p:sp>
+        <p:nvSpPr>
+          <p:cNvPr id="4" name="TextBox 3">
+            <a:extLst>
+              <a:ext uri="{FF2B5EF4-FFF2-40B4-BE49-F238E27FC236}">
+                <a16:creationId xmlns:a16="http://schemas.microsoft.com/office/drawing/2014/main" id="{9FA4F836-9B6E-4423-85FD-2238E22B43BC}"/>
+              </a:ext>
+            </a:extLst>
+          </p:cNvPr>
+          <p:cNvSpPr txBox="1"/>
+          <p:nvPr/>
+        </p:nvSpPr>
+        <p:spPr>
+          <a:xfrm>
+            <a:off x="838200" y="1428750"/>
+            <a:ext cx="8382000" cy="369332"/>
+          </a:xfrm>
+          <a:prstGeom prst="rect">
+            <a:avLst/>
+          </a:prstGeom>
+          <a:noFill/>
+        </p:spPr>
+        <p:txBody>
+          <a:bodyPr rot="0" spcFirstLastPara="0" vertOverflow="overflow" horzOverflow="overflow" vert="horz" wrap="square" lIns="91440" tIns="45720" rIns="91440" bIns="45720" numCol="1" spcCol="0" rtlCol="0" fromWordArt="0" anchor="t" anchorCtr="0" forceAA="0" compatLnSpc="1">
+            <a:prstTxWarp prst="textNoShape">
+              <a:avLst/>
+            </a:prstTxWarp>
+            <a:spAutoFit/>
+          </a:bodyPr>
+          <a:lstStyle/>
+          <a:p>
+            <a:r>
+              <a:rPr lang="en-US" dirty="0"/>
+              <a:t>Converts </a:t>
+            </a:r>
+            <a:r>
+              <a:rPr lang="en-US" dirty="0">
+                <a:solidFill>
+                  <a:srgbClr val="1E77B3"/>
+                </a:solidFill>
+              </a:rPr>
+              <a:t>position </a:t>
+            </a:r>
+            <a:r>
+              <a:rPr lang="en-US" dirty="0">
+                <a:solidFill>
+                  <a:srgbClr val="000000"/>
+                </a:solidFill>
+              </a:rPr>
+              <a:t>at</a:t>
+            </a:r>
+            <a:r>
+              <a:rPr lang="en-US" dirty="0"/>
+              <a:t> a point into </a:t>
+            </a:r>
+            <a:r>
+              <a:rPr lang="en-US" dirty="0">
+                <a:solidFill>
+                  <a:srgbClr val="2CA02C"/>
+                </a:solidFill>
+              </a:rPr>
+              <a:t>cumulative probability</a:t>
+            </a:r>
+            <a:r>
+              <a:rPr lang="en-US" dirty="0"/>
+              <a:t> (area to the left of that point)</a:t>
+            </a:r>
+            <a:endParaRPr lang="en-US" dirty="0">
+              <a:cs typeface="Calibri"/>
+            </a:endParaRPr>
+          </a:p>
+        </p:txBody>
+      </p:sp>
+      <p:pic>
+        <p:nvPicPr>
+          <p:cNvPr id="11" name="Picture 11" descr="A close up of a mans face&#10;&#10;Description generated with very high confidence">
+            <a:extLst>
+              <a:ext uri="{FF2B5EF4-FFF2-40B4-BE49-F238E27FC236}">
+                <a16:creationId xmlns:a16="http://schemas.microsoft.com/office/drawing/2014/main" id="{FD3E58B0-4BB0-427F-805A-0CC5154ECB2D}"/>
+              </a:ext>
+            </a:extLst>
+          </p:cNvPr>
+          <p:cNvPicPr>
+            <a:picLocks noChangeAspect="1"/>
+          </p:cNvPicPr>
+          <p:nvPr/>
+        </p:nvPicPr>
+        <p:blipFill>
+          <a:blip r:embed="rId2"/>
+          <a:stretch>
+            <a:fillRect/>
+          </a:stretch>
+        </p:blipFill>
+        <p:spPr>
+          <a:xfrm>
+            <a:off x="838200" y="1943100"/>
+            <a:ext cx="4629150" cy="4629150"/>
+          </a:xfrm>
+          <a:prstGeom prst="rect">
+            <a:avLst/>
+          </a:prstGeom>
+        </p:spPr>
+      </p:pic>
+      <p:pic>
+        <p:nvPicPr>
+          <p:cNvPr id="17" name="Picture 17" descr="A picture containing object, clock&#10;&#10;Description generated with very high confidence">
+            <a:extLst>
+              <a:ext uri="{FF2B5EF4-FFF2-40B4-BE49-F238E27FC236}">
+                <a16:creationId xmlns:a16="http://schemas.microsoft.com/office/drawing/2014/main" id="{EFD1BB68-8E49-4472-9895-50C51DC41FD4}"/>
+              </a:ext>
+            </a:extLst>
+          </p:cNvPr>
+          <p:cNvPicPr>
+            <a:picLocks noChangeAspect="1"/>
+          </p:cNvPicPr>
+          <p:nvPr/>
+        </p:nvPicPr>
+        <p:blipFill>
+          <a:blip r:embed="rId3"/>
+          <a:stretch>
+            <a:fillRect/>
+          </a:stretch>
+        </p:blipFill>
+        <p:spPr>
+          <a:xfrm>
+            <a:off x="5502850" y="5820044"/>
+            <a:ext cx="1189892" cy="552450"/>
+          </a:xfrm>
+          <a:prstGeom prst="rect">
+            <a:avLst/>
+          </a:prstGeom>
+        </p:spPr>
+      </p:pic>
+      <p:pic>
+        <p:nvPicPr>
+          <p:cNvPr id="19" name="Picture 19" descr="A picture containing object, clock, meter&#10;&#10;Description generated with very high confidence">
+            <a:extLst>
+              <a:ext uri="{FF2B5EF4-FFF2-40B4-BE49-F238E27FC236}">
+                <a16:creationId xmlns:a16="http://schemas.microsoft.com/office/drawing/2014/main" id="{0525CDAF-8088-4970-9CE8-D58968D4ED8C}"/>
+              </a:ext>
+            </a:extLst>
+          </p:cNvPr>
+          <p:cNvPicPr>
+            <a:picLocks noChangeAspect="1"/>
+          </p:cNvPicPr>
+          <p:nvPr/>
+        </p:nvPicPr>
+        <p:blipFill>
+          <a:blip r:embed="rId4"/>
+          <a:stretch>
+            <a:fillRect/>
+          </a:stretch>
+        </p:blipFill>
+        <p:spPr>
+          <a:xfrm>
+            <a:off x="5463037" y="1866211"/>
+            <a:ext cx="1590675" cy="557601"/>
+          </a:xfrm>
+          <a:prstGeom prst="rect">
+            <a:avLst/>
+          </a:prstGeom>
+        </p:spPr>
+      </p:pic>
+      <p:sp>
+        <p:nvSpPr>
+          <p:cNvPr id="21" name="TextBox 20">
+            <a:extLst>
+              <a:ext uri="{FF2B5EF4-FFF2-40B4-BE49-F238E27FC236}">
+                <a16:creationId xmlns:a16="http://schemas.microsoft.com/office/drawing/2014/main" id="{C8EC6169-5EFD-4064-843F-ED38C89BCD17}"/>
+              </a:ext>
+            </a:extLst>
+          </p:cNvPr>
+          <p:cNvSpPr txBox="1"/>
+          <p:nvPr/>
+        </p:nvSpPr>
+        <p:spPr>
+          <a:xfrm>
+            <a:off x="3352800" y="3981450"/>
+            <a:ext cx="2342072" cy="646331"/>
+          </a:xfrm>
+          <a:prstGeom prst="rect">
+            <a:avLst/>
+          </a:prstGeom>
+          <a:noFill/>
+        </p:spPr>
+        <p:txBody>
+          <a:bodyPr rot="0" spcFirstLastPara="0" vertOverflow="overflow" horzOverflow="overflow" vert="horz" wrap="square" lIns="91440" tIns="45720" rIns="91440" bIns="45720" numCol="1" spcCol="0" rtlCol="0" fromWordArt="0" anchor="t" anchorCtr="0" forceAA="0" compatLnSpc="1">
+            <a:prstTxWarp prst="textNoShape">
+              <a:avLst/>
+            </a:prstTxWarp>
+            <a:spAutoFit/>
+          </a:bodyPr>
+          <a:lstStyle/>
+          <a:p>
+            <a:r>
+              <a:rPr lang="en-US" dirty="0">
+                <a:solidFill>
+                  <a:srgbClr val="1E77B3"/>
+                </a:solidFill>
+              </a:rPr>
+              <a:t>The higher the PDF is at some position ...</a:t>
+            </a:r>
+            <a:endParaRPr lang="en-US" dirty="0">
+              <a:solidFill>
+                <a:srgbClr val="1E77B3"/>
+              </a:solidFill>
+              <a:cs typeface="Calibri"/>
+            </a:endParaRPr>
+          </a:p>
+        </p:txBody>
+      </p:sp>
+      <p:sp>
+        <p:nvSpPr>
+          <p:cNvPr id="22" name="TextBox 21">
+            <a:extLst>
+              <a:ext uri="{FF2B5EF4-FFF2-40B4-BE49-F238E27FC236}">
+                <a16:creationId xmlns:a16="http://schemas.microsoft.com/office/drawing/2014/main" id="{4D919CF6-DF30-4182-8E71-CA666E498809}"/>
+              </a:ext>
+            </a:extLst>
+          </p:cNvPr>
+          <p:cNvSpPr txBox="1"/>
+          <p:nvPr/>
+        </p:nvSpPr>
+        <p:spPr>
+          <a:xfrm>
+            <a:off x="3151516" y="6482032"/>
+            <a:ext cx="3905250" cy="369332"/>
+          </a:xfrm>
+          <a:prstGeom prst="rect">
+            <a:avLst/>
+          </a:prstGeom>
+          <a:noFill/>
+        </p:spPr>
+        <p:txBody>
+          <a:bodyPr rot="0" spcFirstLastPara="0" vertOverflow="overflow" horzOverflow="overflow" vert="horz" wrap="square" lIns="91440" tIns="45720" rIns="91440" bIns="45720" numCol="1" spcCol="0" rtlCol="0" fromWordArt="0" anchor="t" anchorCtr="0" forceAA="0" compatLnSpc="1">
+            <a:prstTxWarp prst="textNoShape">
+              <a:avLst/>
+            </a:prstTxWarp>
+            <a:spAutoFit/>
+          </a:bodyPr>
+          <a:lstStyle/>
+          <a:p>
+            <a:r>
+              <a:rPr lang="en-US" dirty="0">
+                <a:solidFill>
+                  <a:srgbClr val="D42728"/>
+                </a:solidFill>
+              </a:rPr>
+              <a:t>… the denser the samples are around it</a:t>
+            </a:r>
+            <a:endParaRPr lang="en-US">
+              <a:solidFill>
+                <a:srgbClr val="D42728"/>
+              </a:solidFill>
+              <a:cs typeface="Calibri"/>
+            </a:endParaRPr>
+          </a:p>
+        </p:txBody>
+      </p:sp>
+      <p:sp>
+        <p:nvSpPr>
+          <p:cNvPr id="23" name="TextBox 22">
+            <a:extLst>
+              <a:ext uri="{FF2B5EF4-FFF2-40B4-BE49-F238E27FC236}">
+                <a16:creationId xmlns:a16="http://schemas.microsoft.com/office/drawing/2014/main" id="{28D7A2D7-12C0-4C8E-873D-195E8EC65A26}"/>
+              </a:ext>
+            </a:extLst>
+          </p:cNvPr>
+          <p:cNvSpPr txBox="1"/>
+          <p:nvPr/>
+        </p:nvSpPr>
+        <p:spPr>
+          <a:xfrm>
+            <a:off x="3609974" y="2943224"/>
+            <a:ext cx="2654598" cy="646331"/>
+          </a:xfrm>
+          <a:prstGeom prst="rect">
+            <a:avLst/>
+          </a:prstGeom>
+          <a:noFill/>
+        </p:spPr>
+        <p:txBody>
+          <a:bodyPr rot="0" spcFirstLastPara="0" vertOverflow="overflow" horzOverflow="overflow" vert="horz" wrap="square" lIns="91440" tIns="45720" rIns="91440" bIns="45720" numCol="1" spcCol="0" rtlCol="0" fromWordArt="0" anchor="t" anchorCtr="0" forceAA="0" compatLnSpc="1">
+            <a:prstTxWarp prst="textNoShape">
+              <a:avLst/>
+            </a:prstTxWarp>
+            <a:spAutoFit/>
+          </a:bodyPr>
+          <a:lstStyle/>
+          <a:p>
+            <a:r>
+              <a:rPr lang="en-US" dirty="0">
+                <a:solidFill>
+                  <a:srgbClr val="2CA02C"/>
+                </a:solidFill>
+              </a:rPr>
+              <a:t>… the steeper the CDF is at that point</a:t>
+            </a:r>
+            <a:endParaRPr lang="en-US" dirty="0">
+              <a:solidFill>
+                <a:srgbClr val="2CA02C"/>
+              </a:solidFill>
+              <a:cs typeface="Calibri"/>
+            </a:endParaRPr>
+          </a:p>
+        </p:txBody>
+      </p:sp>
+      <p:pic>
+        <p:nvPicPr>
+          <p:cNvPr id="26" name="Picture 26" descr="A picture containing object, clock, meter&#10;&#10;Description generated with very high confidence">
+            <a:extLst>
+              <a:ext uri="{FF2B5EF4-FFF2-40B4-BE49-F238E27FC236}">
+                <a16:creationId xmlns:a16="http://schemas.microsoft.com/office/drawing/2014/main" id="{35B2EE8C-0BA7-4DB1-8EC9-98C0B77DE923}"/>
+              </a:ext>
+            </a:extLst>
+          </p:cNvPr>
+          <p:cNvPicPr>
+            <a:picLocks noChangeAspect="1"/>
+          </p:cNvPicPr>
+          <p:nvPr/>
+        </p:nvPicPr>
+        <p:blipFill>
+          <a:blip r:embed="rId5"/>
+          <a:stretch>
+            <a:fillRect/>
+          </a:stretch>
+        </p:blipFill>
+        <p:spPr>
+          <a:xfrm>
+            <a:off x="7416303" y="3179935"/>
+            <a:ext cx="3706483" cy="2193117"/>
+          </a:xfrm>
+          <a:prstGeom prst="rect">
+            <a:avLst/>
+          </a:prstGeom>
+        </p:spPr>
+      </p:pic>
+      <p:sp>
+        <p:nvSpPr>
+          <p:cNvPr id="29" name="Arrow: Left-Right 28">
+            <a:extLst>
+              <a:ext uri="{FF2B5EF4-FFF2-40B4-BE49-F238E27FC236}">
+                <a16:creationId xmlns:a16="http://schemas.microsoft.com/office/drawing/2014/main" id="{A94C27EB-9039-4041-BA86-0BC265A0C064}"/>
+              </a:ext>
+            </a:extLst>
+          </p:cNvPr>
+          <p:cNvSpPr/>
+          <p:nvPr/>
+        </p:nvSpPr>
+        <p:spPr>
+          <a:xfrm>
+            <a:off x="8318208" y="4220826"/>
+            <a:ext cx="1782535" cy="408214"/>
+          </a:xfrm>
+          <a:prstGeom prst="leftRightArrow">
+            <a:avLst/>
+          </a:prstGeom>
+        </p:spPr>
+        <p:style>
+          <a:lnRef idx="2">
+            <a:schemeClr val="dk1"/>
+          </a:lnRef>
+          <a:fillRef idx="1">
+            <a:schemeClr val="lt1"/>
+          </a:fillRef>
+          <a:effectRef idx="0">
+            <a:schemeClr val="dk1"/>
+          </a:effectRef>
+          <a:fontRef idx="minor">
+            <a:schemeClr val="dk1"/>
+          </a:fontRef>
+        </p:style>
+        <p:txBody>
+          <a:bodyPr rtlCol="0" anchor="ctr"/>
+          <a:lstStyle/>
+          <a:p>
+            <a:pPr algn="ctr"/>
+            <a:endParaRPr lang="en-US"/>
+          </a:p>
+        </p:txBody>
+      </p:sp>
+    </p:spTree>
+    <p:extLst>
+      <p:ext uri="{BB962C8B-B14F-4D97-AF65-F5344CB8AC3E}">
+        <p14:creationId xmlns:p14="http://schemas.microsoft.com/office/powerpoint/2010/main" val="3476953099"/>
+      </p:ext>
+    </p:extLst>
+  </p:cSld>
+  <p:clrMapOvr>
+    <a:masterClrMapping/>
+  </p:clrMapOvr>
+</p:sld>
+</file>
+
+<file path=ppt/slides/slide7.xml><?xml version="1.0" encoding="utf-8"?>
+<p:sld xmlns:a="http://schemas.openxmlformats.org/drawingml/2006/main" xmlns:r="http://schemas.openxmlformats.org/officeDocument/2006/relationships" xmlns:p="http://schemas.openxmlformats.org/presentationml/2006/main">
+  <p:cSld>
+    <p:spTree>
+      <p:nvGrpSpPr>
+        <p:cNvPr id="1" name=""/>
+        <p:cNvGrpSpPr/>
+        <p:nvPr/>
+      </p:nvGrpSpPr>
+      <p:grpSpPr>
+        <a:xfrm>
+          <a:off x="0" y="0"/>
+          <a:ext cx="0" cy="0"/>
+          <a:chOff x="0" y="0"/>
+          <a:chExt cx="0" cy="0"/>
+        </a:xfrm>
+      </p:grpSpPr>
+      <p:sp>
+        <p:nvSpPr>
+          <p:cNvPr id="2" name="Title 1">
+            <a:extLst>
+              <a:ext uri="{FF2B5EF4-FFF2-40B4-BE49-F238E27FC236}">
+                <a16:creationId xmlns:a16="http://schemas.microsoft.com/office/drawing/2014/main" id="{A019CD8B-F77C-4A6D-B7AF-270B3FB6474E}"/>
+              </a:ext>
+            </a:extLst>
+          </p:cNvPr>
+          <p:cNvSpPr>
+            <a:spLocks noGrp="1"/>
+          </p:cNvSpPr>
+          <p:nvPr>
+            <p:ph type="title"/>
+          </p:nvPr>
+        </p:nvSpPr>
+        <p:spPr/>
+        <p:style>
+          <a:lnRef idx="1">
+            <a:schemeClr val="accent1"/>
+          </a:lnRef>
+          <a:fillRef idx="3">
+            <a:schemeClr val="accent1"/>
+          </a:fillRef>
+          <a:effectRef idx="2">
+            <a:schemeClr val="accent1"/>
+          </a:effectRef>
+          <a:fontRef idx="minor">
+            <a:schemeClr val="lt1"/>
+          </a:fontRef>
+        </p:style>
+        <p:txBody>
+          <a:bodyPr>
+            <a:normAutofit fontScale="90000"/>
+          </a:bodyPr>
+          <a:lstStyle/>
+          <a:p>
+            <a:r>
+              <a:rPr lang="en-US" dirty="0">
+                <a:ea typeface="+mj-lt"/>
+                <a:cs typeface="+mj-lt"/>
+              </a:rPr>
+              <a:t>For any distribution, the cumulative probability (left-side area) is always uniformly-distributed!</a:t>
+            </a:r>
+          </a:p>
+        </p:txBody>
+      </p:sp>
+    </p:spTree>
+    <p:extLst>
+      <p:ext uri="{BB962C8B-B14F-4D97-AF65-F5344CB8AC3E}">
+        <p14:creationId xmlns:p14="http://schemas.microsoft.com/office/powerpoint/2010/main" val="2441033548"/>
+      </p:ext>
+    </p:extLst>
+  </p:cSld>
+  <p:clrMapOvr>
+    <a:masterClrMapping/>
+  </p:clrMapOvr>
+</p:sld>
+</file>
+
+<file path=ppt/slides/slide8.xml><?xml version="1.0" encoding="utf-8"?>
 <p:sld xmlns:a="http://schemas.openxmlformats.org/drawingml/2006/main" xmlns:r="http://schemas.openxmlformats.org/officeDocument/2006/relationships" xmlns:p="http://schemas.openxmlformats.org/presentationml/2006/main">
   <p:cSld>
     <p:spTree>
@@ -3762,7 +11447,7 @@
 </p:sld>
 </file>
 
-<file path=ppt/slides/slide3.xml><?xml version="1.0" encoding="utf-8"?>
+<file path=ppt/slides/slide9.xml><?xml version="1.0" encoding="utf-8"?>
 <p:sld xmlns:a="http://schemas.openxmlformats.org/drawingml/2006/main" xmlns:r="http://schemas.openxmlformats.org/officeDocument/2006/relationships" xmlns:p="http://schemas.openxmlformats.org/presentationml/2006/main">
   <p:cSld>
     <p:spTree>
@@ -3801,8 +11486,8 @@
         </p:blipFill>
         <p:spPr>
           <a:xfrm>
-            <a:off x="667619" y="564815"/>
-            <a:ext cx="3098800" cy="1397000"/>
+            <a:off x="667619" y="660065"/>
+            <a:ext cx="1755775" cy="787400"/>
           </a:xfrm>
           <a:prstGeom prst="rect">
             <a:avLst/>
@@ -3831,8 +11516,8 @@
         </p:blipFill>
         <p:spPr>
           <a:xfrm>
-            <a:off x="667619" y="2818207"/>
-            <a:ext cx="6489700" cy="1600200"/>
+            <a:off x="667619" y="2427682"/>
+            <a:ext cx="4241800" cy="1047750"/>
           </a:xfrm>
           <a:prstGeom prst="rect">
             <a:avLst/>
@@ -3861,8 +11546,8 @@
         </p:blipFill>
         <p:spPr>
           <a:xfrm>
-            <a:off x="1399807" y="4541531"/>
-            <a:ext cx="6261100" cy="1663700"/>
+            <a:off x="1133107" y="3589031"/>
+            <a:ext cx="4089400" cy="1092200"/>
           </a:xfrm>
           <a:prstGeom prst="rect">
             <a:avLst/>
@@ -3892,7 +11577,7 @@
           <a:lstStyle/>
           <a:p>
             <a:r>
-              <a:rPr lang="en-US" sz="3000" u="sng"/>
+              <a:rPr lang="en-US" sz="3000" u="sng" dirty="0"/>
               <a:t>PDF of N(0, 1)</a:t>
             </a:r>
           </a:p>
@@ -3906,7 +11591,7 @@
         </p:nvSpPr>
         <p:spPr>
           <a:xfrm>
-            <a:off x="590616" y="2417082"/>
+            <a:off x="590616" y="1874157"/>
             <a:ext cx="2460591" cy="553998"/>
           </a:xfrm>
           <a:prstGeom prst="rect">
@@ -3921,7 +11606,7 @@
           <a:lstStyle/>
           <a:p>
             <a:r>
-              <a:rPr lang="en-US" sz="3000" u="sng"/>
+              <a:rPr lang="en-US" sz="3000" u="sng" dirty="0"/>
               <a:t>CDF of N(0, 1)</a:t>
             </a:r>
           </a:p>
@@ -3935,8 +11620,8 @@
         </p:nvSpPr>
         <p:spPr>
           <a:xfrm rot="5400000">
-            <a:off x="2926281" y="4981019"/>
-            <a:ext cx="262692" cy="2431986"/>
+            <a:off x="2164282" y="3999944"/>
+            <a:ext cx="176967" cy="1584261"/>
           </a:xfrm>
           <a:prstGeom prst="rightBrace">
             <a:avLst>
@@ -3976,8 +11661,8 @@
         </p:nvSpPr>
         <p:spPr>
           <a:xfrm>
-            <a:off x="2646950" y="6304002"/>
-            <a:ext cx="821354" cy="553998"/>
+            <a:off x="1856375" y="4875252"/>
+            <a:ext cx="802304" cy="553998"/>
           </a:xfrm>
           <a:prstGeom prst="rect">
             <a:avLst/>
@@ -4001,6 +11686,211 @@
           </a:p>
         </p:txBody>
       </p:sp>
+      <p:pic>
+        <p:nvPicPr>
+          <p:cNvPr id="2" name="Picture 2" descr="A screenshot of a cell phone&#10;&#10;Description generated with very high confidence">
+            <a:extLst>
+              <a:ext uri="{FF2B5EF4-FFF2-40B4-BE49-F238E27FC236}">
+                <a16:creationId xmlns:a16="http://schemas.microsoft.com/office/drawing/2014/main" id="{3424BC6E-029F-4D6D-9CEB-0FDA35D112B4}"/>
+              </a:ext>
+            </a:extLst>
+          </p:cNvPr>
+          <p:cNvPicPr>
+            <a:picLocks noChangeAspect="1"/>
+          </p:cNvPicPr>
+          <p:nvPr/>
+        </p:nvPicPr>
+        <p:blipFill>
+          <a:blip r:embed="rId5"/>
+          <a:stretch>
+            <a:fillRect/>
+          </a:stretch>
+        </p:blipFill>
+        <p:spPr>
+          <a:xfrm>
+            <a:off x="5600700" y="1352550"/>
+            <a:ext cx="3657600" cy="3657600"/>
+          </a:xfrm>
+          <a:prstGeom prst="rect">
+            <a:avLst/>
+          </a:prstGeom>
+        </p:spPr>
+      </p:pic>
+      <p:pic>
+        <p:nvPicPr>
+          <p:cNvPr id="6" name="Picture 17" descr="A picture containing object, clock&#10;&#10;Description generated with very high confidence">
+            <a:extLst>
+              <a:ext uri="{FF2B5EF4-FFF2-40B4-BE49-F238E27FC236}">
+                <a16:creationId xmlns:a16="http://schemas.microsoft.com/office/drawing/2014/main" id="{C9C7D290-82BF-41C5-A66F-88C0F126F22D}"/>
+              </a:ext>
+            </a:extLst>
+          </p:cNvPr>
+          <p:cNvPicPr>
+            <a:picLocks noChangeAspect="1"/>
+          </p:cNvPicPr>
+          <p:nvPr/>
+        </p:nvPicPr>
+        <p:blipFill>
+          <a:blip r:embed="rId6"/>
+          <a:stretch>
+            <a:fillRect/>
+          </a:stretch>
+        </p:blipFill>
+        <p:spPr>
+          <a:xfrm>
+            <a:off x="6998275" y="1486169"/>
+            <a:ext cx="1189892" cy="552450"/>
+          </a:xfrm>
+          <a:prstGeom prst="rect">
+            <a:avLst/>
+          </a:prstGeom>
+        </p:spPr>
+      </p:pic>
+      <p:sp>
+        <p:nvSpPr>
+          <p:cNvPr id="16" name="TextBox 15">
+            <a:extLst>
+              <a:ext uri="{FF2B5EF4-FFF2-40B4-BE49-F238E27FC236}">
+                <a16:creationId xmlns:a16="http://schemas.microsoft.com/office/drawing/2014/main" id="{AD557CCA-4FD1-4898-ACAD-C48FDE59B875}"/>
+              </a:ext>
+            </a:extLst>
+          </p:cNvPr>
+          <p:cNvSpPr txBox="1"/>
+          <p:nvPr/>
+        </p:nvSpPr>
+        <p:spPr>
+          <a:xfrm>
+            <a:off x="7800975" y="4714875"/>
+            <a:ext cx="361950" cy="369332"/>
+          </a:xfrm>
+          <a:prstGeom prst="rect">
+            <a:avLst/>
+          </a:prstGeom>
+          <a:noFill/>
+        </p:spPr>
+        <p:txBody>
+          <a:bodyPr rot="0" spcFirstLastPara="0" vertOverflow="overflow" horzOverflow="overflow" vert="horz" wrap="square" lIns="91440" tIns="45720" rIns="91440" bIns="45720" numCol="1" spcCol="0" rtlCol="0" fromWordArt="0" anchor="t" anchorCtr="0" forceAA="0" compatLnSpc="1">
+            <a:prstTxWarp prst="textNoShape">
+              <a:avLst/>
+            </a:prstTxWarp>
+            <a:spAutoFit/>
+          </a:bodyPr>
+          <a:lstStyle/>
+          <a:p>
+            <a:pPr algn="ctr"/>
+            <a:r>
+              <a:rPr lang="en-US" dirty="0">
+                <a:solidFill>
+                  <a:srgbClr val="D42728"/>
+                </a:solidFill>
+              </a:rPr>
+              <a:t>x</a:t>
+            </a:r>
+            <a:endParaRPr lang="en-US">
+              <a:solidFill>
+                <a:srgbClr val="D42728"/>
+              </a:solidFill>
+              <a:cs typeface="Calibri"/>
+            </a:endParaRPr>
+          </a:p>
+        </p:txBody>
+      </p:sp>
+      <p:pic>
+        <p:nvPicPr>
+          <p:cNvPr id="17" name="Picture 17" descr="A close up of a logo&#10;&#10;Description generated with very high confidence">
+            <a:extLst>
+              <a:ext uri="{FF2B5EF4-FFF2-40B4-BE49-F238E27FC236}">
+                <a16:creationId xmlns:a16="http://schemas.microsoft.com/office/drawing/2014/main" id="{CF58E9C4-817B-4372-B51A-09E5E0AA8D20}"/>
+              </a:ext>
+            </a:extLst>
+          </p:cNvPr>
+          <p:cNvPicPr>
+            <a:picLocks noChangeAspect="1"/>
+          </p:cNvPicPr>
+          <p:nvPr/>
+        </p:nvPicPr>
+        <p:blipFill>
+          <a:blip r:embed="rId7"/>
+          <a:stretch>
+            <a:fillRect/>
+          </a:stretch>
+        </p:blipFill>
+        <p:spPr>
+          <a:xfrm>
+            <a:off x="666750" y="5869587"/>
+            <a:ext cx="2743200" cy="986226"/>
+          </a:xfrm>
+          <a:prstGeom prst="rect">
+            <a:avLst/>
+          </a:prstGeom>
+        </p:spPr>
+      </p:pic>
+      <p:sp>
+        <p:nvSpPr>
+          <p:cNvPr id="19" name="TextBox 18">
+            <a:extLst>
+              <a:ext uri="{FF2B5EF4-FFF2-40B4-BE49-F238E27FC236}">
+                <a16:creationId xmlns:a16="http://schemas.microsoft.com/office/drawing/2014/main" id="{F054E591-DAAC-4E2A-A0F3-D46DBD6A7E66}"/>
+              </a:ext>
+            </a:extLst>
+          </p:cNvPr>
+          <p:cNvSpPr txBox="1"/>
+          <p:nvPr/>
+        </p:nvSpPr>
+        <p:spPr>
+          <a:xfrm>
+            <a:off x="590616" y="5388882"/>
+            <a:ext cx="5851491" cy="553998"/>
+          </a:xfrm>
+          <a:prstGeom prst="rect">
+            <a:avLst/>
+          </a:prstGeom>
+          <a:noFill/>
+        </p:spPr>
+        <p:txBody>
+          <a:bodyPr wrap="square" rtlCol="0" anchor="t">
+            <a:spAutoFit/>
+          </a:bodyPr>
+          <a:lstStyle/>
+          <a:p>
+            <a:r>
+              <a:rPr lang="en-US" sz="3000" u="sng" dirty="0"/>
+              <a:t>Common formula for CDF of N(0, 1)</a:t>
+            </a:r>
+            <a:endParaRPr lang="en-US" dirty="0"/>
+          </a:p>
+        </p:txBody>
+      </p:sp>
+      <p:pic>
+        <p:nvPicPr>
+          <p:cNvPr id="20" name="Picture 20" descr="A close up of a person&#10;&#10;Description generated with high confidence">
+            <a:extLst>
+              <a:ext uri="{FF2B5EF4-FFF2-40B4-BE49-F238E27FC236}">
+                <a16:creationId xmlns:a16="http://schemas.microsoft.com/office/drawing/2014/main" id="{44B30531-5E79-4615-A49E-962275CB3A53}"/>
+              </a:ext>
+            </a:extLst>
+          </p:cNvPr>
+          <p:cNvPicPr>
+            <a:picLocks noChangeAspect="1"/>
+          </p:cNvPicPr>
+          <p:nvPr/>
+        </p:nvPicPr>
+        <p:blipFill>
+          <a:blip r:embed="rId8"/>
+          <a:stretch>
+            <a:fillRect/>
+          </a:stretch>
+        </p:blipFill>
+        <p:spPr>
+          <a:xfrm>
+            <a:off x="3638550" y="5943600"/>
+            <a:ext cx="1352550" cy="857250"/>
+          </a:xfrm>
+          <a:prstGeom prst="rect">
+            <a:avLst/>
+          </a:prstGeom>
+        </p:spPr>
+      </p:pic>
     </p:spTree>
     <p:extLst>
       <p:ext uri="{BB962C8B-B14F-4D97-AF65-F5344CB8AC3E}">
@@ -4011,1412 +11901,6 @@
   <p:clrMapOvr>
     <a:masterClrMapping/>
   </p:clrMapOvr>
-</p:sld>
-</file>
-
-<file path=ppt/slides/slide4.xml><?xml version="1.0" encoding="utf-8"?>
-<p:sld xmlns:a="http://schemas.openxmlformats.org/drawingml/2006/main" xmlns:r="http://schemas.openxmlformats.org/officeDocument/2006/relationships" xmlns:p="http://schemas.openxmlformats.org/presentationml/2006/main">
-  <p:cSld>
-    <p:spTree>
-      <p:nvGrpSpPr>
-        <p:cNvPr id="1" name=""/>
-        <p:cNvGrpSpPr/>
-        <p:nvPr/>
-      </p:nvGrpSpPr>
-      <p:grpSpPr>
-        <a:xfrm>
-          <a:off x="0" y="0"/>
-          <a:ext cx="0" cy="0"/>
-          <a:chOff x="0" y="0"/>
-          <a:chExt cx="0" cy="0"/>
-        </a:xfrm>
-      </p:grpSpPr>
-      <p:pic>
-        <p:nvPicPr>
-          <p:cNvPr id="2" name="Picture 1"/>
-          <p:cNvPicPr>
-            <a:picLocks noChangeAspect="1"/>
-          </p:cNvPicPr>
-          <p:nvPr/>
-        </p:nvPicPr>
-        <p:blipFill>
-          <a:blip r:embed="rId2">
-            <a:extLst>
-              <a:ext uri="{28A0092B-C50C-407E-A947-70E740481C1C}">
-                <a14:useLocalDpi xmlns:a14="http://schemas.microsoft.com/office/drawing/2010/main" val="0"/>
-              </a:ext>
-            </a:extLst>
-          </a:blip>
-          <a:stretch>
-            <a:fillRect/>
-          </a:stretch>
-        </p:blipFill>
-        <p:spPr>
-          <a:xfrm>
-            <a:off x="457735" y="299987"/>
-            <a:ext cx="2832100" cy="1663700"/>
-          </a:xfrm>
-          <a:prstGeom prst="rect">
-            <a:avLst/>
-          </a:prstGeom>
-        </p:spPr>
-      </p:pic>
-      <p:pic>
-        <p:nvPicPr>
-          <p:cNvPr id="4" name="Picture 3"/>
-          <p:cNvPicPr>
-            <a:picLocks noChangeAspect="1"/>
-          </p:cNvPicPr>
-          <p:nvPr/>
-        </p:nvPicPr>
-        <p:blipFill>
-          <a:blip r:embed="rId3">
-            <a:extLst>
-              <a:ext uri="{28A0092B-C50C-407E-A947-70E740481C1C}">
-                <a14:useLocalDpi xmlns:a14="http://schemas.microsoft.com/office/drawing/2010/main" val="0"/>
-              </a:ext>
-            </a:extLst>
-          </a:blip>
-          <a:stretch>
-            <a:fillRect/>
-          </a:stretch>
-        </p:blipFill>
-        <p:spPr>
-          <a:xfrm>
-            <a:off x="646898" y="3093243"/>
-            <a:ext cx="1226887" cy="686472"/>
-          </a:xfrm>
-          <a:prstGeom prst="rect">
-            <a:avLst/>
-          </a:prstGeom>
-        </p:spPr>
-      </p:pic>
-      <p:pic>
-        <p:nvPicPr>
-          <p:cNvPr id="7" name="Picture 6"/>
-          <p:cNvPicPr>
-            <a:picLocks noChangeAspect="1"/>
-          </p:cNvPicPr>
-          <p:nvPr/>
-        </p:nvPicPr>
-        <p:blipFill>
-          <a:blip r:embed="rId4">
-            <a:extLst>
-              <a:ext uri="{28A0092B-C50C-407E-A947-70E740481C1C}">
-                <a14:useLocalDpi xmlns:a14="http://schemas.microsoft.com/office/drawing/2010/main" val="0"/>
-              </a:ext>
-            </a:extLst>
-          </a:blip>
-          <a:stretch>
-            <a:fillRect/>
-          </a:stretch>
-        </p:blipFill>
-        <p:spPr>
-          <a:xfrm>
-            <a:off x="2706567" y="3586388"/>
-            <a:ext cx="2256595" cy="292116"/>
-          </a:xfrm>
-          <a:prstGeom prst="rect">
-            <a:avLst/>
-          </a:prstGeom>
-        </p:spPr>
-      </p:pic>
-      <p:pic>
-        <p:nvPicPr>
-          <p:cNvPr id="8" name="Picture 7"/>
-          <p:cNvPicPr>
-            <a:picLocks noChangeAspect="1"/>
-          </p:cNvPicPr>
-          <p:nvPr/>
-        </p:nvPicPr>
-        <p:blipFill>
-          <a:blip r:embed="rId5">
-            <a:extLst>
-              <a:ext uri="{28A0092B-C50C-407E-A947-70E740481C1C}">
-                <a14:useLocalDpi xmlns:a14="http://schemas.microsoft.com/office/drawing/2010/main" val="0"/>
-              </a:ext>
-            </a:extLst>
-          </a:blip>
-          <a:stretch>
-            <a:fillRect/>
-          </a:stretch>
-        </p:blipFill>
-        <p:spPr>
-          <a:xfrm>
-            <a:off x="2706567" y="4012220"/>
-            <a:ext cx="2563316" cy="686472"/>
-          </a:xfrm>
-          <a:prstGeom prst="rect">
-            <a:avLst/>
-          </a:prstGeom>
-        </p:spPr>
-      </p:pic>
-      <p:pic>
-        <p:nvPicPr>
-          <p:cNvPr id="9" name="Picture 8"/>
-          <p:cNvPicPr>
-            <a:picLocks noChangeAspect="1"/>
-          </p:cNvPicPr>
-          <p:nvPr/>
-        </p:nvPicPr>
-        <p:blipFill>
-          <a:blip r:embed="rId6">
-            <a:extLst>
-              <a:ext uri="{28A0092B-C50C-407E-A947-70E740481C1C}">
-                <a14:useLocalDpi xmlns:a14="http://schemas.microsoft.com/office/drawing/2010/main" val="0"/>
-              </a:ext>
-            </a:extLst>
-          </a:blip>
-          <a:stretch>
-            <a:fillRect/>
-          </a:stretch>
-        </p:blipFill>
-        <p:spPr>
-          <a:xfrm>
-            <a:off x="2706567" y="2149374"/>
-            <a:ext cx="2453773" cy="671866"/>
-          </a:xfrm>
-          <a:prstGeom prst="rect">
-            <a:avLst/>
-          </a:prstGeom>
-        </p:spPr>
-      </p:pic>
-      <p:pic>
-        <p:nvPicPr>
-          <p:cNvPr id="10" name="Picture 9"/>
-          <p:cNvPicPr>
-            <a:picLocks noChangeAspect="1"/>
-          </p:cNvPicPr>
-          <p:nvPr/>
-        </p:nvPicPr>
-        <p:blipFill>
-          <a:blip r:embed="rId7">
-            <a:extLst>
-              <a:ext uri="{28A0092B-C50C-407E-A947-70E740481C1C}">
-                <a14:useLocalDpi xmlns:a14="http://schemas.microsoft.com/office/drawing/2010/main" val="0"/>
-              </a:ext>
-            </a:extLst>
-          </a:blip>
-          <a:stretch>
-            <a:fillRect/>
-          </a:stretch>
-        </p:blipFill>
-        <p:spPr>
-          <a:xfrm>
-            <a:off x="2706567" y="2819985"/>
-            <a:ext cx="2621740" cy="744895"/>
-          </a:xfrm>
-          <a:prstGeom prst="rect">
-            <a:avLst/>
-          </a:prstGeom>
-        </p:spPr>
-      </p:pic>
-      <p:pic>
-        <p:nvPicPr>
-          <p:cNvPr id="11" name="Picture 10"/>
-          <p:cNvPicPr>
-            <a:picLocks noChangeAspect="1"/>
-          </p:cNvPicPr>
-          <p:nvPr/>
-        </p:nvPicPr>
-        <p:blipFill>
-          <a:blip r:embed="rId8">
-            <a:extLst>
-              <a:ext uri="{28A0092B-C50C-407E-A947-70E740481C1C}">
-                <a14:useLocalDpi xmlns:a14="http://schemas.microsoft.com/office/drawing/2010/main" val="0"/>
-              </a:ext>
-            </a:extLst>
-          </a:blip>
-          <a:stretch>
-            <a:fillRect/>
-          </a:stretch>
-        </p:blipFill>
-        <p:spPr>
-          <a:xfrm>
-            <a:off x="6833937" y="2641125"/>
-            <a:ext cx="4052235" cy="1237379"/>
-          </a:xfrm>
-          <a:prstGeom prst="rect">
-            <a:avLst/>
-          </a:prstGeom>
-        </p:spPr>
-      </p:pic>
-      <p:sp>
-        <p:nvSpPr>
-          <p:cNvPr id="12" name="TextBox 11"/>
-          <p:cNvSpPr txBox="1"/>
-          <p:nvPr/>
-        </p:nvSpPr>
-        <p:spPr>
-          <a:xfrm>
-            <a:off x="2388835" y="2253505"/>
-            <a:ext cx="3493970" cy="2230739"/>
-          </a:xfrm>
-          <a:prstGeom prst="rect">
-            <a:avLst/>
-          </a:prstGeom>
-          <a:noFill/>
-        </p:spPr>
-        <p:txBody>
-          <a:bodyPr wrap="square" rtlCol="0">
-            <a:spAutoFit/>
-          </a:bodyPr>
-          <a:lstStyle/>
-          <a:p>
-            <a:pPr marL="285750" indent="-285750">
-              <a:lnSpc>
-                <a:spcPct val="200000"/>
-              </a:lnSpc>
-              <a:buFont typeface="Arial" charset="0"/>
-              <a:buChar char="•"/>
-            </a:pPr>
-            <a:r>
-              <a:rPr lang="en-US"/>
-              <a:t> </a:t>
-            </a:r>
-          </a:p>
-          <a:p>
-            <a:pPr marL="285750" indent="-285750">
-              <a:lnSpc>
-                <a:spcPct val="200000"/>
-              </a:lnSpc>
-              <a:buFont typeface="Arial" charset="0"/>
-              <a:buChar char="•"/>
-            </a:pPr>
-            <a:r>
-              <a:rPr lang="en-US"/>
-              <a:t> </a:t>
-            </a:r>
-          </a:p>
-          <a:p>
-            <a:pPr marL="285750" indent="-285750">
-              <a:lnSpc>
-                <a:spcPct val="200000"/>
-              </a:lnSpc>
-              <a:buFont typeface="Arial" charset="0"/>
-              <a:buChar char="•"/>
-            </a:pPr>
-            <a:r>
-              <a:rPr lang="en-US"/>
-              <a:t> </a:t>
-            </a:r>
-          </a:p>
-          <a:p>
-            <a:pPr marL="285750" indent="-285750">
-              <a:lnSpc>
-                <a:spcPct val="200000"/>
-              </a:lnSpc>
-              <a:buFont typeface="Arial" charset="0"/>
-              <a:buChar char="•"/>
-            </a:pPr>
-            <a:r>
-              <a:rPr lang="en-US"/>
-              <a:t> </a:t>
-            </a:r>
-          </a:p>
-        </p:txBody>
-      </p:sp>
-      <p:sp>
-        <p:nvSpPr>
-          <p:cNvPr id="13" name="Right Brace 12"/>
-          <p:cNvSpPr/>
-          <p:nvPr/>
-        </p:nvSpPr>
-        <p:spPr>
-          <a:xfrm rot="10800000">
-            <a:off x="1994199" y="2253505"/>
-            <a:ext cx="394636" cy="2212683"/>
-          </a:xfrm>
-          <a:prstGeom prst="rightBrace">
-            <a:avLst/>
-          </a:prstGeom>
-        </p:spPr>
-        <p:style>
-          <a:lnRef idx="1">
-            <a:schemeClr val="dk1"/>
-          </a:lnRef>
-          <a:fillRef idx="0">
-            <a:schemeClr val="dk1"/>
-          </a:fillRef>
-          <a:effectRef idx="0">
-            <a:schemeClr val="dk1"/>
-          </a:effectRef>
-          <a:fontRef idx="minor">
-            <a:schemeClr val="tx1"/>
-          </a:fontRef>
-        </p:style>
-        <p:txBody>
-          <a:bodyPr rtlCol="0" anchor="ctr"/>
-          <a:lstStyle/>
-          <a:p>
-            <a:pPr algn="ctr"/>
-            <a:endParaRPr lang="en-US"/>
-          </a:p>
-        </p:txBody>
-      </p:sp>
-      <mc:AlternateContent xmlns:mc="http://schemas.openxmlformats.org/markup-compatibility/2006">
-        <mc:Choice xmlns:a14="http://schemas.microsoft.com/office/drawing/2010/main" Requires="a14">
-          <p:sp>
-            <p:nvSpPr>
-              <p:cNvPr id="16" name="TextBox 15"/>
-              <p:cNvSpPr txBox="1"/>
-              <p:nvPr/>
-            </p:nvSpPr>
-            <p:spPr>
-              <a:xfrm>
-                <a:off x="5737230" y="3129013"/>
-                <a:ext cx="540212" cy="461665"/>
-              </a:xfrm>
-              <a:prstGeom prst="rect">
-                <a:avLst/>
-              </a:prstGeom>
-              <a:noFill/>
-            </p:spPr>
-            <p:txBody>
-              <a:bodyPr wrap="none" lIns="0" tIns="0" rIns="0" bIns="0" rtlCol="0">
-                <a:spAutoFit/>
-              </a:bodyPr>
-              <a:lstStyle/>
-              <a:p>
-                <a14:m>
-                  <m:oMathPara xmlns:m="http://schemas.openxmlformats.org/officeDocument/2006/math">
-                    <m:oMathParaPr>
-                      <m:jc m:val="centerGroup"/>
-                    </m:oMathParaPr>
-                    <m:oMath xmlns:m="http://schemas.openxmlformats.org/officeDocument/2006/math">
-                      <m:r>
-                        <a:rPr lang="en-US" sz="3000" i="1">
-                          <a:latin typeface="Cambria Math" charset="0"/>
-                          <a:ea typeface="Cambria Math" charset="0"/>
-                          <a:cs typeface="Cambria Math" charset="0"/>
-                        </a:rPr>
-                        <m:t>⟹</m:t>
-                      </m:r>
-                    </m:oMath>
-                  </m:oMathPara>
-                </a14:m>
-                <a:endParaRPr lang="en-US" sz="3000"/>
-              </a:p>
-            </p:txBody>
-          </p:sp>
-        </mc:Choice>
-        <mc:Fallback>
-          <p:sp>
-            <p:nvSpPr>
-              <p:cNvPr id="16" name="TextBox 15"/>
-              <p:cNvSpPr txBox="1">
-                <a:spLocks noRot="1" noChangeAspect="1" noMove="1" noResize="1" noEditPoints="1" noAdjustHandles="1" noChangeArrowheads="1" noChangeShapeType="1" noTextEdit="1"/>
-              </p:cNvSpPr>
-              <p:nvPr/>
-            </p:nvSpPr>
-            <p:spPr>
-              <a:xfrm>
-                <a:off x="5737230" y="3129013"/>
-                <a:ext cx="540212" cy="461665"/>
-              </a:xfrm>
-              <a:prstGeom prst="rect">
-                <a:avLst/>
-              </a:prstGeom>
-              <a:blipFill rotWithShape="0">
-                <a:blip r:embed="rId9"/>
-                <a:stretch>
-                  <a:fillRect/>
-                </a:stretch>
-              </a:blipFill>
-            </p:spPr>
-            <p:txBody>
-              <a:bodyPr/>
-              <a:lstStyle/>
-              <a:p>
-                <a:r>
-                  <a:rPr lang="en-US">
-                    <a:noFill/>
-                  </a:rPr>
-                  <a:t> </a:t>
-                </a:r>
-              </a:p>
-            </p:txBody>
-          </p:sp>
-        </mc:Fallback>
-      </mc:AlternateContent>
-      <p:pic>
-        <p:nvPicPr>
-          <p:cNvPr id="17" name="Picture 16"/>
-          <p:cNvPicPr>
-            <a:picLocks noChangeAspect="1"/>
-          </p:cNvPicPr>
-          <p:nvPr/>
-        </p:nvPicPr>
-        <p:blipFill>
-          <a:blip r:embed="rId10">
-            <a:extLst>
-              <a:ext uri="{28A0092B-C50C-407E-A947-70E740481C1C}">
-                <a14:useLocalDpi xmlns:a14="http://schemas.microsoft.com/office/drawing/2010/main" val="0"/>
-              </a:ext>
-            </a:extLst>
-          </a:blip>
-          <a:stretch>
-            <a:fillRect/>
-          </a:stretch>
-        </p:blipFill>
-        <p:spPr>
-          <a:xfrm>
-            <a:off x="8526913" y="4009070"/>
-            <a:ext cx="1612900" cy="1079500"/>
-          </a:xfrm>
-          <a:prstGeom prst="rect">
-            <a:avLst/>
-          </a:prstGeom>
-        </p:spPr>
-      </p:pic>
-      <p:pic>
-        <p:nvPicPr>
-          <p:cNvPr id="19" name="Picture 18"/>
-          <p:cNvPicPr>
-            <a:picLocks noChangeAspect="1"/>
-          </p:cNvPicPr>
-          <p:nvPr/>
-        </p:nvPicPr>
-        <p:blipFill>
-          <a:blip r:embed="rId11">
-            <a:extLst>
-              <a:ext uri="{28A0092B-C50C-407E-A947-70E740481C1C}">
-                <a14:useLocalDpi xmlns:a14="http://schemas.microsoft.com/office/drawing/2010/main" val="0"/>
-              </a:ext>
-            </a:extLst>
-          </a:blip>
-          <a:stretch>
-            <a:fillRect/>
-          </a:stretch>
-        </p:blipFill>
-        <p:spPr>
-          <a:xfrm>
-            <a:off x="8526913" y="5219136"/>
-            <a:ext cx="1765300" cy="1079500"/>
-          </a:xfrm>
-          <a:prstGeom prst="rect">
-            <a:avLst/>
-          </a:prstGeom>
-        </p:spPr>
-      </p:pic>
-      <p:pic>
-        <p:nvPicPr>
-          <p:cNvPr id="20" name="Picture 19"/>
-          <p:cNvPicPr>
-            <a:picLocks noChangeAspect="1"/>
-          </p:cNvPicPr>
-          <p:nvPr/>
-        </p:nvPicPr>
-        <p:blipFill>
-          <a:blip r:embed="rId12">
-            <a:extLst>
-              <a:ext uri="{28A0092B-C50C-407E-A947-70E740481C1C}">
-                <a14:useLocalDpi xmlns:a14="http://schemas.microsoft.com/office/drawing/2010/main" val="0"/>
-              </a:ext>
-            </a:extLst>
-          </a:blip>
-          <a:stretch>
-            <a:fillRect/>
-          </a:stretch>
-        </p:blipFill>
-        <p:spPr>
-          <a:xfrm>
-            <a:off x="10382985" y="5600136"/>
-            <a:ext cx="1308100" cy="698500"/>
-          </a:xfrm>
-          <a:prstGeom prst="rect">
-            <a:avLst/>
-          </a:prstGeom>
-        </p:spPr>
-      </p:pic>
-      <p:pic>
-        <p:nvPicPr>
-          <p:cNvPr id="24" name="Picture 23"/>
-          <p:cNvPicPr>
-            <a:picLocks noChangeAspect="1"/>
-          </p:cNvPicPr>
-          <p:nvPr/>
-        </p:nvPicPr>
-        <p:blipFill>
-          <a:blip r:embed="rId13">
-            <a:extLst>
-              <a:ext uri="{28A0092B-C50C-407E-A947-70E740481C1C}">
-                <a14:useLocalDpi xmlns:a14="http://schemas.microsoft.com/office/drawing/2010/main" val="0"/>
-              </a:ext>
-            </a:extLst>
-          </a:blip>
-          <a:stretch>
-            <a:fillRect/>
-          </a:stretch>
-        </p:blipFill>
-        <p:spPr>
-          <a:xfrm>
-            <a:off x="2503237" y="4931584"/>
-            <a:ext cx="4330700" cy="1816100"/>
-          </a:xfrm>
-          <a:prstGeom prst="rect">
-            <a:avLst/>
-          </a:prstGeom>
-          <a:ln>
-            <a:solidFill>
-              <a:srgbClr val="C00000"/>
-            </a:solidFill>
-          </a:ln>
-        </p:spPr>
-      </p:pic>
-    </p:spTree>
-    <p:extLst>
-      <p:ext uri="{BB962C8B-B14F-4D97-AF65-F5344CB8AC3E}">
-        <p14:creationId xmlns:p14="http://schemas.microsoft.com/office/powerpoint/2010/main" val="491932758"/>
-      </p:ext>
-    </p:extLst>
-  </p:cSld>
-  <p:clrMapOvr>
-    <a:masterClrMapping/>
-  </p:clrMapOvr>
-</p:sld>
-</file>
-
-<file path=ppt/slides/slide5.xml><?xml version="1.0" encoding="utf-8"?>
-<p:sld xmlns:a="http://schemas.openxmlformats.org/drawingml/2006/main" xmlns:r="http://schemas.openxmlformats.org/officeDocument/2006/relationships" xmlns:p="http://schemas.openxmlformats.org/presentationml/2006/main">
-  <p:cSld>
-    <p:spTree>
-      <p:nvGrpSpPr>
-        <p:cNvPr id="1" name=""/>
-        <p:cNvGrpSpPr/>
-        <p:nvPr/>
-      </p:nvGrpSpPr>
-      <p:grpSpPr>
-        <a:xfrm>
-          <a:off x="0" y="0"/>
-          <a:ext cx="0" cy="0"/>
-          <a:chOff x="0" y="0"/>
-          <a:chExt cx="0" cy="0"/>
-        </a:xfrm>
-      </p:grpSpPr>
-      <p:pic>
-        <p:nvPicPr>
-          <p:cNvPr id="5" name="Picture 4"/>
-          <p:cNvPicPr>
-            <a:picLocks noChangeAspect="1"/>
-          </p:cNvPicPr>
-          <p:nvPr/>
-        </p:nvPicPr>
-        <p:blipFill>
-          <a:blip r:embed="rId2">
-            <a:extLst>
-              <a:ext uri="{28A0092B-C50C-407E-A947-70E740481C1C}">
-                <a14:useLocalDpi xmlns:a14="http://schemas.microsoft.com/office/drawing/2010/main" val="0"/>
-              </a:ext>
-            </a:extLst>
-          </a:blip>
-          <a:stretch>
-            <a:fillRect/>
-          </a:stretch>
-        </p:blipFill>
-        <p:spPr>
-          <a:xfrm>
-            <a:off x="609600" y="360012"/>
-            <a:ext cx="7315200" cy="3327400"/>
-          </a:xfrm>
-          <a:prstGeom prst="rect">
-            <a:avLst/>
-          </a:prstGeom>
-        </p:spPr>
-      </p:pic>
-    </p:spTree>
-    <p:extLst>
-      <p:ext uri="{BB962C8B-B14F-4D97-AF65-F5344CB8AC3E}">
-        <p14:creationId xmlns:p14="http://schemas.microsoft.com/office/powerpoint/2010/main" val="563215021"/>
-      </p:ext>
-    </p:extLst>
-  </p:cSld>
-  <p:clrMapOvr>
-    <a:masterClrMapping/>
-  </p:clrMapOvr>
-</p:sld>
-</file>
-
-<file path=ppt/slides/slide6.xml><?xml version="1.0" encoding="utf-8"?>
-<p:sld xmlns:a="http://schemas.openxmlformats.org/drawingml/2006/main" xmlns:r="http://schemas.openxmlformats.org/officeDocument/2006/relationships" xmlns:p="http://schemas.openxmlformats.org/presentationml/2006/main">
-  <p:cSld>
-    <p:spTree>
-      <p:nvGrpSpPr>
-        <p:cNvPr id="1" name=""/>
-        <p:cNvGrpSpPr/>
-        <p:nvPr/>
-      </p:nvGrpSpPr>
-      <p:grpSpPr>
-        <a:xfrm>
-          <a:off x="0" y="0"/>
-          <a:ext cx="0" cy="0"/>
-          <a:chOff x="0" y="0"/>
-          <a:chExt cx="0" cy="0"/>
-        </a:xfrm>
-      </p:grpSpPr>
-      <p:pic>
-        <p:nvPicPr>
-          <p:cNvPr id="2" name="Picture 1"/>
-          <p:cNvPicPr>
-            <a:picLocks noChangeAspect="1"/>
-          </p:cNvPicPr>
-          <p:nvPr/>
-        </p:nvPicPr>
-        <p:blipFill>
-          <a:blip r:embed="rId2">
-            <a:extLst>
-              <a:ext uri="{28A0092B-C50C-407E-A947-70E740481C1C}">
-                <a14:useLocalDpi xmlns:a14="http://schemas.microsoft.com/office/drawing/2010/main" val="0"/>
-              </a:ext>
-            </a:extLst>
-          </a:blip>
-          <a:stretch>
-            <a:fillRect/>
-          </a:stretch>
-        </p:blipFill>
-        <p:spPr>
-          <a:xfrm>
-            <a:off x="1140193" y="0"/>
-            <a:ext cx="3873500" cy="1562100"/>
-          </a:xfrm>
-          <a:prstGeom prst="rect">
-            <a:avLst/>
-          </a:prstGeom>
-        </p:spPr>
-      </p:pic>
-      <p:pic>
-        <p:nvPicPr>
-          <p:cNvPr id="3" name="Picture 2"/>
-          <p:cNvPicPr>
-            <a:picLocks noChangeAspect="1"/>
-          </p:cNvPicPr>
-          <p:nvPr/>
-        </p:nvPicPr>
-        <p:blipFill>
-          <a:blip r:embed="rId3">
-            <a:extLst>
-              <a:ext uri="{28A0092B-C50C-407E-A947-70E740481C1C}">
-                <a14:useLocalDpi xmlns:a14="http://schemas.microsoft.com/office/drawing/2010/main" val="0"/>
-              </a:ext>
-            </a:extLst>
-          </a:blip>
-          <a:stretch>
-            <a:fillRect/>
-          </a:stretch>
-        </p:blipFill>
-        <p:spPr>
-          <a:xfrm>
-            <a:off x="1140193" y="1562100"/>
-            <a:ext cx="3594100" cy="1524000"/>
-          </a:xfrm>
-          <a:prstGeom prst="rect">
-            <a:avLst/>
-          </a:prstGeom>
-        </p:spPr>
-      </p:pic>
-      <p:pic>
-        <p:nvPicPr>
-          <p:cNvPr id="4" name="Picture 3"/>
-          <p:cNvPicPr>
-            <a:picLocks noChangeAspect="1"/>
-          </p:cNvPicPr>
-          <p:nvPr/>
-        </p:nvPicPr>
-        <p:blipFill>
-          <a:blip r:embed="rId4">
-            <a:extLst>
-              <a:ext uri="{28A0092B-C50C-407E-A947-70E740481C1C}">
-                <a14:useLocalDpi xmlns:a14="http://schemas.microsoft.com/office/drawing/2010/main" val="0"/>
-              </a:ext>
-            </a:extLst>
-          </a:blip>
-          <a:stretch>
-            <a:fillRect/>
-          </a:stretch>
-        </p:blipFill>
-        <p:spPr>
-          <a:xfrm>
-            <a:off x="1140193" y="3086100"/>
-            <a:ext cx="3556000" cy="1524000"/>
-          </a:xfrm>
-          <a:prstGeom prst="rect">
-            <a:avLst/>
-          </a:prstGeom>
-        </p:spPr>
-      </p:pic>
-      <p:pic>
-        <p:nvPicPr>
-          <p:cNvPr id="6" name="Picture 5"/>
-          <p:cNvPicPr>
-            <a:picLocks noChangeAspect="1"/>
-          </p:cNvPicPr>
-          <p:nvPr/>
-        </p:nvPicPr>
-        <p:blipFill>
-          <a:blip r:embed="rId5">
-            <a:extLst>
-              <a:ext uri="{28A0092B-C50C-407E-A947-70E740481C1C}">
-                <a14:useLocalDpi xmlns:a14="http://schemas.microsoft.com/office/drawing/2010/main" val="0"/>
-              </a:ext>
-            </a:extLst>
-          </a:blip>
-          <a:stretch>
-            <a:fillRect/>
-          </a:stretch>
-        </p:blipFill>
-        <p:spPr>
-          <a:xfrm>
-            <a:off x="1140193" y="4610100"/>
-            <a:ext cx="4051300" cy="1346200"/>
-          </a:xfrm>
-          <a:prstGeom prst="rect">
-            <a:avLst/>
-          </a:prstGeom>
-        </p:spPr>
-      </p:pic>
-      <p:pic>
-        <p:nvPicPr>
-          <p:cNvPr id="7" name="Picture 6"/>
-          <p:cNvPicPr>
-            <a:picLocks noChangeAspect="1"/>
-          </p:cNvPicPr>
-          <p:nvPr/>
-        </p:nvPicPr>
-        <p:blipFill>
-          <a:blip r:embed="rId6">
-            <a:extLst>
-              <a:ext uri="{28A0092B-C50C-407E-A947-70E740481C1C}">
-                <a14:useLocalDpi xmlns:a14="http://schemas.microsoft.com/office/drawing/2010/main" val="0"/>
-              </a:ext>
-            </a:extLst>
-          </a:blip>
-          <a:stretch>
-            <a:fillRect/>
-          </a:stretch>
-        </p:blipFill>
-        <p:spPr>
-          <a:xfrm>
-            <a:off x="1140193" y="5956300"/>
-            <a:ext cx="4305300" cy="812800"/>
-          </a:xfrm>
-          <a:prstGeom prst="rect">
-            <a:avLst/>
-          </a:prstGeom>
-        </p:spPr>
-      </p:pic>
-      <mc:AlternateContent xmlns:mc="http://schemas.openxmlformats.org/markup-compatibility/2006">
-        <mc:Choice xmlns:a14="http://schemas.microsoft.com/office/drawing/2010/main" Requires="a14">
-          <p:sp>
-            <p:nvSpPr>
-              <p:cNvPr id="8" name="TextBox 7"/>
-              <p:cNvSpPr txBox="1"/>
-              <p:nvPr/>
-            </p:nvSpPr>
-            <p:spPr>
-              <a:xfrm>
-                <a:off x="320581" y="1945105"/>
-                <a:ext cx="540212" cy="461665"/>
-              </a:xfrm>
-              <a:prstGeom prst="rect">
-                <a:avLst/>
-              </a:prstGeom>
-              <a:noFill/>
-            </p:spPr>
-            <p:txBody>
-              <a:bodyPr wrap="none" lIns="0" tIns="0" rIns="0" bIns="0" rtlCol="0">
-                <a:spAutoFit/>
-              </a:bodyPr>
-              <a:lstStyle/>
-              <a:p>
-                <a14:m>
-                  <m:oMathPara xmlns:m="http://schemas.openxmlformats.org/officeDocument/2006/math">
-                    <m:oMathParaPr>
-                      <m:jc m:val="centerGroup"/>
-                    </m:oMathParaPr>
-                    <m:oMath xmlns:m="http://schemas.openxmlformats.org/officeDocument/2006/math">
-                      <m:r>
-                        <a:rPr lang="en-US" sz="3000" i="1">
-                          <a:latin typeface="Cambria Math" charset="0"/>
-                          <a:ea typeface="Cambria Math" charset="0"/>
-                          <a:cs typeface="Cambria Math" charset="0"/>
-                        </a:rPr>
-                        <m:t>⟹</m:t>
-                      </m:r>
-                    </m:oMath>
-                  </m:oMathPara>
-                </a14:m>
-                <a:endParaRPr lang="en-US" sz="3000"/>
-              </a:p>
-            </p:txBody>
-          </p:sp>
-        </mc:Choice>
-        <mc:Fallback>
-          <p:sp>
-            <p:nvSpPr>
-              <p:cNvPr id="8" name="TextBox 7"/>
-              <p:cNvSpPr txBox="1">
-                <a:spLocks noRot="1" noChangeAspect="1" noMove="1" noResize="1" noEditPoints="1" noAdjustHandles="1" noChangeArrowheads="1" noChangeShapeType="1" noTextEdit="1"/>
-              </p:cNvSpPr>
-              <p:nvPr/>
-            </p:nvSpPr>
-            <p:spPr>
-              <a:xfrm>
-                <a:off x="320581" y="1945105"/>
-                <a:ext cx="540212" cy="461665"/>
-              </a:xfrm>
-              <a:prstGeom prst="rect">
-                <a:avLst/>
-              </a:prstGeom>
-              <a:blipFill rotWithShape="0">
-                <a:blip r:embed="rId7"/>
-                <a:stretch>
-                  <a:fillRect/>
-                </a:stretch>
-              </a:blipFill>
-            </p:spPr>
-            <p:txBody>
-              <a:bodyPr/>
-              <a:lstStyle/>
-              <a:p>
-                <a:r>
-                  <a:rPr lang="en-US">
-                    <a:noFill/>
-                  </a:rPr>
-                  <a:t> </a:t>
-                </a:r>
-              </a:p>
-            </p:txBody>
-          </p:sp>
-        </mc:Fallback>
-      </mc:AlternateContent>
-      <mc:AlternateContent xmlns:mc="http://schemas.openxmlformats.org/markup-compatibility/2006">
-        <mc:Choice xmlns:a14="http://schemas.microsoft.com/office/drawing/2010/main" Requires="a14">
-          <p:sp>
-            <p:nvSpPr>
-              <p:cNvPr id="9" name="TextBox 8"/>
-              <p:cNvSpPr txBox="1"/>
-              <p:nvPr/>
-            </p:nvSpPr>
-            <p:spPr>
-              <a:xfrm>
-                <a:off x="320581" y="3473917"/>
-                <a:ext cx="540212" cy="461665"/>
-              </a:xfrm>
-              <a:prstGeom prst="rect">
-                <a:avLst/>
-              </a:prstGeom>
-              <a:noFill/>
-            </p:spPr>
-            <p:txBody>
-              <a:bodyPr wrap="none" lIns="0" tIns="0" rIns="0" bIns="0" rtlCol="0">
-                <a:spAutoFit/>
-              </a:bodyPr>
-              <a:lstStyle/>
-              <a:p>
-                <a14:m>
-                  <m:oMathPara xmlns:m="http://schemas.openxmlformats.org/officeDocument/2006/math">
-                    <m:oMathParaPr>
-                      <m:jc m:val="centerGroup"/>
-                    </m:oMathParaPr>
-                    <m:oMath xmlns:m="http://schemas.openxmlformats.org/officeDocument/2006/math">
-                      <m:r>
-                        <a:rPr lang="en-US" sz="3000" i="1">
-                          <a:latin typeface="Cambria Math" charset="0"/>
-                          <a:ea typeface="Cambria Math" charset="0"/>
-                          <a:cs typeface="Cambria Math" charset="0"/>
-                        </a:rPr>
-                        <m:t>⟹</m:t>
-                      </m:r>
-                    </m:oMath>
-                  </m:oMathPara>
-                </a14:m>
-                <a:endParaRPr lang="en-US" sz="3000"/>
-              </a:p>
-            </p:txBody>
-          </p:sp>
-        </mc:Choice>
-        <mc:Fallback>
-          <p:sp>
-            <p:nvSpPr>
-              <p:cNvPr id="9" name="TextBox 8"/>
-              <p:cNvSpPr txBox="1">
-                <a:spLocks noRot="1" noChangeAspect="1" noMove="1" noResize="1" noEditPoints="1" noAdjustHandles="1" noChangeArrowheads="1" noChangeShapeType="1" noTextEdit="1"/>
-              </p:cNvSpPr>
-              <p:nvPr/>
-            </p:nvSpPr>
-            <p:spPr>
-              <a:xfrm>
-                <a:off x="320581" y="3473917"/>
-                <a:ext cx="540212" cy="461665"/>
-              </a:xfrm>
-              <a:prstGeom prst="rect">
-                <a:avLst/>
-              </a:prstGeom>
-              <a:blipFill rotWithShape="0">
-                <a:blip r:embed="rId8"/>
-                <a:stretch>
-                  <a:fillRect/>
-                </a:stretch>
-              </a:blipFill>
-            </p:spPr>
-            <p:txBody>
-              <a:bodyPr/>
-              <a:lstStyle/>
-              <a:p>
-                <a:r>
-                  <a:rPr lang="en-US">
-                    <a:noFill/>
-                  </a:rPr>
-                  <a:t> </a:t>
-                </a:r>
-              </a:p>
-            </p:txBody>
-          </p:sp>
-        </mc:Fallback>
-      </mc:AlternateContent>
-      <mc:AlternateContent xmlns:mc="http://schemas.openxmlformats.org/markup-compatibility/2006">
-        <mc:Choice xmlns:a14="http://schemas.microsoft.com/office/drawing/2010/main" Requires="a14">
-          <p:sp>
-            <p:nvSpPr>
-              <p:cNvPr id="10" name="TextBox 9"/>
-              <p:cNvSpPr txBox="1"/>
-              <p:nvPr/>
-            </p:nvSpPr>
-            <p:spPr>
-              <a:xfrm>
-                <a:off x="345981" y="4906477"/>
-                <a:ext cx="540212" cy="461665"/>
-              </a:xfrm>
-              <a:prstGeom prst="rect">
-                <a:avLst/>
-              </a:prstGeom>
-              <a:noFill/>
-            </p:spPr>
-            <p:txBody>
-              <a:bodyPr wrap="none" lIns="0" tIns="0" rIns="0" bIns="0" rtlCol="0">
-                <a:spAutoFit/>
-              </a:bodyPr>
-              <a:lstStyle/>
-              <a:p>
-                <a14:m>
-                  <m:oMathPara xmlns:m="http://schemas.openxmlformats.org/officeDocument/2006/math">
-                    <m:oMathParaPr>
-                      <m:jc m:val="centerGroup"/>
-                    </m:oMathParaPr>
-                    <m:oMath xmlns:m="http://schemas.openxmlformats.org/officeDocument/2006/math">
-                      <m:r>
-                        <a:rPr lang="en-US" sz="3000" i="1">
-                          <a:latin typeface="Cambria Math" charset="0"/>
-                          <a:ea typeface="Cambria Math" charset="0"/>
-                          <a:cs typeface="Cambria Math" charset="0"/>
-                        </a:rPr>
-                        <m:t>⟹</m:t>
-                      </m:r>
-                    </m:oMath>
-                  </m:oMathPara>
-                </a14:m>
-                <a:endParaRPr lang="en-US" sz="3000"/>
-              </a:p>
-            </p:txBody>
-          </p:sp>
-        </mc:Choice>
-        <mc:Fallback>
-          <p:sp>
-            <p:nvSpPr>
-              <p:cNvPr id="10" name="TextBox 9"/>
-              <p:cNvSpPr txBox="1">
-                <a:spLocks noRot="1" noChangeAspect="1" noMove="1" noResize="1" noEditPoints="1" noAdjustHandles="1" noChangeArrowheads="1" noChangeShapeType="1" noTextEdit="1"/>
-              </p:cNvSpPr>
-              <p:nvPr/>
-            </p:nvSpPr>
-            <p:spPr>
-              <a:xfrm>
-                <a:off x="345981" y="4906477"/>
-                <a:ext cx="540212" cy="461665"/>
-              </a:xfrm>
-              <a:prstGeom prst="rect">
-                <a:avLst/>
-              </a:prstGeom>
-              <a:blipFill rotWithShape="0">
-                <a:blip r:embed="rId9"/>
-                <a:stretch>
-                  <a:fillRect/>
-                </a:stretch>
-              </a:blipFill>
-            </p:spPr>
-            <p:txBody>
-              <a:bodyPr/>
-              <a:lstStyle/>
-              <a:p>
-                <a:r>
-                  <a:rPr lang="en-US">
-                    <a:noFill/>
-                  </a:rPr>
-                  <a:t> </a:t>
-                </a:r>
-              </a:p>
-            </p:txBody>
-          </p:sp>
-        </mc:Fallback>
-      </mc:AlternateContent>
-      <mc:AlternateContent xmlns:mc="http://schemas.openxmlformats.org/markup-compatibility/2006">
-        <mc:Choice xmlns:a14="http://schemas.microsoft.com/office/drawing/2010/main" Requires="a14">
-          <p:sp>
-            <p:nvSpPr>
-              <p:cNvPr id="11" name="TextBox 10"/>
-              <p:cNvSpPr txBox="1"/>
-              <p:nvPr/>
-            </p:nvSpPr>
-            <p:spPr>
-              <a:xfrm>
-                <a:off x="345981" y="6204456"/>
-                <a:ext cx="540212" cy="461665"/>
-              </a:xfrm>
-              <a:prstGeom prst="rect">
-                <a:avLst/>
-              </a:prstGeom>
-              <a:noFill/>
-            </p:spPr>
-            <p:txBody>
-              <a:bodyPr wrap="none" lIns="0" tIns="0" rIns="0" bIns="0" rtlCol="0">
-                <a:spAutoFit/>
-              </a:bodyPr>
-              <a:lstStyle/>
-              <a:p>
-                <a14:m>
-                  <m:oMathPara xmlns:m="http://schemas.openxmlformats.org/officeDocument/2006/math">
-                    <m:oMathParaPr>
-                      <m:jc m:val="centerGroup"/>
-                    </m:oMathParaPr>
-                    <m:oMath xmlns:m="http://schemas.openxmlformats.org/officeDocument/2006/math">
-                      <m:r>
-                        <a:rPr lang="en-US" sz="3000" i="1">
-                          <a:latin typeface="Cambria Math" charset="0"/>
-                          <a:ea typeface="Cambria Math" charset="0"/>
-                          <a:cs typeface="Cambria Math" charset="0"/>
-                        </a:rPr>
-                        <m:t>⟹</m:t>
-                      </m:r>
-                    </m:oMath>
-                  </m:oMathPara>
-                </a14:m>
-                <a:endParaRPr lang="en-US" sz="3000"/>
-              </a:p>
-            </p:txBody>
-          </p:sp>
-        </mc:Choice>
-        <mc:Fallback>
-          <p:sp>
-            <p:nvSpPr>
-              <p:cNvPr id="11" name="TextBox 10"/>
-              <p:cNvSpPr txBox="1">
-                <a:spLocks noRot="1" noChangeAspect="1" noMove="1" noResize="1" noEditPoints="1" noAdjustHandles="1" noChangeArrowheads="1" noChangeShapeType="1" noTextEdit="1"/>
-              </p:cNvSpPr>
-              <p:nvPr/>
-            </p:nvSpPr>
-            <p:spPr>
-              <a:xfrm>
-                <a:off x="345981" y="6204456"/>
-                <a:ext cx="540212" cy="461665"/>
-              </a:xfrm>
-              <a:prstGeom prst="rect">
-                <a:avLst/>
-              </a:prstGeom>
-              <a:blipFill rotWithShape="0">
-                <a:blip r:embed="rId10"/>
-                <a:stretch>
-                  <a:fillRect/>
-                </a:stretch>
-              </a:blipFill>
-            </p:spPr>
-            <p:txBody>
-              <a:bodyPr/>
-              <a:lstStyle/>
-              <a:p>
-                <a:r>
-                  <a:rPr lang="en-US">
-                    <a:noFill/>
-                  </a:rPr>
-                  <a:t> </a:t>
-                </a:r>
-              </a:p>
-            </p:txBody>
-          </p:sp>
-        </mc:Fallback>
-      </mc:AlternateContent>
-    </p:spTree>
-    <p:extLst>
-      <p:ext uri="{BB962C8B-B14F-4D97-AF65-F5344CB8AC3E}">
-        <p14:creationId xmlns:p14="http://schemas.microsoft.com/office/powerpoint/2010/main" val="1848783940"/>
-      </p:ext>
-    </p:extLst>
-  </p:cSld>
-  <p:clrMapOvr>
-    <a:masterClrMapping/>
-  </p:clrMapOvr>
-</p:sld>
-</file>
-
-<file path=ppt/slides/slide7.xml><?xml version="1.0" encoding="utf-8"?>
-<p:sld xmlns:a="http://schemas.openxmlformats.org/drawingml/2006/main" xmlns:r="http://schemas.openxmlformats.org/officeDocument/2006/relationships" xmlns:p="http://schemas.openxmlformats.org/presentationml/2006/main">
-  <p:cSld>
-    <p:spTree>
-      <p:nvGrpSpPr>
-        <p:cNvPr id="1" name=""/>
-        <p:cNvGrpSpPr/>
-        <p:nvPr/>
-      </p:nvGrpSpPr>
-      <p:grpSpPr>
-        <a:xfrm>
-          <a:off x="0" y="0"/>
-          <a:ext cx="0" cy="0"/>
-          <a:chOff x="0" y="0"/>
-          <a:chExt cx="0" cy="0"/>
-        </a:xfrm>
-      </p:grpSpPr>
-      <p:pic>
-        <p:nvPicPr>
-          <p:cNvPr id="2" name="Picture 1"/>
-          <p:cNvPicPr>
-            <a:picLocks noChangeAspect="1"/>
-          </p:cNvPicPr>
-          <p:nvPr/>
-        </p:nvPicPr>
-        <p:blipFill>
-          <a:blip r:embed="rId2">
-            <a:extLst>
-              <a:ext uri="{28A0092B-C50C-407E-A947-70E740481C1C}">
-                <a14:useLocalDpi xmlns:a14="http://schemas.microsoft.com/office/drawing/2010/main" val="0"/>
-              </a:ext>
-            </a:extLst>
-          </a:blip>
-          <a:stretch>
-            <a:fillRect/>
-          </a:stretch>
-        </p:blipFill>
-        <p:spPr>
-          <a:xfrm>
-            <a:off x="2667000" y="0"/>
-            <a:ext cx="6858000" cy="6858000"/>
-          </a:xfrm>
-          <a:prstGeom prst="rect">
-            <a:avLst/>
-          </a:prstGeom>
-        </p:spPr>
-      </p:pic>
-    </p:spTree>
-    <p:extLst>
-      <p:ext uri="{BB962C8B-B14F-4D97-AF65-F5344CB8AC3E}">
-        <p14:creationId xmlns:p14="http://schemas.microsoft.com/office/powerpoint/2010/main" val="818388813"/>
-      </p:ext>
-    </p:extLst>
-  </p:cSld>
-  <p:clrMapOvr>
-    <a:masterClrMapping/>
-  </p:clrMapOvr>
-</p:sld>
-</file>
-
-<file path=ppt/slides/slide8.xml><?xml version="1.0" encoding="utf-8"?>
-<p:sld xmlns:a="http://schemas.openxmlformats.org/drawingml/2006/main" xmlns:r="http://schemas.openxmlformats.org/officeDocument/2006/relationships" xmlns:p="http://schemas.openxmlformats.org/presentationml/2006/main">
-  <p:cSld>
-    <p:spTree>
-      <p:nvGrpSpPr>
-        <p:cNvPr id="1" name=""/>
-        <p:cNvGrpSpPr/>
-        <p:nvPr/>
-      </p:nvGrpSpPr>
-      <p:grpSpPr>
-        <a:xfrm>
-          <a:off x="0" y="0"/>
-          <a:ext cx="0" cy="0"/>
-          <a:chOff x="0" y="0"/>
-          <a:chExt cx="0" cy="0"/>
-        </a:xfrm>
-      </p:grpSpPr>
-      <p:pic>
-        <p:nvPicPr>
-          <p:cNvPr id="2" name="Picture 1"/>
-          <p:cNvPicPr>
-            <a:picLocks noChangeAspect="1"/>
-          </p:cNvPicPr>
-          <p:nvPr/>
-        </p:nvPicPr>
-        <p:blipFill>
-          <a:blip r:embed="rId2">
-            <a:extLst>
-              <a:ext uri="{28A0092B-C50C-407E-A947-70E740481C1C}">
-                <a14:useLocalDpi xmlns:a14="http://schemas.microsoft.com/office/drawing/2010/main" val="0"/>
-              </a:ext>
-            </a:extLst>
-          </a:blip>
-          <a:stretch>
-            <a:fillRect/>
-          </a:stretch>
-        </p:blipFill>
-        <p:spPr>
-          <a:xfrm>
-            <a:off x="2667000" y="0"/>
-            <a:ext cx="6858000" cy="6858000"/>
-          </a:xfrm>
-          <a:prstGeom prst="rect">
-            <a:avLst/>
-          </a:prstGeom>
-        </p:spPr>
-      </p:pic>
-    </p:spTree>
-    <p:extLst>
-      <p:ext uri="{BB962C8B-B14F-4D97-AF65-F5344CB8AC3E}">
-        <p14:creationId xmlns:p14="http://schemas.microsoft.com/office/powerpoint/2010/main" val="757201812"/>
-      </p:ext>
-    </p:extLst>
-  </p:cSld>
-  <p:clrMapOvr>
-    <a:masterClrMapping/>
-  </p:clrMapOvr>
-</p:sld>
-</file>
-
-<file path=ppt/slides/slide9.xml><?xml version="1.0" encoding="utf-8"?>
-<p:sld xmlns:a="http://schemas.openxmlformats.org/drawingml/2006/main" xmlns:r="http://schemas.openxmlformats.org/officeDocument/2006/relationships" xmlns:p="http://schemas.openxmlformats.org/presentationml/2006/main">
-  <p:cSld>
-    <p:spTree>
-      <p:nvGrpSpPr>
-        <p:cNvPr id="1" name=""/>
-        <p:cNvGrpSpPr/>
-        <p:nvPr/>
-      </p:nvGrpSpPr>
-      <p:grpSpPr>
-        <a:xfrm>
-          <a:off x="0" y="0"/>
-          <a:ext cx="0" cy="0"/>
-          <a:chOff x="0" y="0"/>
-          <a:chExt cx="0" cy="0"/>
-        </a:xfrm>
-      </p:grpSpPr>
-      <p:pic>
-        <p:nvPicPr>
-          <p:cNvPr id="2" name="box_muller.mp4">
-            <a:hlinkClick r:id="" action="ppaction://media"/>
-          </p:cNvPr>
-          <p:cNvPicPr>
-            <a:picLocks noChangeAspect="1"/>
-          </p:cNvPicPr>
-          <p:nvPr>
-            <a:videoFile r:link="rId2"/>
-            <p:extLst>
-              <p:ext uri="{DAA4B4D4-6D71-4841-9C94-3DE7FCFB9230}">
-                <p14:media xmlns:p14="http://schemas.microsoft.com/office/powerpoint/2010/main" r:embed="rId1"/>
-              </p:ext>
-            </p:extLst>
-          </p:nvPr>
-        </p:nvPicPr>
-        <p:blipFill>
-          <a:blip r:embed="rId4"/>
-          <a:stretch>
-            <a:fillRect/>
-          </a:stretch>
-        </p:blipFill>
-        <p:spPr>
-          <a:xfrm>
-            <a:off x="1628675" y="0"/>
-            <a:ext cx="8915400" cy="6858000"/>
-          </a:xfrm>
-          <a:prstGeom prst="rect">
-            <a:avLst/>
-          </a:prstGeom>
-        </p:spPr>
-      </p:pic>
-    </p:spTree>
-    <p:extLst>
-      <p:ext uri="{BB962C8B-B14F-4D97-AF65-F5344CB8AC3E}">
-        <p14:creationId xmlns:p14="http://schemas.microsoft.com/office/powerpoint/2010/main" val="1941096947"/>
-      </p:ext>
-    </p:extLst>
-  </p:cSld>
-  <p:clrMapOvr>
-    <a:masterClrMapping/>
-  </p:clrMapOvr>
-  <p:timing>
-    <p:tnLst>
-      <p:par>
-        <p:cTn id="1" dur="indefinite" restart="never" nodeType="tmRoot">
-          <p:childTnLst>
-            <p:seq concurrent="1" nextAc="seek">
-              <p:cTn id="2" restart="whenNotActive" fill="hold" evtFilter="cancelBubble" nodeType="interactiveSeq">
-                <p:stCondLst>
-                  <p:cond evt="onClick" delay="0">
-                    <p:tgtEl>
-                      <p:spTgt spid="2"/>
-                    </p:tgtEl>
-                  </p:cond>
-                </p:stCondLst>
-                <p:endSync evt="end" delay="0">
-                  <p:rtn val="all"/>
-                </p:endSync>
-                <p:childTnLst>
-                  <p:par>
-                    <p:cTn id="3" fill="hold">
-                      <p:stCondLst>
-                        <p:cond delay="0"/>
-                      </p:stCondLst>
-                      <p:childTnLst>
-                        <p:par>
-                          <p:cTn id="4" fill="hold">
-                            <p:stCondLst>
-                              <p:cond delay="0"/>
-                            </p:stCondLst>
-                            <p:childTnLst>
-                              <p:par>
-                                <p:cTn id="5" presetID="2" presetClass="mediacall" presetSubtype="0" fill="hold" nodeType="clickEffect">
-                                  <p:stCondLst>
-                                    <p:cond delay="0"/>
-                                  </p:stCondLst>
-                                  <p:childTnLst>
-                                    <p:cmd type="call" cmd="togglePause">
-                                      <p:cBhvr>
-                                        <p:cTn id="6" dur="1" fill="hold"/>
-                                        <p:tgtEl>
-                                          <p:spTgt spid="2"/>
-                                        </p:tgtEl>
-                                      </p:cBhvr>
-                                    </p:cmd>
-                                  </p:childTnLst>
-                                </p:cTn>
-                              </p:par>
-                            </p:childTnLst>
-                          </p:cTn>
-                        </p:par>
-                      </p:childTnLst>
-                    </p:cTn>
-                  </p:par>
-                </p:childTnLst>
-              </p:cTn>
-              <p:nextCondLst>
-                <p:cond evt="onClick" delay="0">
-                  <p:tgtEl>
-                    <p:spTgt spid="2"/>
-                  </p:tgtEl>
-                </p:cond>
-              </p:nextCondLst>
-            </p:seq>
-            <p:video>
-              <p:cMediaNode vol="80000">
-                <p:cTn id="7" fill="hold" display="0">
-                  <p:stCondLst>
-                    <p:cond delay="indefinite"/>
-                  </p:stCondLst>
-                </p:cTn>
-                <p:tgtEl>
-                  <p:spTgt spid="2"/>
-                </p:tgtEl>
-              </p:cMediaNode>
-            </p:video>
-          </p:childTnLst>
-        </p:cTn>
-      </p:par>
-    </p:tnLst>
-  </p:timing>
 </p:sld>
 </file>
 
